--- a/Grafiken.pptx
+++ b/Grafiken.pptx
@@ -259,7 +259,7 @@
           <a:p>
             <a:fld id="{38527B41-082D-4A5E-AD7C-F6480121FF5E}" type="datetimeFigureOut">
               <a:rPr lang="de-DE" smtClean="0"/>
-              <a:t>16.12.2020</a:t>
+              <a:t>20.12.2020</a:t>
             </a:fld>
             <a:endParaRPr lang="de-DE"/>
           </a:p>
@@ -457,7 +457,7 @@
           <a:p>
             <a:fld id="{38527B41-082D-4A5E-AD7C-F6480121FF5E}" type="datetimeFigureOut">
               <a:rPr lang="de-DE" smtClean="0"/>
-              <a:t>16.12.2020</a:t>
+              <a:t>20.12.2020</a:t>
             </a:fld>
             <a:endParaRPr lang="de-DE"/>
           </a:p>
@@ -665,7 +665,7 @@
           <a:p>
             <a:fld id="{38527B41-082D-4A5E-AD7C-F6480121FF5E}" type="datetimeFigureOut">
               <a:rPr lang="de-DE" smtClean="0"/>
-              <a:t>16.12.2020</a:t>
+              <a:t>20.12.2020</a:t>
             </a:fld>
             <a:endParaRPr lang="de-DE"/>
           </a:p>
@@ -863,7 +863,7 @@
           <a:p>
             <a:fld id="{38527B41-082D-4A5E-AD7C-F6480121FF5E}" type="datetimeFigureOut">
               <a:rPr lang="de-DE" smtClean="0"/>
-              <a:t>16.12.2020</a:t>
+              <a:t>20.12.2020</a:t>
             </a:fld>
             <a:endParaRPr lang="de-DE"/>
           </a:p>
@@ -1138,7 +1138,7 @@
           <a:p>
             <a:fld id="{38527B41-082D-4A5E-AD7C-F6480121FF5E}" type="datetimeFigureOut">
               <a:rPr lang="de-DE" smtClean="0"/>
-              <a:t>16.12.2020</a:t>
+              <a:t>20.12.2020</a:t>
             </a:fld>
             <a:endParaRPr lang="de-DE"/>
           </a:p>
@@ -1403,7 +1403,7 @@
           <a:p>
             <a:fld id="{38527B41-082D-4A5E-AD7C-F6480121FF5E}" type="datetimeFigureOut">
               <a:rPr lang="de-DE" smtClean="0"/>
-              <a:t>16.12.2020</a:t>
+              <a:t>20.12.2020</a:t>
             </a:fld>
             <a:endParaRPr lang="de-DE"/>
           </a:p>
@@ -1815,7 +1815,7 @@
           <a:p>
             <a:fld id="{38527B41-082D-4A5E-AD7C-F6480121FF5E}" type="datetimeFigureOut">
               <a:rPr lang="de-DE" smtClean="0"/>
-              <a:t>16.12.2020</a:t>
+              <a:t>20.12.2020</a:t>
             </a:fld>
             <a:endParaRPr lang="de-DE"/>
           </a:p>
@@ -1956,7 +1956,7 @@
           <a:p>
             <a:fld id="{38527B41-082D-4A5E-AD7C-F6480121FF5E}" type="datetimeFigureOut">
               <a:rPr lang="de-DE" smtClean="0"/>
-              <a:t>16.12.2020</a:t>
+              <a:t>20.12.2020</a:t>
             </a:fld>
             <a:endParaRPr lang="de-DE"/>
           </a:p>
@@ -2069,7 +2069,7 @@
           <a:p>
             <a:fld id="{38527B41-082D-4A5E-AD7C-F6480121FF5E}" type="datetimeFigureOut">
               <a:rPr lang="de-DE" smtClean="0"/>
-              <a:t>16.12.2020</a:t>
+              <a:t>20.12.2020</a:t>
             </a:fld>
             <a:endParaRPr lang="de-DE"/>
           </a:p>
@@ -2380,7 +2380,7 @@
           <a:p>
             <a:fld id="{38527B41-082D-4A5E-AD7C-F6480121FF5E}" type="datetimeFigureOut">
               <a:rPr lang="de-DE" smtClean="0"/>
-              <a:t>16.12.2020</a:t>
+              <a:t>20.12.2020</a:t>
             </a:fld>
             <a:endParaRPr lang="de-DE"/>
           </a:p>
@@ -2668,7 +2668,7 @@
           <a:p>
             <a:fld id="{38527B41-082D-4A5E-AD7C-F6480121FF5E}" type="datetimeFigureOut">
               <a:rPr lang="de-DE" smtClean="0"/>
-              <a:t>16.12.2020</a:t>
+              <a:t>20.12.2020</a:t>
             </a:fld>
             <a:endParaRPr lang="de-DE"/>
           </a:p>
@@ -2909,7 +2909,7 @@
           <a:p>
             <a:fld id="{38527B41-082D-4A5E-AD7C-F6480121FF5E}" type="datetimeFigureOut">
               <a:rPr lang="de-DE" smtClean="0"/>
-              <a:t>16.12.2020</a:t>
+              <a:t>20.12.2020</a:t>
             </a:fld>
             <a:endParaRPr lang="de-DE"/>
           </a:p>
@@ -4085,6 +4085,250 @@
           </a:p>
         </p:txBody>
       </p:sp>
+      <p:sp>
+        <p:nvSpPr>
+          <p:cNvPr id="20" name="Rechteck 19">
+            <a:extLst>
+              <a:ext uri="{FF2B5EF4-FFF2-40B4-BE49-F238E27FC236}">
+                <a16:creationId xmlns:a16="http://schemas.microsoft.com/office/drawing/2014/main" id="{227D7B75-5DF5-40AE-A035-AE68DD9D2F09}"/>
+              </a:ext>
+            </a:extLst>
+          </p:cNvPr>
+          <p:cNvSpPr/>
+          <p:nvPr/>
+        </p:nvSpPr>
+        <p:spPr>
+          <a:xfrm>
+            <a:off x="6833964" y="3116789"/>
+            <a:ext cx="1800000" cy="1800000"/>
+          </a:xfrm>
+          <a:prstGeom prst="rect">
+            <a:avLst/>
+          </a:prstGeom>
+          <a:solidFill>
+            <a:schemeClr val="accent2">
+              <a:lumMod val="60000"/>
+              <a:lumOff val="40000"/>
+            </a:schemeClr>
+          </a:solidFill>
+          <a:ln w="57150">
+            <a:solidFill>
+              <a:schemeClr val="tx1"/>
+            </a:solidFill>
+          </a:ln>
+        </p:spPr>
+        <p:style>
+          <a:lnRef idx="2">
+            <a:schemeClr val="accent1">
+              <a:shade val="50000"/>
+            </a:schemeClr>
+          </a:lnRef>
+          <a:fillRef idx="1">
+            <a:schemeClr val="accent1"/>
+          </a:fillRef>
+          <a:effectRef idx="0">
+            <a:schemeClr val="accent1"/>
+          </a:effectRef>
+          <a:fontRef idx="minor">
+            <a:schemeClr val="lt1"/>
+          </a:fontRef>
+        </p:style>
+        <p:txBody>
+          <a:bodyPr rtlCol="0" anchor="ctr"/>
+          <a:lstStyle/>
+          <a:p>
+            <a:pPr algn="ctr"/>
+            <a:endParaRPr lang="de-DE"/>
+          </a:p>
+        </p:txBody>
+      </p:sp>
+      <p:sp>
+        <p:nvSpPr>
+          <p:cNvPr id="2" name="Flussdiagramm: Zusammenstellen 1">
+            <a:extLst>
+              <a:ext uri="{FF2B5EF4-FFF2-40B4-BE49-F238E27FC236}">
+                <a16:creationId xmlns:a16="http://schemas.microsoft.com/office/drawing/2014/main" id="{7576472E-4C6C-4D18-90E8-78BA8F466A59}"/>
+              </a:ext>
+            </a:extLst>
+          </p:cNvPr>
+          <p:cNvSpPr/>
+          <p:nvPr/>
+        </p:nvSpPr>
+        <p:spPr>
+          <a:xfrm>
+            <a:off x="7162829" y="3323150"/>
+            <a:ext cx="1142270" cy="1397158"/>
+          </a:xfrm>
+          <a:prstGeom prst="flowChartCollate">
+            <a:avLst/>
+          </a:prstGeom>
+          <a:solidFill>
+            <a:schemeClr val="bg1"/>
+          </a:solidFill>
+          <a:ln w="76200">
+            <a:solidFill>
+              <a:schemeClr val="tx1"/>
+            </a:solidFill>
+          </a:ln>
+        </p:spPr>
+        <p:style>
+          <a:lnRef idx="2">
+            <a:schemeClr val="accent1">
+              <a:shade val="50000"/>
+            </a:schemeClr>
+          </a:lnRef>
+          <a:fillRef idx="1">
+            <a:schemeClr val="accent1"/>
+          </a:fillRef>
+          <a:effectRef idx="0">
+            <a:schemeClr val="accent1"/>
+          </a:effectRef>
+          <a:fontRef idx="minor">
+            <a:schemeClr val="lt1"/>
+          </a:fontRef>
+        </p:style>
+        <p:txBody>
+          <a:bodyPr rtlCol="0" anchor="ctr"/>
+          <a:lstStyle/>
+          <a:p>
+            <a:pPr algn="ctr"/>
+            <a:endParaRPr lang="de-DE">
+              <a:solidFill>
+                <a:schemeClr val="tx1"/>
+              </a:solidFill>
+            </a:endParaRPr>
+          </a:p>
+        </p:txBody>
+      </p:sp>
+      <p:cxnSp>
+        <p:nvCxnSpPr>
+          <p:cNvPr id="28" name="Gerader Verbinder 27">
+            <a:extLst>
+              <a:ext uri="{FF2B5EF4-FFF2-40B4-BE49-F238E27FC236}">
+                <a16:creationId xmlns:a16="http://schemas.microsoft.com/office/drawing/2014/main" id="{7965567D-7CE0-4FD3-ABF9-A7E46B595C33}"/>
+              </a:ext>
+            </a:extLst>
+          </p:cNvPr>
+          <p:cNvCxnSpPr>
+            <a:cxnSpLocks/>
+          </p:cNvCxnSpPr>
+          <p:nvPr/>
+        </p:nvCxnSpPr>
+        <p:spPr>
+          <a:xfrm>
+            <a:off x="7235687" y="4647061"/>
+            <a:ext cx="983652" cy="0"/>
+          </a:xfrm>
+          <a:prstGeom prst="line">
+            <a:avLst/>
+          </a:prstGeom>
+          <a:ln w="76200">
+            <a:solidFill>
+              <a:schemeClr val="tx1"/>
+            </a:solidFill>
+          </a:ln>
+        </p:spPr>
+        <p:style>
+          <a:lnRef idx="1">
+            <a:schemeClr val="accent1"/>
+          </a:lnRef>
+          <a:fillRef idx="0">
+            <a:schemeClr val="accent1"/>
+          </a:fillRef>
+          <a:effectRef idx="0">
+            <a:schemeClr val="accent1"/>
+          </a:effectRef>
+          <a:fontRef idx="minor">
+            <a:schemeClr val="tx1"/>
+          </a:fontRef>
+        </p:style>
+      </p:cxnSp>
+      <p:cxnSp>
+        <p:nvCxnSpPr>
+          <p:cNvPr id="29" name="Gerader Verbinder 28">
+            <a:extLst>
+              <a:ext uri="{FF2B5EF4-FFF2-40B4-BE49-F238E27FC236}">
+                <a16:creationId xmlns:a16="http://schemas.microsoft.com/office/drawing/2014/main" id="{D17B0A6D-7EF9-43A9-8421-4B154E2BA39A}"/>
+              </a:ext>
+            </a:extLst>
+          </p:cNvPr>
+          <p:cNvCxnSpPr>
+            <a:cxnSpLocks/>
+          </p:cNvCxnSpPr>
+          <p:nvPr/>
+        </p:nvCxnSpPr>
+        <p:spPr>
+          <a:xfrm>
+            <a:off x="7297210" y="4572273"/>
+            <a:ext cx="881274" cy="0"/>
+          </a:xfrm>
+          <a:prstGeom prst="line">
+            <a:avLst/>
+          </a:prstGeom>
+          <a:ln w="76200">
+            <a:solidFill>
+              <a:schemeClr val="tx1"/>
+            </a:solidFill>
+          </a:ln>
+        </p:spPr>
+        <p:style>
+          <a:lnRef idx="1">
+            <a:schemeClr val="accent1"/>
+          </a:lnRef>
+          <a:fillRef idx="0">
+            <a:schemeClr val="accent1"/>
+          </a:fillRef>
+          <a:effectRef idx="0">
+            <a:schemeClr val="accent1"/>
+          </a:effectRef>
+          <a:fontRef idx="minor">
+            <a:schemeClr val="tx1"/>
+          </a:fontRef>
+        </p:style>
+      </p:cxnSp>
+      <p:cxnSp>
+        <p:nvCxnSpPr>
+          <p:cNvPr id="30" name="Gerader Verbinder 29">
+            <a:extLst>
+              <a:ext uri="{FF2B5EF4-FFF2-40B4-BE49-F238E27FC236}">
+                <a16:creationId xmlns:a16="http://schemas.microsoft.com/office/drawing/2014/main" id="{CD8F5167-F516-4E3D-A653-7A6F77CE75CB}"/>
+              </a:ext>
+            </a:extLst>
+          </p:cNvPr>
+          <p:cNvCxnSpPr>
+            <a:cxnSpLocks/>
+          </p:cNvCxnSpPr>
+          <p:nvPr/>
+        </p:nvCxnSpPr>
+        <p:spPr>
+          <a:xfrm>
+            <a:off x="7358733" y="4497490"/>
+            <a:ext cx="768636" cy="0"/>
+          </a:xfrm>
+          <a:prstGeom prst="line">
+            <a:avLst/>
+          </a:prstGeom>
+          <a:ln w="76200">
+            <a:solidFill>
+              <a:schemeClr val="tx1"/>
+            </a:solidFill>
+          </a:ln>
+        </p:spPr>
+        <p:style>
+          <a:lnRef idx="1">
+            <a:schemeClr val="accent1"/>
+          </a:lnRef>
+          <a:fillRef idx="0">
+            <a:schemeClr val="accent1"/>
+          </a:fillRef>
+          <a:effectRef idx="0">
+            <a:schemeClr val="accent1"/>
+          </a:effectRef>
+          <a:fontRef idx="minor">
+            <a:schemeClr val="tx1"/>
+          </a:fontRef>
+        </p:style>
+      </p:cxnSp>
     </p:spTree>
     <p:extLst>
       <p:ext uri="{BB962C8B-B14F-4D97-AF65-F5344CB8AC3E}">

--- a/Grafiken.pptx
+++ b/Grafiken.pptx
@@ -6,6 +6,7 @@
   </p:sldMasterIdLst>
   <p:sldIdLst>
     <p:sldId id="256" r:id="rId2"/>
+    <p:sldId id="257" r:id="rId3"/>
   </p:sldIdLst>
   <p:sldSz cx="12192000" cy="6858000"/>
   <p:notesSz cx="6858000" cy="9144000"/>
@@ -259,7 +260,7 @@
           <a:p>
             <a:fld id="{38527B41-082D-4A5E-AD7C-F6480121FF5E}" type="datetimeFigureOut">
               <a:rPr lang="de-DE" smtClean="0"/>
-              <a:t>20.12.2020</a:t>
+              <a:t>14.05.2021</a:t>
             </a:fld>
             <a:endParaRPr lang="de-DE"/>
           </a:p>
@@ -457,7 +458,7 @@
           <a:p>
             <a:fld id="{38527B41-082D-4A5E-AD7C-F6480121FF5E}" type="datetimeFigureOut">
               <a:rPr lang="de-DE" smtClean="0"/>
-              <a:t>20.12.2020</a:t>
+              <a:t>14.05.2021</a:t>
             </a:fld>
             <a:endParaRPr lang="de-DE"/>
           </a:p>
@@ -665,7 +666,7 @@
           <a:p>
             <a:fld id="{38527B41-082D-4A5E-AD7C-F6480121FF5E}" type="datetimeFigureOut">
               <a:rPr lang="de-DE" smtClean="0"/>
-              <a:t>20.12.2020</a:t>
+              <a:t>14.05.2021</a:t>
             </a:fld>
             <a:endParaRPr lang="de-DE"/>
           </a:p>
@@ -863,7 +864,7 @@
           <a:p>
             <a:fld id="{38527B41-082D-4A5E-AD7C-F6480121FF5E}" type="datetimeFigureOut">
               <a:rPr lang="de-DE" smtClean="0"/>
-              <a:t>20.12.2020</a:t>
+              <a:t>14.05.2021</a:t>
             </a:fld>
             <a:endParaRPr lang="de-DE"/>
           </a:p>
@@ -1138,7 +1139,7 @@
           <a:p>
             <a:fld id="{38527B41-082D-4A5E-AD7C-F6480121FF5E}" type="datetimeFigureOut">
               <a:rPr lang="de-DE" smtClean="0"/>
-              <a:t>20.12.2020</a:t>
+              <a:t>14.05.2021</a:t>
             </a:fld>
             <a:endParaRPr lang="de-DE"/>
           </a:p>
@@ -1403,7 +1404,7 @@
           <a:p>
             <a:fld id="{38527B41-082D-4A5E-AD7C-F6480121FF5E}" type="datetimeFigureOut">
               <a:rPr lang="de-DE" smtClean="0"/>
-              <a:t>20.12.2020</a:t>
+              <a:t>14.05.2021</a:t>
             </a:fld>
             <a:endParaRPr lang="de-DE"/>
           </a:p>
@@ -1815,7 +1816,7 @@
           <a:p>
             <a:fld id="{38527B41-082D-4A5E-AD7C-F6480121FF5E}" type="datetimeFigureOut">
               <a:rPr lang="de-DE" smtClean="0"/>
-              <a:t>20.12.2020</a:t>
+              <a:t>14.05.2021</a:t>
             </a:fld>
             <a:endParaRPr lang="de-DE"/>
           </a:p>
@@ -1956,7 +1957,7 @@
           <a:p>
             <a:fld id="{38527B41-082D-4A5E-AD7C-F6480121FF5E}" type="datetimeFigureOut">
               <a:rPr lang="de-DE" smtClean="0"/>
-              <a:t>20.12.2020</a:t>
+              <a:t>14.05.2021</a:t>
             </a:fld>
             <a:endParaRPr lang="de-DE"/>
           </a:p>
@@ -2069,7 +2070,7 @@
           <a:p>
             <a:fld id="{38527B41-082D-4A5E-AD7C-F6480121FF5E}" type="datetimeFigureOut">
               <a:rPr lang="de-DE" smtClean="0"/>
-              <a:t>20.12.2020</a:t>
+              <a:t>14.05.2021</a:t>
             </a:fld>
             <a:endParaRPr lang="de-DE"/>
           </a:p>
@@ -2380,7 +2381,7 @@
           <a:p>
             <a:fld id="{38527B41-082D-4A5E-AD7C-F6480121FF5E}" type="datetimeFigureOut">
               <a:rPr lang="de-DE" smtClean="0"/>
-              <a:t>20.12.2020</a:t>
+              <a:t>14.05.2021</a:t>
             </a:fld>
             <a:endParaRPr lang="de-DE"/>
           </a:p>
@@ -2668,7 +2669,7 @@
           <a:p>
             <a:fld id="{38527B41-082D-4A5E-AD7C-F6480121FF5E}" type="datetimeFigureOut">
               <a:rPr lang="de-DE" smtClean="0"/>
-              <a:t>20.12.2020</a:t>
+              <a:t>14.05.2021</a:t>
             </a:fld>
             <a:endParaRPr lang="de-DE"/>
           </a:p>
@@ -2909,7 +2910,7 @@
           <a:p>
             <a:fld id="{38527B41-082D-4A5E-AD7C-F6480121FF5E}" type="datetimeFigureOut">
               <a:rPr lang="de-DE" smtClean="0"/>
-              <a:t>20.12.2020</a:t>
+              <a:t>14.05.2021</a:t>
             </a:fld>
             <a:endParaRPr lang="de-DE"/>
           </a:p>
@@ -4342,6 +4343,307 @@
 </p:sld>
 </file>
 
+<file path=ppt/slides/slide2.xml><?xml version="1.0" encoding="utf-8"?>
+<p:sld xmlns:a="http://schemas.openxmlformats.org/drawingml/2006/main" xmlns:r="http://schemas.openxmlformats.org/officeDocument/2006/relationships" xmlns:p="http://schemas.openxmlformats.org/presentationml/2006/main">
+  <p:cSld>
+    <p:spTree>
+      <p:nvGrpSpPr>
+        <p:cNvPr id="1" name=""/>
+        <p:cNvGrpSpPr/>
+        <p:nvPr/>
+      </p:nvGrpSpPr>
+      <p:grpSpPr>
+        <a:xfrm>
+          <a:off x="0" y="0"/>
+          <a:ext cx="0" cy="0"/>
+          <a:chOff x="0" y="0"/>
+          <a:chExt cx="0" cy="0"/>
+        </a:xfrm>
+      </p:grpSpPr>
+      <p:sp>
+        <p:nvSpPr>
+          <p:cNvPr id="2" name="Titel 1">
+            <a:extLst>
+              <a:ext uri="{FF2B5EF4-FFF2-40B4-BE49-F238E27FC236}">
+                <a16:creationId xmlns:a16="http://schemas.microsoft.com/office/drawing/2014/main" id="{15B25AFB-9675-451F-85B0-ED6493538541}"/>
+              </a:ext>
+            </a:extLst>
+          </p:cNvPr>
+          <p:cNvSpPr>
+            <a:spLocks noGrp="1"/>
+          </p:cNvSpPr>
+          <p:nvPr>
+            <p:ph type="title"/>
+          </p:nvPr>
+        </p:nvSpPr>
+        <p:spPr/>
+        <p:txBody>
+          <a:bodyPr/>
+          <a:lstStyle/>
+          <a:p>
+            <a:r>
+              <a:rPr lang="de-DE" dirty="0" err="1"/>
+              <a:t>Kurslogo</a:t>
+            </a:r>
+            <a:endParaRPr lang="de-DE" dirty="0"/>
+          </a:p>
+        </p:txBody>
+      </p:sp>
+      <p:pic>
+        <p:nvPicPr>
+          <p:cNvPr id="4" name="Grafik 3">
+            <a:extLst>
+              <a:ext uri="{FF2B5EF4-FFF2-40B4-BE49-F238E27FC236}">
+                <a16:creationId xmlns:a16="http://schemas.microsoft.com/office/drawing/2014/main" id="{4F8AECCB-FC33-459E-A68C-52E02983FE8D}"/>
+              </a:ext>
+            </a:extLst>
+          </p:cNvPr>
+          <p:cNvPicPr>
+            <a:picLocks noChangeAspect="1"/>
+          </p:cNvPicPr>
+          <p:nvPr/>
+        </p:nvPicPr>
+        <p:blipFill>
+          <a:blip r:embed="rId2">
+            <a:extLst>
+              <a:ext uri="{28A0092B-C50C-407E-A947-70E740481C1C}">
+                <a14:useLocalDpi xmlns:a14="http://schemas.microsoft.com/office/drawing/2010/main" val="0"/>
+              </a:ext>
+            </a:extLst>
+          </a:blip>
+          <a:stretch>
+            <a:fillRect/>
+          </a:stretch>
+        </p:blipFill>
+        <p:spPr>
+          <a:xfrm>
+            <a:off x="5510893" y="1890875"/>
+            <a:ext cx="6202876" cy="4652157"/>
+          </a:xfrm>
+          <a:prstGeom prst="rect">
+            <a:avLst/>
+          </a:prstGeom>
+          <a:ln>
+            <a:noFill/>
+          </a:ln>
+          <a:effectLst>
+            <a:outerShdw blurRad="292100" dist="139700" dir="2700000" algn="tl" rotWithShape="0">
+              <a:srgbClr val="333333">
+                <a:alpha val="65000"/>
+              </a:srgbClr>
+            </a:outerShdw>
+          </a:effectLst>
+        </p:spPr>
+      </p:pic>
+      <p:sp>
+        <p:nvSpPr>
+          <p:cNvPr id="5" name="Textfeld 4">
+            <a:extLst>
+              <a:ext uri="{FF2B5EF4-FFF2-40B4-BE49-F238E27FC236}">
+                <a16:creationId xmlns:a16="http://schemas.microsoft.com/office/drawing/2014/main" id="{86795FDB-AD94-4465-91D6-8301BDC90D0E}"/>
+              </a:ext>
+            </a:extLst>
+          </p:cNvPr>
+          <p:cNvSpPr txBox="1"/>
+          <p:nvPr/>
+        </p:nvSpPr>
+        <p:spPr>
+          <a:xfrm>
+            <a:off x="5876564" y="2439914"/>
+            <a:ext cx="3648343" cy="1077218"/>
+          </a:xfrm>
+          <a:prstGeom prst="rect">
+            <a:avLst/>
+          </a:prstGeom>
+          <a:solidFill>
+            <a:schemeClr val="accent5">
+              <a:lumMod val="60000"/>
+              <a:lumOff val="40000"/>
+              <a:alpha val="63000"/>
+            </a:schemeClr>
+          </a:solidFill>
+          <a:effectLst>
+            <a:glow rad="101600">
+              <a:schemeClr val="accent3">
+                <a:satMod val="175000"/>
+                <a:alpha val="40000"/>
+              </a:schemeClr>
+            </a:glow>
+          </a:effectLst>
+        </p:spPr>
+        <p:txBody>
+          <a:bodyPr wrap="square" rtlCol="0">
+            <a:spAutoFit/>
+          </a:bodyPr>
+          <a:lstStyle/>
+          <a:p>
+            <a:pPr algn="ctr"/>
+            <a:r>
+              <a:rPr lang="de-DE" sz="3200" b="1" dirty="0">
+                <a:ln w="10160">
+                  <a:solidFill>
+                    <a:schemeClr val="tx1"/>
+                  </a:solidFill>
+                  <a:prstDash val="solid"/>
+                </a:ln>
+                <a:solidFill>
+                  <a:srgbClr val="FFFFFF"/>
+                </a:solidFill>
+                <a:effectLst>
+                  <a:outerShdw blurRad="38100" dist="22860" dir="5400000" algn="tl" rotWithShape="0">
+                    <a:srgbClr val="000000">
+                      <a:alpha val="30000"/>
+                    </a:srgbClr>
+                  </a:outerShdw>
+                </a:effectLst>
+                <a:latin typeface="+mj-lt"/>
+              </a:rPr>
+              <a:t>KI Sprachassistent</a:t>
+            </a:r>
+            <a:br>
+              <a:rPr lang="de-DE" sz="3200" b="1" dirty="0">
+                <a:ln w="10160">
+                  <a:solidFill>
+                    <a:schemeClr val="tx1"/>
+                  </a:solidFill>
+                  <a:prstDash val="solid"/>
+                </a:ln>
+                <a:solidFill>
+                  <a:srgbClr val="FFFFFF"/>
+                </a:solidFill>
+                <a:effectLst>
+                  <a:outerShdw blurRad="38100" dist="22860" dir="5400000" algn="tl" rotWithShape="0">
+                    <a:srgbClr val="000000">
+                      <a:alpha val="30000"/>
+                    </a:srgbClr>
+                  </a:outerShdw>
+                </a:effectLst>
+                <a:latin typeface="+mj-lt"/>
+              </a:rPr>
+            </a:br>
+            <a:r>
+              <a:rPr lang="de-DE" sz="3200" b="1" dirty="0">
+                <a:ln w="10160">
+                  <a:solidFill>
+                    <a:schemeClr val="tx1"/>
+                  </a:solidFill>
+                  <a:prstDash val="solid"/>
+                </a:ln>
+                <a:solidFill>
+                  <a:srgbClr val="FFFFFF"/>
+                </a:solidFill>
+                <a:effectLst>
+                  <a:outerShdw blurRad="38100" dist="22860" dir="5400000" algn="tl" rotWithShape="0">
+                    <a:srgbClr val="000000">
+                      <a:alpha val="30000"/>
+                    </a:srgbClr>
+                  </a:outerShdw>
+                </a:effectLst>
+                <a:latin typeface="+mj-lt"/>
+              </a:rPr>
+              <a:t>in Python</a:t>
+            </a:r>
+          </a:p>
+        </p:txBody>
+      </p:sp>
+      <p:sp>
+        <p:nvSpPr>
+          <p:cNvPr id="6" name="Textfeld 5">
+            <a:extLst>
+              <a:ext uri="{FF2B5EF4-FFF2-40B4-BE49-F238E27FC236}">
+                <a16:creationId xmlns:a16="http://schemas.microsoft.com/office/drawing/2014/main" id="{B263C1E4-FF14-451B-9247-194A0E22F2F5}"/>
+              </a:ext>
+            </a:extLst>
+          </p:cNvPr>
+          <p:cNvSpPr txBox="1"/>
+          <p:nvPr/>
+        </p:nvSpPr>
+        <p:spPr>
+          <a:xfrm>
+            <a:off x="6915150" y="4720207"/>
+            <a:ext cx="4695657" cy="830997"/>
+          </a:xfrm>
+          <a:prstGeom prst="rect">
+            <a:avLst/>
+          </a:prstGeom>
+          <a:solidFill>
+            <a:schemeClr val="accent1">
+              <a:alpha val="29000"/>
+            </a:schemeClr>
+          </a:solidFill>
+          <a:ln>
+            <a:noFill/>
+          </a:ln>
+          <a:effectLst>
+            <a:glow rad="101600">
+              <a:schemeClr val="accent1">
+                <a:satMod val="175000"/>
+                <a:alpha val="40000"/>
+              </a:schemeClr>
+            </a:glow>
+          </a:effectLst>
+        </p:spPr>
+        <p:style>
+          <a:lnRef idx="2">
+            <a:schemeClr val="accent3">
+              <a:shade val="50000"/>
+            </a:schemeClr>
+          </a:lnRef>
+          <a:fillRef idx="1">
+            <a:schemeClr val="accent3"/>
+          </a:fillRef>
+          <a:effectRef idx="0">
+            <a:schemeClr val="accent3"/>
+          </a:effectRef>
+          <a:fontRef idx="minor">
+            <a:schemeClr val="lt1"/>
+          </a:fontRef>
+        </p:style>
+        <p:txBody>
+          <a:bodyPr wrap="square" rtlCol="0">
+            <a:spAutoFit/>
+          </a:bodyPr>
+          <a:lstStyle/>
+          <a:p>
+            <a:pPr algn="ctr"/>
+            <a:r>
+              <a:rPr lang="de-DE" sz="2400" b="1" dirty="0">
+                <a:ln w="10160">
+                  <a:solidFill>
+                    <a:schemeClr val="tx1"/>
+                  </a:solidFill>
+                  <a:prstDash val="solid"/>
+                </a:ln>
+                <a:solidFill>
+                  <a:schemeClr val="bg2"/>
+                </a:solidFill>
+                <a:effectLst>
+                  <a:outerShdw blurRad="38100" dist="22860" dir="5400000" algn="tl" rotWithShape="0">
+                    <a:srgbClr val="000000">
+                      <a:alpha val="30000"/>
+                    </a:srgbClr>
+                  </a:outerShdw>
+                </a:effectLst>
+                <a:latin typeface="+mj-lt"/>
+              </a:rPr>
+              <a:t>Von Beginn an erklärt, jedes Kapitel mit Source Code, 10 Skills</a:t>
+            </a:r>
+          </a:p>
+        </p:txBody>
+      </p:sp>
+    </p:spTree>
+    <p:extLst>
+      <p:ext uri="{BB962C8B-B14F-4D97-AF65-F5344CB8AC3E}">
+        <p14:creationId xmlns:p14="http://schemas.microsoft.com/office/powerpoint/2010/main" val="1193237498"/>
+      </p:ext>
+    </p:extLst>
+  </p:cSld>
+  <p:clrMapOvr>
+    <a:masterClrMapping/>
+  </p:clrMapOvr>
+</p:sld>
+</file>
+
 <file path=ppt/theme/theme1.xml><?xml version="1.0" encoding="utf-8"?>
 <a:theme xmlns:a="http://schemas.openxmlformats.org/drawingml/2006/main" name="Office">
   <a:themeElements>

--- a/Grafiken.pptx
+++ b/Grafiken.pptx
@@ -6,7 +6,8 @@
   </p:sldMasterIdLst>
   <p:sldIdLst>
     <p:sldId id="256" r:id="rId2"/>
-    <p:sldId id="257" r:id="rId3"/>
+    <p:sldId id="258" r:id="rId3"/>
+    <p:sldId id="257" r:id="rId4"/>
   </p:sldIdLst>
   <p:sldSz cx="12192000" cy="6858000"/>
   <p:notesSz cx="6858000" cy="9144000"/>
@@ -260,7 +261,7 @@
           <a:p>
             <a:fld id="{38527B41-082D-4A5E-AD7C-F6480121FF5E}" type="datetimeFigureOut">
               <a:rPr lang="de-DE" smtClean="0"/>
-              <a:t>14.05.2021</a:t>
+              <a:t>18.05.2021</a:t>
             </a:fld>
             <a:endParaRPr lang="de-DE"/>
           </a:p>
@@ -458,7 +459,7 @@
           <a:p>
             <a:fld id="{38527B41-082D-4A5E-AD7C-F6480121FF5E}" type="datetimeFigureOut">
               <a:rPr lang="de-DE" smtClean="0"/>
-              <a:t>14.05.2021</a:t>
+              <a:t>18.05.2021</a:t>
             </a:fld>
             <a:endParaRPr lang="de-DE"/>
           </a:p>
@@ -666,7 +667,7 @@
           <a:p>
             <a:fld id="{38527B41-082D-4A5E-AD7C-F6480121FF5E}" type="datetimeFigureOut">
               <a:rPr lang="de-DE" smtClean="0"/>
-              <a:t>14.05.2021</a:t>
+              <a:t>18.05.2021</a:t>
             </a:fld>
             <a:endParaRPr lang="de-DE"/>
           </a:p>
@@ -864,7 +865,7 @@
           <a:p>
             <a:fld id="{38527B41-082D-4A5E-AD7C-F6480121FF5E}" type="datetimeFigureOut">
               <a:rPr lang="de-DE" smtClean="0"/>
-              <a:t>14.05.2021</a:t>
+              <a:t>18.05.2021</a:t>
             </a:fld>
             <a:endParaRPr lang="de-DE"/>
           </a:p>
@@ -1139,7 +1140,7 @@
           <a:p>
             <a:fld id="{38527B41-082D-4A5E-AD7C-F6480121FF5E}" type="datetimeFigureOut">
               <a:rPr lang="de-DE" smtClean="0"/>
-              <a:t>14.05.2021</a:t>
+              <a:t>18.05.2021</a:t>
             </a:fld>
             <a:endParaRPr lang="de-DE"/>
           </a:p>
@@ -1404,7 +1405,7 @@
           <a:p>
             <a:fld id="{38527B41-082D-4A5E-AD7C-F6480121FF5E}" type="datetimeFigureOut">
               <a:rPr lang="de-DE" smtClean="0"/>
-              <a:t>14.05.2021</a:t>
+              <a:t>18.05.2021</a:t>
             </a:fld>
             <a:endParaRPr lang="de-DE"/>
           </a:p>
@@ -1816,7 +1817,7 @@
           <a:p>
             <a:fld id="{38527B41-082D-4A5E-AD7C-F6480121FF5E}" type="datetimeFigureOut">
               <a:rPr lang="de-DE" smtClean="0"/>
-              <a:t>14.05.2021</a:t>
+              <a:t>18.05.2021</a:t>
             </a:fld>
             <a:endParaRPr lang="de-DE"/>
           </a:p>
@@ -1957,7 +1958,7 @@
           <a:p>
             <a:fld id="{38527B41-082D-4A5E-AD7C-F6480121FF5E}" type="datetimeFigureOut">
               <a:rPr lang="de-DE" smtClean="0"/>
-              <a:t>14.05.2021</a:t>
+              <a:t>18.05.2021</a:t>
             </a:fld>
             <a:endParaRPr lang="de-DE"/>
           </a:p>
@@ -2070,7 +2071,7 @@
           <a:p>
             <a:fld id="{38527B41-082D-4A5E-AD7C-F6480121FF5E}" type="datetimeFigureOut">
               <a:rPr lang="de-DE" smtClean="0"/>
-              <a:t>14.05.2021</a:t>
+              <a:t>18.05.2021</a:t>
             </a:fld>
             <a:endParaRPr lang="de-DE"/>
           </a:p>
@@ -2381,7 +2382,7 @@
           <a:p>
             <a:fld id="{38527B41-082D-4A5E-AD7C-F6480121FF5E}" type="datetimeFigureOut">
               <a:rPr lang="de-DE" smtClean="0"/>
-              <a:t>14.05.2021</a:t>
+              <a:t>18.05.2021</a:t>
             </a:fld>
             <a:endParaRPr lang="de-DE"/>
           </a:p>
@@ -2669,7 +2670,7 @@
           <a:p>
             <a:fld id="{38527B41-082D-4A5E-AD7C-F6480121FF5E}" type="datetimeFigureOut">
               <a:rPr lang="de-DE" smtClean="0"/>
-              <a:t>14.05.2021</a:t>
+              <a:t>18.05.2021</a:t>
             </a:fld>
             <a:endParaRPr lang="de-DE"/>
           </a:p>
@@ -2910,7 +2911,7 @@
           <a:p>
             <a:fld id="{38527B41-082D-4A5E-AD7C-F6480121FF5E}" type="datetimeFigureOut">
               <a:rPr lang="de-DE" smtClean="0"/>
-              <a:t>14.05.2021</a:t>
+              <a:t>18.05.2021</a:t>
             </a:fld>
             <a:endParaRPr lang="de-DE"/>
           </a:p>
@@ -3439,7 +3440,7 @@
         </p:nvSpPr>
         <p:spPr>
           <a:xfrm>
-            <a:off x="4045699" y="590668"/>
+            <a:off x="3637485" y="634439"/>
             <a:ext cx="1800000" cy="1800000"/>
           </a:xfrm>
           <a:prstGeom prst="rect">
@@ -3515,7 +3516,7 @@
         </p:blipFill>
         <p:spPr>
           <a:xfrm>
-            <a:off x="4276226" y="1341622"/>
+            <a:off x="3868012" y="1385393"/>
             <a:ext cx="698478" cy="932932"/>
           </a:xfrm>
           <a:prstGeom prst="rect">
@@ -3539,7 +3540,7 @@
         </p:nvCxnSpPr>
         <p:spPr>
           <a:xfrm flipV="1">
-            <a:off x="4637317" y="682173"/>
+            <a:off x="4229103" y="725944"/>
             <a:ext cx="3562" cy="579622"/>
           </a:xfrm>
           <a:prstGeom prst="line">
@@ -3581,7 +3582,7 @@
         </p:nvCxnSpPr>
         <p:spPr>
           <a:xfrm flipV="1">
-            <a:off x="4974705" y="776517"/>
+            <a:off x="4566491" y="820288"/>
             <a:ext cx="696460" cy="583526"/>
           </a:xfrm>
           <a:prstGeom prst="line">
@@ -3623,7 +3624,7 @@
         </p:nvCxnSpPr>
         <p:spPr>
           <a:xfrm>
-            <a:off x="5043714" y="1719943"/>
+            <a:off x="4635500" y="1763714"/>
             <a:ext cx="634708" cy="0"/>
           </a:xfrm>
           <a:prstGeom prst="line">
@@ -4344,6 +4345,4955 @@
 </file>
 
 <file path=ppt/slides/slide2.xml><?xml version="1.0" encoding="utf-8"?>
+<p:sld xmlns:a="http://schemas.openxmlformats.org/drawingml/2006/main" xmlns:r="http://schemas.openxmlformats.org/officeDocument/2006/relationships" xmlns:p="http://schemas.openxmlformats.org/presentationml/2006/main">
+  <p:cSld>
+    <p:spTree>
+      <p:nvGrpSpPr>
+        <p:cNvPr id="1" name=""/>
+        <p:cNvGrpSpPr/>
+        <p:nvPr/>
+      </p:nvGrpSpPr>
+      <p:grpSpPr>
+        <a:xfrm>
+          <a:off x="0" y="0"/>
+          <a:ext cx="0" cy="0"/>
+          <a:chOff x="0" y="0"/>
+          <a:chExt cx="0" cy="0"/>
+        </a:xfrm>
+      </p:grpSpPr>
+      <p:sp>
+        <p:nvSpPr>
+          <p:cNvPr id="233" name="Rechteck 232">
+            <a:extLst>
+              <a:ext uri="{FF2B5EF4-FFF2-40B4-BE49-F238E27FC236}">
+                <a16:creationId xmlns:a16="http://schemas.microsoft.com/office/drawing/2014/main" id="{C1859D4E-010A-4CE9-85A2-F05916EFCDAA}"/>
+              </a:ext>
+            </a:extLst>
+          </p:cNvPr>
+          <p:cNvSpPr/>
+          <p:nvPr/>
+        </p:nvSpPr>
+        <p:spPr>
+          <a:xfrm rot="5400000">
+            <a:off x="7473803" y="2298638"/>
+            <a:ext cx="3215640" cy="5715000"/>
+          </a:xfrm>
+          <a:prstGeom prst="rect">
+            <a:avLst/>
+          </a:prstGeom>
+          <a:solidFill>
+            <a:schemeClr val="tx2"/>
+          </a:solidFill>
+        </p:spPr>
+        <p:style>
+          <a:lnRef idx="2">
+            <a:schemeClr val="dk1"/>
+          </a:lnRef>
+          <a:fillRef idx="1">
+            <a:schemeClr val="lt1"/>
+          </a:fillRef>
+          <a:effectRef idx="0">
+            <a:schemeClr val="dk1"/>
+          </a:effectRef>
+          <a:fontRef idx="minor">
+            <a:schemeClr val="dk1"/>
+          </a:fontRef>
+        </p:style>
+        <p:txBody>
+          <a:bodyPr rtlCol="0" anchor="ctr"/>
+          <a:lstStyle/>
+          <a:p>
+            <a:pPr algn="ctr"/>
+            <a:endParaRPr lang="de-DE"/>
+          </a:p>
+        </p:txBody>
+      </p:sp>
+      <p:grpSp>
+        <p:nvGrpSpPr>
+          <p:cNvPr id="237" name="Gruppieren 236">
+            <a:extLst>
+              <a:ext uri="{FF2B5EF4-FFF2-40B4-BE49-F238E27FC236}">
+                <a16:creationId xmlns:a16="http://schemas.microsoft.com/office/drawing/2014/main" id="{6A66CCBB-BC84-48E8-B438-732C11B78185}"/>
+              </a:ext>
+            </a:extLst>
+          </p:cNvPr>
+          <p:cNvGrpSpPr/>
+          <p:nvPr/>
+        </p:nvGrpSpPr>
+        <p:grpSpPr>
+          <a:xfrm>
+            <a:off x="6467087" y="3695976"/>
+            <a:ext cx="1420369" cy="1324057"/>
+            <a:chOff x="2519004" y="994980"/>
+            <a:chExt cx="1800000" cy="1800000"/>
+          </a:xfrm>
+        </p:grpSpPr>
+        <p:sp>
+          <p:nvSpPr>
+            <p:cNvPr id="4" name="Rechteck 3">
+              <a:extLst>
+                <a:ext uri="{FF2B5EF4-FFF2-40B4-BE49-F238E27FC236}">
+                  <a16:creationId xmlns:a16="http://schemas.microsoft.com/office/drawing/2014/main" id="{5677CED4-05BD-4967-BD43-9454CC682B7D}"/>
+                </a:ext>
+              </a:extLst>
+            </p:cNvPr>
+            <p:cNvSpPr/>
+            <p:nvPr/>
+          </p:nvSpPr>
+          <p:spPr>
+            <a:xfrm>
+              <a:off x="2519004" y="994980"/>
+              <a:ext cx="1800000" cy="1800000"/>
+            </a:xfrm>
+            <a:prstGeom prst="rect">
+              <a:avLst/>
+            </a:prstGeom>
+            <a:solidFill>
+              <a:schemeClr val="accent4">
+                <a:lumMod val="60000"/>
+                <a:lumOff val="40000"/>
+              </a:schemeClr>
+            </a:solidFill>
+            <a:ln w="57150">
+              <a:solidFill>
+                <a:schemeClr val="tx1"/>
+              </a:solidFill>
+            </a:ln>
+          </p:spPr>
+          <p:style>
+            <a:lnRef idx="2">
+              <a:schemeClr val="accent1">
+                <a:shade val="50000"/>
+              </a:schemeClr>
+            </a:lnRef>
+            <a:fillRef idx="1">
+              <a:schemeClr val="accent1"/>
+            </a:fillRef>
+            <a:effectRef idx="0">
+              <a:schemeClr val="accent1"/>
+            </a:effectRef>
+            <a:fontRef idx="minor">
+              <a:schemeClr val="lt1"/>
+            </a:fontRef>
+          </p:style>
+          <p:txBody>
+            <a:bodyPr rtlCol="0" anchor="ctr"/>
+            <a:lstStyle/>
+            <a:p>
+              <a:pPr algn="ctr"/>
+              <a:endParaRPr lang="de-DE"/>
+            </a:p>
+          </p:txBody>
+        </p:sp>
+        <p:pic>
+          <p:nvPicPr>
+            <p:cNvPr id="5" name="Grafik 4">
+              <a:extLst>
+                <a:ext uri="{FF2B5EF4-FFF2-40B4-BE49-F238E27FC236}">
+                  <a16:creationId xmlns:a16="http://schemas.microsoft.com/office/drawing/2014/main" id="{B23E0AC8-ABCB-4700-84FC-01B551939390}"/>
+                </a:ext>
+              </a:extLst>
+            </p:cNvPr>
+            <p:cNvPicPr>
+              <a:picLocks noChangeAspect="1"/>
+            </p:cNvPicPr>
+            <p:nvPr/>
+          </p:nvPicPr>
+          <p:blipFill>
+            <a:blip r:embed="rId2">
+              <a:clrChange>
+                <a:clrFrom>
+                  <a:srgbClr val="FFFFFF"/>
+                </a:clrFrom>
+                <a:clrTo>
+                  <a:srgbClr val="FFFFFF">
+                    <a:alpha val="0"/>
+                  </a:srgbClr>
+                </a:clrTo>
+              </a:clrChange>
+            </a:blip>
+            <a:stretch>
+              <a:fillRect/>
+            </a:stretch>
+          </p:blipFill>
+          <p:spPr>
+            <a:xfrm>
+              <a:off x="2814844" y="1038751"/>
+              <a:ext cx="1314873" cy="1756229"/>
+            </a:xfrm>
+            <a:prstGeom prst="rect">
+              <a:avLst/>
+            </a:prstGeom>
+          </p:spPr>
+        </p:pic>
+      </p:grpSp>
+      <p:grpSp>
+        <p:nvGrpSpPr>
+          <p:cNvPr id="234" name="Gruppieren 233">
+            <a:extLst>
+              <a:ext uri="{FF2B5EF4-FFF2-40B4-BE49-F238E27FC236}">
+                <a16:creationId xmlns:a16="http://schemas.microsoft.com/office/drawing/2014/main" id="{53C7CA86-7A4D-435E-9312-F6F8EFADFEA8}"/>
+              </a:ext>
+            </a:extLst>
+          </p:cNvPr>
+          <p:cNvGrpSpPr/>
+          <p:nvPr/>
+        </p:nvGrpSpPr>
+        <p:grpSpPr>
+          <a:xfrm>
+            <a:off x="10404532" y="3678388"/>
+            <a:ext cx="1308014" cy="1311215"/>
+            <a:chOff x="10063268" y="3678388"/>
+            <a:chExt cx="1800000" cy="1800000"/>
+          </a:xfrm>
+        </p:grpSpPr>
+        <p:sp>
+          <p:nvSpPr>
+            <p:cNvPr id="6" name="Rechteck 5">
+              <a:extLst>
+                <a:ext uri="{FF2B5EF4-FFF2-40B4-BE49-F238E27FC236}">
+                  <a16:creationId xmlns:a16="http://schemas.microsoft.com/office/drawing/2014/main" id="{7C6203C5-3C8D-43A6-A7E4-7F786213FD63}"/>
+                </a:ext>
+              </a:extLst>
+            </p:cNvPr>
+            <p:cNvSpPr/>
+            <p:nvPr/>
+          </p:nvSpPr>
+          <p:spPr>
+            <a:xfrm>
+              <a:off x="10063268" y="3678388"/>
+              <a:ext cx="1800000" cy="1800000"/>
+            </a:xfrm>
+            <a:prstGeom prst="rect">
+              <a:avLst/>
+            </a:prstGeom>
+            <a:solidFill>
+              <a:schemeClr val="accent6">
+                <a:lumMod val="40000"/>
+                <a:lumOff val="60000"/>
+              </a:schemeClr>
+            </a:solidFill>
+            <a:ln w="57150">
+              <a:solidFill>
+                <a:schemeClr val="tx1"/>
+              </a:solidFill>
+            </a:ln>
+          </p:spPr>
+          <p:style>
+            <a:lnRef idx="2">
+              <a:schemeClr val="accent1">
+                <a:shade val="50000"/>
+              </a:schemeClr>
+            </a:lnRef>
+            <a:fillRef idx="1">
+              <a:schemeClr val="accent1"/>
+            </a:fillRef>
+            <a:effectRef idx="0">
+              <a:schemeClr val="accent1"/>
+            </a:effectRef>
+            <a:fontRef idx="minor">
+              <a:schemeClr val="lt1"/>
+            </a:fontRef>
+          </p:style>
+          <p:txBody>
+            <a:bodyPr rtlCol="0" anchor="ctr"/>
+            <a:lstStyle/>
+            <a:p>
+              <a:pPr algn="ctr"/>
+              <a:endParaRPr lang="de-DE"/>
+            </a:p>
+          </p:txBody>
+        </p:sp>
+        <p:pic>
+          <p:nvPicPr>
+            <p:cNvPr id="7" name="Grafik 6">
+              <a:extLst>
+                <a:ext uri="{FF2B5EF4-FFF2-40B4-BE49-F238E27FC236}">
+                  <a16:creationId xmlns:a16="http://schemas.microsoft.com/office/drawing/2014/main" id="{AC1D1A31-C430-4F28-AA28-474D97AAA0EA}"/>
+                </a:ext>
+              </a:extLst>
+            </p:cNvPr>
+            <p:cNvPicPr>
+              <a:picLocks noChangeAspect="1"/>
+            </p:cNvPicPr>
+            <p:nvPr/>
+          </p:nvPicPr>
+          <p:blipFill>
+            <a:blip r:embed="rId2">
+              <a:clrChange>
+                <a:clrFrom>
+                  <a:srgbClr val="FFFFFF"/>
+                </a:clrFrom>
+                <a:clrTo>
+                  <a:srgbClr val="FFFFFF">
+                    <a:alpha val="0"/>
+                  </a:srgbClr>
+                </a:clrTo>
+              </a:clrChange>
+            </a:blip>
+            <a:stretch>
+              <a:fillRect/>
+            </a:stretch>
+          </p:blipFill>
+          <p:spPr>
+            <a:xfrm>
+              <a:off x="10293795" y="4429342"/>
+              <a:ext cx="698478" cy="932932"/>
+            </a:xfrm>
+            <a:prstGeom prst="rect">
+              <a:avLst/>
+            </a:prstGeom>
+          </p:spPr>
+        </p:pic>
+        <p:cxnSp>
+          <p:nvCxnSpPr>
+            <p:cNvPr id="8" name="Gerader Verbinder 7">
+              <a:extLst>
+                <a:ext uri="{FF2B5EF4-FFF2-40B4-BE49-F238E27FC236}">
+                  <a16:creationId xmlns:a16="http://schemas.microsoft.com/office/drawing/2014/main" id="{FADF759A-A697-4966-BDBB-76A3BD5B56B1}"/>
+                </a:ext>
+              </a:extLst>
+            </p:cNvPr>
+            <p:cNvCxnSpPr>
+              <a:cxnSpLocks/>
+            </p:cNvCxnSpPr>
+            <p:nvPr/>
+          </p:nvCxnSpPr>
+          <p:spPr>
+            <a:xfrm flipV="1">
+              <a:off x="10654886" y="3769893"/>
+              <a:ext cx="3562" cy="579622"/>
+            </a:xfrm>
+            <a:prstGeom prst="line">
+              <a:avLst/>
+            </a:prstGeom>
+            <a:ln w="76200">
+              <a:headEnd type="none" w="med" len="med"/>
+              <a:tailEnd type="none" w="med" len="med"/>
+            </a:ln>
+          </p:spPr>
+          <p:style>
+            <a:lnRef idx="1">
+              <a:schemeClr val="accent1"/>
+            </a:lnRef>
+            <a:fillRef idx="0">
+              <a:schemeClr val="accent1"/>
+            </a:fillRef>
+            <a:effectRef idx="0">
+              <a:schemeClr val="accent1"/>
+            </a:effectRef>
+            <a:fontRef idx="minor">
+              <a:schemeClr val="tx1"/>
+            </a:fontRef>
+          </p:style>
+        </p:cxnSp>
+        <p:cxnSp>
+          <p:nvCxnSpPr>
+            <p:cNvPr id="9" name="Gerader Verbinder 8">
+              <a:extLst>
+                <a:ext uri="{FF2B5EF4-FFF2-40B4-BE49-F238E27FC236}">
+                  <a16:creationId xmlns:a16="http://schemas.microsoft.com/office/drawing/2014/main" id="{C3F6211B-30A5-4A91-A800-D97CCFCE2876}"/>
+                </a:ext>
+              </a:extLst>
+            </p:cNvPr>
+            <p:cNvCxnSpPr>
+              <a:cxnSpLocks/>
+            </p:cNvCxnSpPr>
+            <p:nvPr/>
+          </p:nvCxnSpPr>
+          <p:spPr>
+            <a:xfrm flipV="1">
+              <a:off x="10992274" y="3864237"/>
+              <a:ext cx="696460" cy="583526"/>
+            </a:xfrm>
+            <a:prstGeom prst="line">
+              <a:avLst/>
+            </a:prstGeom>
+            <a:ln w="76200">
+              <a:headEnd type="none" w="med" len="med"/>
+              <a:tailEnd type="none" w="med" len="med"/>
+            </a:ln>
+          </p:spPr>
+          <p:style>
+            <a:lnRef idx="1">
+              <a:schemeClr val="accent1"/>
+            </a:lnRef>
+            <a:fillRef idx="0">
+              <a:schemeClr val="accent1"/>
+            </a:fillRef>
+            <a:effectRef idx="0">
+              <a:schemeClr val="accent1"/>
+            </a:effectRef>
+            <a:fontRef idx="minor">
+              <a:schemeClr val="tx1"/>
+            </a:fontRef>
+          </p:style>
+        </p:cxnSp>
+        <p:cxnSp>
+          <p:nvCxnSpPr>
+            <p:cNvPr id="10" name="Gerader Verbinder 9">
+              <a:extLst>
+                <a:ext uri="{FF2B5EF4-FFF2-40B4-BE49-F238E27FC236}">
+                  <a16:creationId xmlns:a16="http://schemas.microsoft.com/office/drawing/2014/main" id="{726A9A91-8901-4597-82D2-204408F89A78}"/>
+                </a:ext>
+              </a:extLst>
+            </p:cNvPr>
+            <p:cNvCxnSpPr>
+              <a:cxnSpLocks/>
+            </p:cNvCxnSpPr>
+            <p:nvPr/>
+          </p:nvCxnSpPr>
+          <p:spPr>
+            <a:xfrm>
+              <a:off x="11061283" y="4807663"/>
+              <a:ext cx="634708" cy="0"/>
+            </a:xfrm>
+            <a:prstGeom prst="line">
+              <a:avLst/>
+            </a:prstGeom>
+            <a:ln w="76200">
+              <a:headEnd type="none" w="med" len="med"/>
+              <a:tailEnd type="none" w="med" len="med"/>
+            </a:ln>
+          </p:spPr>
+          <p:style>
+            <a:lnRef idx="1">
+              <a:schemeClr val="accent1"/>
+            </a:lnRef>
+            <a:fillRef idx="0">
+              <a:schemeClr val="accent1"/>
+            </a:fillRef>
+            <a:effectRef idx="0">
+              <a:schemeClr val="accent1"/>
+            </a:effectRef>
+            <a:fontRef idx="minor">
+              <a:schemeClr val="tx1"/>
+            </a:fontRef>
+          </p:style>
+        </p:cxnSp>
+      </p:grpSp>
+      <p:grpSp>
+        <p:nvGrpSpPr>
+          <p:cNvPr id="235" name="Gruppieren 234">
+            <a:extLst>
+              <a:ext uri="{FF2B5EF4-FFF2-40B4-BE49-F238E27FC236}">
+                <a16:creationId xmlns:a16="http://schemas.microsoft.com/office/drawing/2014/main" id="{C7EACB93-DF58-4F0A-9FBB-53CC47EA26C9}"/>
+              </a:ext>
+            </a:extLst>
+          </p:cNvPr>
+          <p:cNvGrpSpPr/>
+          <p:nvPr/>
+        </p:nvGrpSpPr>
+        <p:grpSpPr>
+          <a:xfrm>
+            <a:off x="10339555" y="5309227"/>
+            <a:ext cx="1351580" cy="1327888"/>
+            <a:chOff x="4269388" y="4627554"/>
+            <a:chExt cx="1800000" cy="1800000"/>
+          </a:xfrm>
+        </p:grpSpPr>
+        <p:sp>
+          <p:nvSpPr>
+            <p:cNvPr id="11" name="Rechteck 10">
+              <a:extLst>
+                <a:ext uri="{FF2B5EF4-FFF2-40B4-BE49-F238E27FC236}">
+                  <a16:creationId xmlns:a16="http://schemas.microsoft.com/office/drawing/2014/main" id="{87389BBC-F40A-4A76-98C2-6237F9D298D2}"/>
+                </a:ext>
+              </a:extLst>
+            </p:cNvPr>
+            <p:cNvSpPr/>
+            <p:nvPr/>
+          </p:nvSpPr>
+          <p:spPr>
+            <a:xfrm>
+              <a:off x="4269388" y="4627554"/>
+              <a:ext cx="1800000" cy="1800000"/>
+            </a:xfrm>
+            <a:prstGeom prst="rect">
+              <a:avLst/>
+            </a:prstGeom>
+            <a:solidFill>
+              <a:schemeClr val="accent5">
+                <a:lumMod val="40000"/>
+                <a:lumOff val="60000"/>
+              </a:schemeClr>
+            </a:solidFill>
+            <a:ln w="57150">
+              <a:solidFill>
+                <a:schemeClr val="tx1"/>
+              </a:solidFill>
+            </a:ln>
+          </p:spPr>
+          <p:style>
+            <a:lnRef idx="2">
+              <a:schemeClr val="accent1">
+                <a:shade val="50000"/>
+              </a:schemeClr>
+            </a:lnRef>
+            <a:fillRef idx="1">
+              <a:schemeClr val="accent1"/>
+            </a:fillRef>
+            <a:effectRef idx="0">
+              <a:schemeClr val="accent1"/>
+            </a:effectRef>
+            <a:fontRef idx="minor">
+              <a:schemeClr val="lt1"/>
+            </a:fontRef>
+          </p:style>
+          <p:txBody>
+            <a:bodyPr rtlCol="0" anchor="ctr"/>
+            <a:lstStyle/>
+            <a:p>
+              <a:pPr algn="ctr"/>
+              <a:endParaRPr lang="de-DE"/>
+            </a:p>
+          </p:txBody>
+        </p:sp>
+        <p:sp>
+          <p:nvSpPr>
+            <p:cNvPr id="12" name="Sprechblase: oval 11">
+              <a:extLst>
+                <a:ext uri="{FF2B5EF4-FFF2-40B4-BE49-F238E27FC236}">
+                  <a16:creationId xmlns:a16="http://schemas.microsoft.com/office/drawing/2014/main" id="{C0255748-FEAD-4533-8AD9-E1169D2FE302}"/>
+                </a:ext>
+              </a:extLst>
+            </p:cNvPr>
+            <p:cNvSpPr/>
+            <p:nvPr/>
+          </p:nvSpPr>
+          <p:spPr>
+            <a:xfrm>
+              <a:off x="4403804" y="4872042"/>
+              <a:ext cx="1567542" cy="1182329"/>
+            </a:xfrm>
+            <a:prstGeom prst="wedgeEllipseCallout">
+              <a:avLst>
+                <a:gd name="adj1" fmla="val -45833"/>
+                <a:gd name="adj2" fmla="val 72935"/>
+              </a:avLst>
+            </a:prstGeom>
+            <a:solidFill>
+              <a:schemeClr val="bg1"/>
+            </a:solidFill>
+            <a:ln w="76200">
+              <a:solidFill>
+                <a:schemeClr val="accent1">
+                  <a:lumMod val="75000"/>
+                </a:schemeClr>
+              </a:solidFill>
+            </a:ln>
+          </p:spPr>
+          <p:style>
+            <a:lnRef idx="2">
+              <a:schemeClr val="accent1">
+                <a:shade val="50000"/>
+              </a:schemeClr>
+            </a:lnRef>
+            <a:fillRef idx="1">
+              <a:schemeClr val="accent1"/>
+            </a:fillRef>
+            <a:effectRef idx="0">
+              <a:schemeClr val="accent1"/>
+            </a:effectRef>
+            <a:fontRef idx="minor">
+              <a:schemeClr val="lt1"/>
+            </a:fontRef>
+          </p:style>
+          <p:txBody>
+            <a:bodyPr rtlCol="0" anchor="ctr"/>
+            <a:lstStyle/>
+            <a:p>
+              <a:pPr algn="ctr"/>
+              <a:endParaRPr lang="de-DE"/>
+            </a:p>
+          </p:txBody>
+        </p:sp>
+        <p:sp>
+          <p:nvSpPr>
+            <p:cNvPr id="13" name="Textfeld 12">
+              <a:extLst>
+                <a:ext uri="{FF2B5EF4-FFF2-40B4-BE49-F238E27FC236}">
+                  <a16:creationId xmlns:a16="http://schemas.microsoft.com/office/drawing/2014/main" id="{5A1AD549-F414-497B-806A-9D7BD4E9F690}"/>
+                </a:ext>
+              </a:extLst>
+            </p:cNvPr>
+            <p:cNvSpPr txBox="1"/>
+            <p:nvPr/>
+          </p:nvSpPr>
+          <p:spPr>
+            <a:xfrm>
+              <a:off x="4759404" y="4935824"/>
+              <a:ext cx="892628" cy="1015663"/>
+            </a:xfrm>
+            <a:prstGeom prst="rect">
+              <a:avLst/>
+            </a:prstGeom>
+            <a:noFill/>
+          </p:spPr>
+          <p:txBody>
+            <a:bodyPr wrap="square" rtlCol="0">
+              <a:spAutoFit/>
+            </a:bodyPr>
+            <a:lstStyle/>
+            <a:p>
+              <a:pPr algn="ctr"/>
+              <a:r>
+                <a:rPr lang="de-DE" sz="6000" dirty="0"/>
+                <a:t>…</a:t>
+              </a:r>
+              <a:endParaRPr lang="de-DE" dirty="0"/>
+            </a:p>
+          </p:txBody>
+        </p:sp>
+      </p:grpSp>
+      <p:grpSp>
+        <p:nvGrpSpPr>
+          <p:cNvPr id="236" name="Gruppieren 235">
+            <a:extLst>
+              <a:ext uri="{FF2B5EF4-FFF2-40B4-BE49-F238E27FC236}">
+                <a16:creationId xmlns:a16="http://schemas.microsoft.com/office/drawing/2014/main" id="{B9B1F5B2-5EB4-4106-9EF6-A7994D68A192}"/>
+              </a:ext>
+            </a:extLst>
+          </p:cNvPr>
+          <p:cNvGrpSpPr/>
+          <p:nvPr/>
+        </p:nvGrpSpPr>
+        <p:grpSpPr>
+          <a:xfrm>
+            <a:off x="6471098" y="5309227"/>
+            <a:ext cx="1351580" cy="1353425"/>
+            <a:chOff x="556546" y="4627554"/>
+            <a:chExt cx="1800000" cy="1800000"/>
+          </a:xfrm>
+        </p:grpSpPr>
+        <p:sp>
+          <p:nvSpPr>
+            <p:cNvPr id="14" name="Rechteck 13">
+              <a:extLst>
+                <a:ext uri="{FF2B5EF4-FFF2-40B4-BE49-F238E27FC236}">
+                  <a16:creationId xmlns:a16="http://schemas.microsoft.com/office/drawing/2014/main" id="{588FA386-D44D-4CAE-BAAB-7DA9FAFB7845}"/>
+                </a:ext>
+              </a:extLst>
+            </p:cNvPr>
+            <p:cNvSpPr/>
+            <p:nvPr/>
+          </p:nvSpPr>
+          <p:spPr>
+            <a:xfrm>
+              <a:off x="556546" y="4627554"/>
+              <a:ext cx="1800000" cy="1800000"/>
+            </a:xfrm>
+            <a:prstGeom prst="rect">
+              <a:avLst/>
+            </a:prstGeom>
+            <a:solidFill>
+              <a:schemeClr val="accent2">
+                <a:lumMod val="60000"/>
+                <a:lumOff val="40000"/>
+              </a:schemeClr>
+            </a:solidFill>
+            <a:ln w="57150">
+              <a:solidFill>
+                <a:schemeClr val="tx1"/>
+              </a:solidFill>
+            </a:ln>
+          </p:spPr>
+          <p:style>
+            <a:lnRef idx="2">
+              <a:schemeClr val="accent1">
+                <a:shade val="50000"/>
+              </a:schemeClr>
+            </a:lnRef>
+            <a:fillRef idx="1">
+              <a:schemeClr val="accent1"/>
+            </a:fillRef>
+            <a:effectRef idx="0">
+              <a:schemeClr val="accent1"/>
+            </a:effectRef>
+            <a:fontRef idx="minor">
+              <a:schemeClr val="lt1"/>
+            </a:fontRef>
+          </p:style>
+          <p:txBody>
+            <a:bodyPr rtlCol="0" anchor="ctr"/>
+            <a:lstStyle/>
+            <a:p>
+              <a:pPr algn="ctr"/>
+              <a:endParaRPr lang="de-DE"/>
+            </a:p>
+          </p:txBody>
+        </p:sp>
+        <p:cxnSp>
+          <p:nvCxnSpPr>
+            <p:cNvPr id="15" name="Gerader Verbinder 14">
+              <a:extLst>
+                <a:ext uri="{FF2B5EF4-FFF2-40B4-BE49-F238E27FC236}">
+                  <a16:creationId xmlns:a16="http://schemas.microsoft.com/office/drawing/2014/main" id="{735E0261-D75A-4E6E-955E-C6DCBCE73754}"/>
+                </a:ext>
+              </a:extLst>
+            </p:cNvPr>
+            <p:cNvCxnSpPr>
+              <a:cxnSpLocks/>
+            </p:cNvCxnSpPr>
+            <p:nvPr/>
+          </p:nvCxnSpPr>
+          <p:spPr>
+            <a:xfrm flipH="1" flipV="1">
+              <a:off x="903086" y="4958553"/>
+              <a:ext cx="1102972" cy="1117205"/>
+            </a:xfrm>
+            <a:prstGeom prst="line">
+              <a:avLst/>
+            </a:prstGeom>
+            <a:ln w="76200">
+              <a:solidFill>
+                <a:schemeClr val="tx1"/>
+              </a:solidFill>
+            </a:ln>
+          </p:spPr>
+          <p:style>
+            <a:lnRef idx="1">
+              <a:schemeClr val="accent1"/>
+            </a:lnRef>
+            <a:fillRef idx="0">
+              <a:schemeClr val="accent1"/>
+            </a:fillRef>
+            <a:effectRef idx="0">
+              <a:schemeClr val="accent1"/>
+            </a:effectRef>
+            <a:fontRef idx="minor">
+              <a:schemeClr val="tx1"/>
+            </a:fontRef>
+          </p:style>
+        </p:cxnSp>
+        <p:cxnSp>
+          <p:nvCxnSpPr>
+            <p:cNvPr id="16" name="Gerader Verbinder 15">
+              <a:extLst>
+                <a:ext uri="{FF2B5EF4-FFF2-40B4-BE49-F238E27FC236}">
+                  <a16:creationId xmlns:a16="http://schemas.microsoft.com/office/drawing/2014/main" id="{F9557815-C77B-4D10-AD13-4B94DCDF4BA5}"/>
+                </a:ext>
+              </a:extLst>
+            </p:cNvPr>
+            <p:cNvCxnSpPr>
+              <a:cxnSpLocks/>
+            </p:cNvCxnSpPr>
+            <p:nvPr/>
+          </p:nvCxnSpPr>
+          <p:spPr>
+            <a:xfrm flipV="1">
+              <a:off x="906643" y="4944321"/>
+              <a:ext cx="1124320" cy="1161680"/>
+            </a:xfrm>
+            <a:prstGeom prst="line">
+              <a:avLst/>
+            </a:prstGeom>
+            <a:ln w="76200">
+              <a:solidFill>
+                <a:schemeClr val="tx1"/>
+              </a:solidFill>
+            </a:ln>
+          </p:spPr>
+          <p:style>
+            <a:lnRef idx="1">
+              <a:schemeClr val="accent1"/>
+            </a:lnRef>
+            <a:fillRef idx="0">
+              <a:schemeClr val="accent1"/>
+            </a:fillRef>
+            <a:effectRef idx="0">
+              <a:schemeClr val="accent1"/>
+            </a:effectRef>
+            <a:fontRef idx="minor">
+              <a:schemeClr val="tx1"/>
+            </a:fontRef>
+          </p:style>
+        </p:cxnSp>
+        <p:cxnSp>
+          <p:nvCxnSpPr>
+            <p:cNvPr id="17" name="Gerader Verbinder 16">
+              <a:extLst>
+                <a:ext uri="{FF2B5EF4-FFF2-40B4-BE49-F238E27FC236}">
+                  <a16:creationId xmlns:a16="http://schemas.microsoft.com/office/drawing/2014/main" id="{A960A022-9866-4D7A-B164-A8539FBFAF6F}"/>
+                </a:ext>
+              </a:extLst>
+            </p:cNvPr>
+            <p:cNvCxnSpPr>
+              <a:cxnSpLocks/>
+            </p:cNvCxnSpPr>
+            <p:nvPr/>
+          </p:nvCxnSpPr>
+          <p:spPr>
+            <a:xfrm>
+              <a:off x="716291" y="5525161"/>
+              <a:ext cx="1483676" cy="0"/>
+            </a:xfrm>
+            <a:prstGeom prst="line">
+              <a:avLst/>
+            </a:prstGeom>
+            <a:ln w="76200">
+              <a:solidFill>
+                <a:schemeClr val="tx1"/>
+              </a:solidFill>
+            </a:ln>
+          </p:spPr>
+          <p:style>
+            <a:lnRef idx="1">
+              <a:schemeClr val="accent1"/>
+            </a:lnRef>
+            <a:fillRef idx="0">
+              <a:schemeClr val="accent1"/>
+            </a:fillRef>
+            <a:effectRef idx="0">
+              <a:schemeClr val="accent1"/>
+            </a:effectRef>
+            <a:fontRef idx="minor">
+              <a:schemeClr val="tx1"/>
+            </a:fontRef>
+          </p:style>
+        </p:cxnSp>
+        <p:cxnSp>
+          <p:nvCxnSpPr>
+            <p:cNvPr id="18" name="Gerader Verbinder 17">
+              <a:extLst>
+                <a:ext uri="{FF2B5EF4-FFF2-40B4-BE49-F238E27FC236}">
+                  <a16:creationId xmlns:a16="http://schemas.microsoft.com/office/drawing/2014/main" id="{D1EF96BF-F6DD-4391-A1CA-72B5B25FC097}"/>
+                </a:ext>
+              </a:extLst>
+            </p:cNvPr>
+            <p:cNvCxnSpPr>
+              <a:cxnSpLocks/>
+            </p:cNvCxnSpPr>
+            <p:nvPr/>
+          </p:nvCxnSpPr>
+          <p:spPr>
+            <a:xfrm flipV="1">
+              <a:off x="1453839" y="4752192"/>
+              <a:ext cx="0" cy="1524592"/>
+            </a:xfrm>
+            <a:prstGeom prst="line">
+              <a:avLst/>
+            </a:prstGeom>
+            <a:ln w="76200">
+              <a:solidFill>
+                <a:schemeClr val="tx1"/>
+              </a:solidFill>
+            </a:ln>
+          </p:spPr>
+          <p:style>
+            <a:lnRef idx="1">
+              <a:schemeClr val="accent1"/>
+            </a:lnRef>
+            <a:fillRef idx="0">
+              <a:schemeClr val="accent1"/>
+            </a:fillRef>
+            <a:effectRef idx="0">
+              <a:schemeClr val="accent1"/>
+            </a:effectRef>
+            <a:fontRef idx="minor">
+              <a:schemeClr val="tx1"/>
+            </a:fontRef>
+          </p:style>
+        </p:cxnSp>
+        <p:sp>
+          <p:nvSpPr>
+            <p:cNvPr id="19" name="Ellipse 18">
+              <a:extLst>
+                <a:ext uri="{FF2B5EF4-FFF2-40B4-BE49-F238E27FC236}">
+                  <a16:creationId xmlns:a16="http://schemas.microsoft.com/office/drawing/2014/main" id="{32B80877-07AD-476C-8184-470C894C9CEE}"/>
+                </a:ext>
+              </a:extLst>
+            </p:cNvPr>
+            <p:cNvSpPr/>
+            <p:nvPr/>
+          </p:nvSpPr>
+          <p:spPr>
+            <a:xfrm>
+              <a:off x="1114784" y="5154242"/>
+              <a:ext cx="731165" cy="699141"/>
+            </a:xfrm>
+            <a:prstGeom prst="ellipse">
+              <a:avLst/>
+            </a:prstGeom>
+            <a:solidFill>
+              <a:schemeClr val="accent2">
+                <a:lumMod val="60000"/>
+                <a:lumOff val="40000"/>
+              </a:schemeClr>
+            </a:solidFill>
+            <a:ln>
+              <a:noFill/>
+            </a:ln>
+          </p:spPr>
+          <p:style>
+            <a:lnRef idx="2">
+              <a:schemeClr val="accent1">
+                <a:shade val="50000"/>
+              </a:schemeClr>
+            </a:lnRef>
+            <a:fillRef idx="1">
+              <a:schemeClr val="accent1"/>
+            </a:fillRef>
+            <a:effectRef idx="0">
+              <a:schemeClr val="accent1"/>
+            </a:effectRef>
+            <a:fontRef idx="minor">
+              <a:schemeClr val="lt1"/>
+            </a:fontRef>
+          </p:style>
+          <p:txBody>
+            <a:bodyPr rtlCol="0" anchor="ctr"/>
+            <a:lstStyle/>
+            <a:p>
+              <a:pPr algn="ctr"/>
+              <a:endParaRPr lang="de-DE"/>
+            </a:p>
+          </p:txBody>
+        </p:sp>
+      </p:grpSp>
+      <p:cxnSp>
+        <p:nvCxnSpPr>
+          <p:cNvPr id="28" name="Gerader Verbinder 27">
+            <a:extLst>
+              <a:ext uri="{FF2B5EF4-FFF2-40B4-BE49-F238E27FC236}">
+                <a16:creationId xmlns:a16="http://schemas.microsoft.com/office/drawing/2014/main" id="{3A6DBAE9-C052-4649-8550-BE69177794A4}"/>
+              </a:ext>
+            </a:extLst>
+          </p:cNvPr>
+          <p:cNvCxnSpPr/>
+          <p:nvPr/>
+        </p:nvCxnSpPr>
+        <p:spPr>
+          <a:xfrm flipH="1">
+            <a:off x="8391905" y="983496"/>
+            <a:ext cx="65314" cy="321553"/>
+          </a:xfrm>
+          <a:prstGeom prst="line">
+            <a:avLst/>
+          </a:prstGeom>
+          <a:ln w="76200" cap="rnd"/>
+        </p:spPr>
+        <p:style>
+          <a:lnRef idx="3">
+            <a:schemeClr val="accent1"/>
+          </a:lnRef>
+          <a:fillRef idx="0">
+            <a:schemeClr val="accent1"/>
+          </a:fillRef>
+          <a:effectRef idx="2">
+            <a:schemeClr val="accent1"/>
+          </a:effectRef>
+          <a:fontRef idx="minor">
+            <a:schemeClr val="tx1"/>
+          </a:fontRef>
+        </p:style>
+      </p:cxnSp>
+      <p:cxnSp>
+        <p:nvCxnSpPr>
+          <p:cNvPr id="29" name="Gerader Verbinder 28">
+            <a:extLst>
+              <a:ext uri="{FF2B5EF4-FFF2-40B4-BE49-F238E27FC236}">
+                <a16:creationId xmlns:a16="http://schemas.microsoft.com/office/drawing/2014/main" id="{0EED1D5F-F714-48C5-A88D-389CC7A52EF8}"/>
+              </a:ext>
+            </a:extLst>
+          </p:cNvPr>
+          <p:cNvCxnSpPr>
+            <a:cxnSpLocks/>
+          </p:cNvCxnSpPr>
+          <p:nvPr/>
+        </p:nvCxnSpPr>
+        <p:spPr>
+          <a:xfrm>
+            <a:off x="8396092" y="1305049"/>
+            <a:ext cx="173224" cy="357871"/>
+          </a:xfrm>
+          <a:prstGeom prst="line">
+            <a:avLst/>
+          </a:prstGeom>
+          <a:ln w="76200" cap="rnd"/>
+        </p:spPr>
+        <p:style>
+          <a:lnRef idx="3">
+            <a:schemeClr val="accent1"/>
+          </a:lnRef>
+          <a:fillRef idx="0">
+            <a:schemeClr val="accent1"/>
+          </a:fillRef>
+          <a:effectRef idx="2">
+            <a:schemeClr val="accent1"/>
+          </a:effectRef>
+          <a:fontRef idx="minor">
+            <a:schemeClr val="tx1"/>
+          </a:fontRef>
+        </p:style>
+      </p:cxnSp>
+      <p:cxnSp>
+        <p:nvCxnSpPr>
+          <p:cNvPr id="31" name="Gerader Verbinder 30">
+            <a:extLst>
+              <a:ext uri="{FF2B5EF4-FFF2-40B4-BE49-F238E27FC236}">
+                <a16:creationId xmlns:a16="http://schemas.microsoft.com/office/drawing/2014/main" id="{7D1272D5-A39D-45B1-A3B2-019F4BE5B42B}"/>
+              </a:ext>
+            </a:extLst>
+          </p:cNvPr>
+          <p:cNvCxnSpPr>
+            <a:cxnSpLocks/>
+          </p:cNvCxnSpPr>
+          <p:nvPr/>
+        </p:nvCxnSpPr>
+        <p:spPr>
+          <a:xfrm>
+            <a:off x="9158092" y="1960628"/>
+            <a:ext cx="504092" cy="280592"/>
+          </a:xfrm>
+          <a:prstGeom prst="line">
+            <a:avLst/>
+          </a:prstGeom>
+          <a:ln w="76200" cap="rnd">
+            <a:solidFill>
+              <a:schemeClr val="accent4">
+                <a:lumMod val="60000"/>
+                <a:lumOff val="40000"/>
+              </a:schemeClr>
+            </a:solidFill>
+          </a:ln>
+        </p:spPr>
+        <p:style>
+          <a:lnRef idx="3">
+            <a:schemeClr val="accent1"/>
+          </a:lnRef>
+          <a:fillRef idx="0">
+            <a:schemeClr val="accent1"/>
+          </a:fillRef>
+          <a:effectRef idx="2">
+            <a:schemeClr val="accent1"/>
+          </a:effectRef>
+          <a:fontRef idx="minor">
+            <a:schemeClr val="tx1"/>
+          </a:fontRef>
+        </p:style>
+      </p:cxnSp>
+      <p:cxnSp>
+        <p:nvCxnSpPr>
+          <p:cNvPr id="32" name="Gerader Verbinder 31">
+            <a:extLst>
+              <a:ext uri="{FF2B5EF4-FFF2-40B4-BE49-F238E27FC236}">
+                <a16:creationId xmlns:a16="http://schemas.microsoft.com/office/drawing/2014/main" id="{E5470A97-ABFD-422C-BA55-6F178B18BEDD}"/>
+              </a:ext>
+            </a:extLst>
+          </p:cNvPr>
+          <p:cNvCxnSpPr>
+            <a:cxnSpLocks/>
+          </p:cNvCxnSpPr>
+          <p:nvPr/>
+        </p:nvCxnSpPr>
+        <p:spPr>
+          <a:xfrm flipH="1">
+            <a:off x="9662184" y="2100924"/>
+            <a:ext cx="932822" cy="140296"/>
+          </a:xfrm>
+          <a:prstGeom prst="line">
+            <a:avLst/>
+          </a:prstGeom>
+          <a:ln w="76200" cap="rnd">
+            <a:solidFill>
+              <a:schemeClr val="accent4">
+                <a:lumMod val="60000"/>
+                <a:lumOff val="40000"/>
+              </a:schemeClr>
+            </a:solidFill>
+          </a:ln>
+        </p:spPr>
+        <p:style>
+          <a:lnRef idx="3">
+            <a:schemeClr val="accent1"/>
+          </a:lnRef>
+          <a:fillRef idx="0">
+            <a:schemeClr val="accent1"/>
+          </a:fillRef>
+          <a:effectRef idx="2">
+            <a:schemeClr val="accent1"/>
+          </a:effectRef>
+          <a:fontRef idx="minor">
+            <a:schemeClr val="tx1"/>
+          </a:fontRef>
+        </p:style>
+      </p:cxnSp>
+      <p:cxnSp>
+        <p:nvCxnSpPr>
+          <p:cNvPr id="37" name="Gerader Verbinder 36">
+            <a:extLst>
+              <a:ext uri="{FF2B5EF4-FFF2-40B4-BE49-F238E27FC236}">
+                <a16:creationId xmlns:a16="http://schemas.microsoft.com/office/drawing/2014/main" id="{8A69C021-9FE3-4490-8959-D10494D7E7A4}"/>
+              </a:ext>
+            </a:extLst>
+          </p:cNvPr>
+          <p:cNvCxnSpPr>
+            <a:cxnSpLocks/>
+          </p:cNvCxnSpPr>
+          <p:nvPr/>
+        </p:nvCxnSpPr>
+        <p:spPr>
+          <a:xfrm>
+            <a:off x="10002153" y="553858"/>
+            <a:ext cx="231112" cy="275124"/>
+          </a:xfrm>
+          <a:prstGeom prst="line">
+            <a:avLst/>
+          </a:prstGeom>
+          <a:ln w="76200" cap="rnd">
+            <a:solidFill>
+              <a:srgbClr val="FF0000"/>
+            </a:solidFill>
+          </a:ln>
+        </p:spPr>
+        <p:style>
+          <a:lnRef idx="3">
+            <a:schemeClr val="accent1"/>
+          </a:lnRef>
+          <a:fillRef idx="0">
+            <a:schemeClr val="accent1"/>
+          </a:fillRef>
+          <a:effectRef idx="2">
+            <a:schemeClr val="accent1"/>
+          </a:effectRef>
+          <a:fontRef idx="minor">
+            <a:schemeClr val="tx1"/>
+          </a:fontRef>
+        </p:style>
+      </p:cxnSp>
+      <p:cxnSp>
+        <p:nvCxnSpPr>
+          <p:cNvPr id="38" name="Gerader Verbinder 37">
+            <a:extLst>
+              <a:ext uri="{FF2B5EF4-FFF2-40B4-BE49-F238E27FC236}">
+                <a16:creationId xmlns:a16="http://schemas.microsoft.com/office/drawing/2014/main" id="{754007D3-9D5D-462E-8B55-6B89A184018C}"/>
+              </a:ext>
+            </a:extLst>
+          </p:cNvPr>
+          <p:cNvCxnSpPr>
+            <a:cxnSpLocks/>
+          </p:cNvCxnSpPr>
+          <p:nvPr/>
+        </p:nvCxnSpPr>
+        <p:spPr>
+          <a:xfrm flipH="1">
+            <a:off x="9089428" y="553858"/>
+            <a:ext cx="912725" cy="275124"/>
+          </a:xfrm>
+          <a:prstGeom prst="line">
+            <a:avLst/>
+          </a:prstGeom>
+          <a:ln w="76200" cap="rnd">
+            <a:solidFill>
+              <a:srgbClr val="FF0000"/>
+            </a:solidFill>
+          </a:ln>
+        </p:spPr>
+        <p:style>
+          <a:lnRef idx="3">
+            <a:schemeClr val="accent1"/>
+          </a:lnRef>
+          <a:fillRef idx="0">
+            <a:schemeClr val="accent1"/>
+          </a:fillRef>
+          <a:effectRef idx="2">
+            <a:schemeClr val="accent1"/>
+          </a:effectRef>
+          <a:fontRef idx="minor">
+            <a:schemeClr val="tx1"/>
+          </a:fontRef>
+        </p:style>
+      </p:cxnSp>
+      <p:cxnSp>
+        <p:nvCxnSpPr>
+          <p:cNvPr id="42" name="Gerader Verbinder 41">
+            <a:extLst>
+              <a:ext uri="{FF2B5EF4-FFF2-40B4-BE49-F238E27FC236}">
+                <a16:creationId xmlns:a16="http://schemas.microsoft.com/office/drawing/2014/main" id="{CFDC81CF-4341-4375-99AF-0B82D0EC8697}"/>
+              </a:ext>
+            </a:extLst>
+          </p:cNvPr>
+          <p:cNvCxnSpPr>
+            <a:cxnSpLocks/>
+          </p:cNvCxnSpPr>
+          <p:nvPr/>
+        </p:nvCxnSpPr>
+        <p:spPr>
+          <a:xfrm>
+            <a:off x="10963268" y="715261"/>
+            <a:ext cx="547196" cy="268235"/>
+          </a:xfrm>
+          <a:prstGeom prst="line">
+            <a:avLst/>
+          </a:prstGeom>
+          <a:ln w="76200" cap="rnd">
+            <a:solidFill>
+              <a:schemeClr val="accent2">
+                <a:lumMod val="40000"/>
+                <a:lumOff val="60000"/>
+              </a:schemeClr>
+            </a:solidFill>
+          </a:ln>
+        </p:spPr>
+        <p:style>
+          <a:lnRef idx="3">
+            <a:schemeClr val="accent1"/>
+          </a:lnRef>
+          <a:fillRef idx="0">
+            <a:schemeClr val="accent1"/>
+          </a:fillRef>
+          <a:effectRef idx="2">
+            <a:schemeClr val="accent1"/>
+          </a:effectRef>
+          <a:fontRef idx="minor">
+            <a:schemeClr val="tx1"/>
+          </a:fontRef>
+        </p:style>
+      </p:cxnSp>
+      <p:cxnSp>
+        <p:nvCxnSpPr>
+          <p:cNvPr id="43" name="Gerader Verbinder 42">
+            <a:extLst>
+              <a:ext uri="{FF2B5EF4-FFF2-40B4-BE49-F238E27FC236}">
+                <a16:creationId xmlns:a16="http://schemas.microsoft.com/office/drawing/2014/main" id="{13FDF5AC-A342-4E2D-A0BF-B821013C577B}"/>
+              </a:ext>
+            </a:extLst>
+          </p:cNvPr>
+          <p:cNvCxnSpPr>
+            <a:cxnSpLocks/>
+          </p:cNvCxnSpPr>
+          <p:nvPr/>
+        </p:nvCxnSpPr>
+        <p:spPr>
+          <a:xfrm flipH="1">
+            <a:off x="11344930" y="983496"/>
+            <a:ext cx="165534" cy="553883"/>
+          </a:xfrm>
+          <a:prstGeom prst="line">
+            <a:avLst/>
+          </a:prstGeom>
+          <a:ln w="76200" cap="rnd">
+            <a:solidFill>
+              <a:schemeClr val="accent2">
+                <a:lumMod val="40000"/>
+                <a:lumOff val="60000"/>
+              </a:schemeClr>
+            </a:solidFill>
+          </a:ln>
+        </p:spPr>
+        <p:style>
+          <a:lnRef idx="3">
+            <a:schemeClr val="accent1"/>
+          </a:lnRef>
+          <a:fillRef idx="0">
+            <a:schemeClr val="accent1"/>
+          </a:fillRef>
+          <a:effectRef idx="2">
+            <a:schemeClr val="accent1"/>
+          </a:effectRef>
+          <a:fontRef idx="minor">
+            <a:schemeClr val="tx1"/>
+          </a:fontRef>
+        </p:style>
+      </p:cxnSp>
+      <p:cxnSp>
+        <p:nvCxnSpPr>
+          <p:cNvPr id="47" name="Gerader Verbinder 46">
+            <a:extLst>
+              <a:ext uri="{FF2B5EF4-FFF2-40B4-BE49-F238E27FC236}">
+                <a16:creationId xmlns:a16="http://schemas.microsoft.com/office/drawing/2014/main" id="{4EB7069B-1CF8-46B8-8910-2B5D2D9179B1}"/>
+              </a:ext>
+            </a:extLst>
+          </p:cNvPr>
+          <p:cNvCxnSpPr>
+            <a:cxnSpLocks/>
+          </p:cNvCxnSpPr>
+          <p:nvPr/>
+        </p:nvCxnSpPr>
+        <p:spPr>
+          <a:xfrm>
+            <a:off x="11654315" y="1215826"/>
+            <a:ext cx="237811" cy="744802"/>
+          </a:xfrm>
+          <a:prstGeom prst="line">
+            <a:avLst/>
+          </a:prstGeom>
+          <a:ln w="76200" cap="rnd">
+            <a:solidFill>
+              <a:schemeClr val="accent1">
+                <a:lumMod val="40000"/>
+                <a:lumOff val="60000"/>
+              </a:schemeClr>
+            </a:solidFill>
+          </a:ln>
+        </p:spPr>
+        <p:style>
+          <a:lnRef idx="3">
+            <a:schemeClr val="accent1"/>
+          </a:lnRef>
+          <a:fillRef idx="0">
+            <a:schemeClr val="accent1"/>
+          </a:fillRef>
+          <a:effectRef idx="2">
+            <a:schemeClr val="accent1"/>
+          </a:effectRef>
+          <a:fontRef idx="minor">
+            <a:schemeClr val="tx1"/>
+          </a:fontRef>
+        </p:style>
+      </p:cxnSp>
+      <p:cxnSp>
+        <p:nvCxnSpPr>
+          <p:cNvPr id="48" name="Gerader Verbinder 47">
+            <a:extLst>
+              <a:ext uri="{FF2B5EF4-FFF2-40B4-BE49-F238E27FC236}">
+                <a16:creationId xmlns:a16="http://schemas.microsoft.com/office/drawing/2014/main" id="{14E6A352-D308-4EAA-B62B-14A6BFF4B1CE}"/>
+              </a:ext>
+            </a:extLst>
+          </p:cNvPr>
+          <p:cNvCxnSpPr>
+            <a:cxnSpLocks/>
+          </p:cNvCxnSpPr>
+          <p:nvPr/>
+        </p:nvCxnSpPr>
+        <p:spPr>
+          <a:xfrm flipH="1">
+            <a:off x="11654315" y="1960628"/>
+            <a:ext cx="237811" cy="140296"/>
+          </a:xfrm>
+          <a:prstGeom prst="line">
+            <a:avLst/>
+          </a:prstGeom>
+          <a:ln w="76200" cap="rnd">
+            <a:solidFill>
+              <a:schemeClr val="accent1">
+                <a:lumMod val="40000"/>
+                <a:lumOff val="60000"/>
+              </a:schemeClr>
+            </a:solidFill>
+          </a:ln>
+        </p:spPr>
+        <p:style>
+          <a:lnRef idx="3">
+            <a:schemeClr val="accent1"/>
+          </a:lnRef>
+          <a:fillRef idx="0">
+            <a:schemeClr val="accent1"/>
+          </a:fillRef>
+          <a:effectRef idx="2">
+            <a:schemeClr val="accent1"/>
+          </a:effectRef>
+          <a:fontRef idx="minor">
+            <a:schemeClr val="tx1"/>
+          </a:fontRef>
+        </p:style>
+      </p:cxnSp>
+      <p:cxnSp>
+        <p:nvCxnSpPr>
+          <p:cNvPr id="52" name="Gerader Verbinder 51">
+            <a:extLst>
+              <a:ext uri="{FF2B5EF4-FFF2-40B4-BE49-F238E27FC236}">
+                <a16:creationId xmlns:a16="http://schemas.microsoft.com/office/drawing/2014/main" id="{A26943A2-76C0-4250-B036-BD7AFE144557}"/>
+              </a:ext>
+            </a:extLst>
+          </p:cNvPr>
+          <p:cNvCxnSpPr/>
+          <p:nvPr/>
+        </p:nvCxnSpPr>
+        <p:spPr>
+          <a:xfrm flipH="1">
+            <a:off x="11351190" y="2321601"/>
+            <a:ext cx="65314" cy="321553"/>
+          </a:xfrm>
+          <a:prstGeom prst="line">
+            <a:avLst/>
+          </a:prstGeom>
+          <a:ln w="76200" cap="rnd">
+            <a:solidFill>
+              <a:schemeClr val="accent4">
+                <a:lumMod val="50000"/>
+              </a:schemeClr>
+            </a:solidFill>
+          </a:ln>
+        </p:spPr>
+        <p:style>
+          <a:lnRef idx="3">
+            <a:schemeClr val="accent1"/>
+          </a:lnRef>
+          <a:fillRef idx="0">
+            <a:schemeClr val="accent1"/>
+          </a:fillRef>
+          <a:effectRef idx="2">
+            <a:schemeClr val="accent1"/>
+          </a:effectRef>
+          <a:fontRef idx="minor">
+            <a:schemeClr val="tx1"/>
+          </a:fontRef>
+        </p:style>
+      </p:cxnSp>
+      <p:cxnSp>
+        <p:nvCxnSpPr>
+          <p:cNvPr id="53" name="Gerader Verbinder 52">
+            <a:extLst>
+              <a:ext uri="{FF2B5EF4-FFF2-40B4-BE49-F238E27FC236}">
+                <a16:creationId xmlns:a16="http://schemas.microsoft.com/office/drawing/2014/main" id="{91DB6D7C-9EA7-49EC-9F17-0DC5F4213637}"/>
+              </a:ext>
+            </a:extLst>
+          </p:cNvPr>
+          <p:cNvCxnSpPr>
+            <a:cxnSpLocks/>
+          </p:cNvCxnSpPr>
+          <p:nvPr/>
+        </p:nvCxnSpPr>
+        <p:spPr>
+          <a:xfrm flipH="1">
+            <a:off x="10404087" y="2643154"/>
+            <a:ext cx="951290" cy="141438"/>
+          </a:xfrm>
+          <a:prstGeom prst="line">
+            <a:avLst/>
+          </a:prstGeom>
+          <a:ln w="76200" cap="rnd">
+            <a:solidFill>
+              <a:schemeClr val="accent4">
+                <a:lumMod val="50000"/>
+              </a:schemeClr>
+            </a:solidFill>
+          </a:ln>
+        </p:spPr>
+        <p:style>
+          <a:lnRef idx="3">
+            <a:schemeClr val="accent1"/>
+          </a:lnRef>
+          <a:fillRef idx="0">
+            <a:schemeClr val="accent1"/>
+          </a:fillRef>
+          <a:effectRef idx="2">
+            <a:schemeClr val="accent1"/>
+          </a:effectRef>
+          <a:fontRef idx="minor">
+            <a:schemeClr val="tx1"/>
+          </a:fontRef>
+        </p:style>
+      </p:cxnSp>
+      <p:cxnSp>
+        <p:nvCxnSpPr>
+          <p:cNvPr id="55" name="Gerader Verbinder 54">
+            <a:extLst>
+              <a:ext uri="{FF2B5EF4-FFF2-40B4-BE49-F238E27FC236}">
+                <a16:creationId xmlns:a16="http://schemas.microsoft.com/office/drawing/2014/main" id="{1CD50577-96B2-4A54-9DED-6A26E2A117B9}"/>
+              </a:ext>
+            </a:extLst>
+          </p:cNvPr>
+          <p:cNvCxnSpPr>
+            <a:cxnSpLocks/>
+          </p:cNvCxnSpPr>
+          <p:nvPr/>
+        </p:nvCxnSpPr>
+        <p:spPr>
+          <a:xfrm>
+            <a:off x="9959843" y="2422277"/>
+            <a:ext cx="715550" cy="985313"/>
+          </a:xfrm>
+          <a:prstGeom prst="line">
+            <a:avLst/>
+          </a:prstGeom>
+          <a:ln w="76200" cap="rnd">
+            <a:solidFill>
+              <a:srgbClr val="00B0F0"/>
+            </a:solidFill>
+          </a:ln>
+        </p:spPr>
+        <p:style>
+          <a:lnRef idx="3">
+            <a:schemeClr val="accent1"/>
+          </a:lnRef>
+          <a:fillRef idx="0">
+            <a:schemeClr val="accent1"/>
+          </a:fillRef>
+          <a:effectRef idx="2">
+            <a:schemeClr val="accent1"/>
+          </a:effectRef>
+          <a:fontRef idx="minor">
+            <a:schemeClr val="tx1"/>
+          </a:fontRef>
+        </p:style>
+      </p:cxnSp>
+      <p:cxnSp>
+        <p:nvCxnSpPr>
+          <p:cNvPr id="56" name="Gerader Verbinder 55">
+            <a:extLst>
+              <a:ext uri="{FF2B5EF4-FFF2-40B4-BE49-F238E27FC236}">
+                <a16:creationId xmlns:a16="http://schemas.microsoft.com/office/drawing/2014/main" id="{D720BAFC-683F-4571-B2FE-9FDBF3415CF1}"/>
+              </a:ext>
+            </a:extLst>
+          </p:cNvPr>
+          <p:cNvCxnSpPr>
+            <a:cxnSpLocks/>
+          </p:cNvCxnSpPr>
+          <p:nvPr/>
+        </p:nvCxnSpPr>
+        <p:spPr>
+          <a:xfrm>
+            <a:off x="10117709" y="2381516"/>
+            <a:ext cx="279679" cy="403076"/>
+          </a:xfrm>
+          <a:prstGeom prst="line">
+            <a:avLst/>
+          </a:prstGeom>
+          <a:ln w="76200" cap="rnd">
+            <a:solidFill>
+              <a:schemeClr val="accent4">
+                <a:lumMod val="50000"/>
+              </a:schemeClr>
+            </a:solidFill>
+          </a:ln>
+        </p:spPr>
+        <p:style>
+          <a:lnRef idx="3">
+            <a:schemeClr val="accent1"/>
+          </a:lnRef>
+          <a:fillRef idx="0">
+            <a:schemeClr val="accent1"/>
+          </a:fillRef>
+          <a:effectRef idx="2">
+            <a:schemeClr val="accent1"/>
+          </a:effectRef>
+          <a:fontRef idx="minor">
+            <a:schemeClr val="tx1"/>
+          </a:fontRef>
+        </p:style>
+      </p:cxnSp>
+      <p:cxnSp>
+        <p:nvCxnSpPr>
+          <p:cNvPr id="60" name="Gerader Verbinder 59">
+            <a:extLst>
+              <a:ext uri="{FF2B5EF4-FFF2-40B4-BE49-F238E27FC236}">
+                <a16:creationId xmlns:a16="http://schemas.microsoft.com/office/drawing/2014/main" id="{7B9DC833-31FC-4DC0-B004-A4508DBB0EBA}"/>
+              </a:ext>
+            </a:extLst>
+          </p:cNvPr>
+          <p:cNvCxnSpPr>
+            <a:cxnSpLocks/>
+          </p:cNvCxnSpPr>
+          <p:nvPr/>
+        </p:nvCxnSpPr>
+        <p:spPr>
+          <a:xfrm>
+            <a:off x="10555254" y="2914933"/>
+            <a:ext cx="288891" cy="372457"/>
+          </a:xfrm>
+          <a:prstGeom prst="line">
+            <a:avLst/>
+          </a:prstGeom>
+          <a:ln w="76200" cap="rnd"/>
+        </p:spPr>
+        <p:style>
+          <a:lnRef idx="3">
+            <a:schemeClr val="accent1"/>
+          </a:lnRef>
+          <a:fillRef idx="0">
+            <a:schemeClr val="accent1"/>
+          </a:fillRef>
+          <a:effectRef idx="2">
+            <a:schemeClr val="accent1"/>
+          </a:effectRef>
+          <a:fontRef idx="minor">
+            <a:schemeClr val="tx1"/>
+          </a:fontRef>
+        </p:style>
+      </p:cxnSp>
+      <p:cxnSp>
+        <p:nvCxnSpPr>
+          <p:cNvPr id="62" name="Gerader Verbinder 61">
+            <a:extLst>
+              <a:ext uri="{FF2B5EF4-FFF2-40B4-BE49-F238E27FC236}">
+                <a16:creationId xmlns:a16="http://schemas.microsoft.com/office/drawing/2014/main" id="{21E07CE9-1CAE-48F4-B6A3-FE5560A49142}"/>
+              </a:ext>
+            </a:extLst>
+          </p:cNvPr>
+          <p:cNvCxnSpPr>
+            <a:cxnSpLocks/>
+          </p:cNvCxnSpPr>
+          <p:nvPr/>
+        </p:nvCxnSpPr>
+        <p:spPr>
+          <a:xfrm>
+            <a:off x="11022282" y="2171072"/>
+            <a:ext cx="73909" cy="144596"/>
+          </a:xfrm>
+          <a:prstGeom prst="line">
+            <a:avLst/>
+          </a:prstGeom>
+          <a:ln w="76200" cap="rnd">
+            <a:solidFill>
+              <a:schemeClr val="accent3">
+                <a:lumMod val="75000"/>
+              </a:schemeClr>
+            </a:solidFill>
+          </a:ln>
+        </p:spPr>
+        <p:style>
+          <a:lnRef idx="3">
+            <a:schemeClr val="accent1"/>
+          </a:lnRef>
+          <a:fillRef idx="0">
+            <a:schemeClr val="accent1"/>
+          </a:fillRef>
+          <a:effectRef idx="2">
+            <a:schemeClr val="accent1"/>
+          </a:effectRef>
+          <a:fontRef idx="minor">
+            <a:schemeClr val="tx1"/>
+          </a:fontRef>
+        </p:style>
+      </p:cxnSp>
+      <p:cxnSp>
+        <p:nvCxnSpPr>
+          <p:cNvPr id="63" name="Gerader Verbinder 62">
+            <a:extLst>
+              <a:ext uri="{FF2B5EF4-FFF2-40B4-BE49-F238E27FC236}">
+                <a16:creationId xmlns:a16="http://schemas.microsoft.com/office/drawing/2014/main" id="{9F0A8FEB-E907-4AE6-A4E2-F882155BF2B3}"/>
+              </a:ext>
+            </a:extLst>
+          </p:cNvPr>
+          <p:cNvCxnSpPr>
+            <a:cxnSpLocks/>
+          </p:cNvCxnSpPr>
+          <p:nvPr/>
+        </p:nvCxnSpPr>
+        <p:spPr>
+          <a:xfrm flipH="1">
+            <a:off x="10360987" y="2173806"/>
+            <a:ext cx="643314" cy="228091"/>
+          </a:xfrm>
+          <a:prstGeom prst="line">
+            <a:avLst/>
+          </a:prstGeom>
+          <a:ln w="76200" cap="rnd">
+            <a:solidFill>
+              <a:schemeClr val="accent3">
+                <a:lumMod val="75000"/>
+              </a:schemeClr>
+            </a:solidFill>
+          </a:ln>
+        </p:spPr>
+        <p:style>
+          <a:lnRef idx="3">
+            <a:schemeClr val="accent1"/>
+          </a:lnRef>
+          <a:fillRef idx="0">
+            <a:schemeClr val="accent1"/>
+          </a:fillRef>
+          <a:effectRef idx="2">
+            <a:schemeClr val="accent1"/>
+          </a:effectRef>
+          <a:fontRef idx="minor">
+            <a:schemeClr val="tx1"/>
+          </a:fontRef>
+        </p:style>
+      </p:cxnSp>
+      <p:cxnSp>
+        <p:nvCxnSpPr>
+          <p:cNvPr id="66" name="Gerader Verbinder 65">
+            <a:extLst>
+              <a:ext uri="{FF2B5EF4-FFF2-40B4-BE49-F238E27FC236}">
+                <a16:creationId xmlns:a16="http://schemas.microsoft.com/office/drawing/2014/main" id="{442A0D53-6E88-496C-9573-BE6A46A451F6}"/>
+              </a:ext>
+            </a:extLst>
+          </p:cNvPr>
+          <p:cNvCxnSpPr>
+            <a:cxnSpLocks/>
+          </p:cNvCxnSpPr>
+          <p:nvPr/>
+        </p:nvCxnSpPr>
+        <p:spPr>
+          <a:xfrm flipV="1">
+            <a:off x="9349671" y="844918"/>
+            <a:ext cx="610172" cy="108335"/>
+          </a:xfrm>
+          <a:prstGeom prst="line">
+            <a:avLst/>
+          </a:prstGeom>
+          <a:ln w="76200" cap="rnd">
+            <a:solidFill>
+              <a:srgbClr val="C00000"/>
+            </a:solidFill>
+          </a:ln>
+        </p:spPr>
+        <p:style>
+          <a:lnRef idx="3">
+            <a:schemeClr val="accent1"/>
+          </a:lnRef>
+          <a:fillRef idx="0">
+            <a:schemeClr val="accent1"/>
+          </a:fillRef>
+          <a:effectRef idx="2">
+            <a:schemeClr val="accent1"/>
+          </a:effectRef>
+          <a:fontRef idx="minor">
+            <a:schemeClr val="tx1"/>
+          </a:fontRef>
+        </p:style>
+      </p:cxnSp>
+      <p:cxnSp>
+        <p:nvCxnSpPr>
+          <p:cNvPr id="67" name="Gerader Verbinder 66">
+            <a:extLst>
+              <a:ext uri="{FF2B5EF4-FFF2-40B4-BE49-F238E27FC236}">
+                <a16:creationId xmlns:a16="http://schemas.microsoft.com/office/drawing/2014/main" id="{89C5BFE1-CA61-413F-8FE2-58AD3ACEA4D7}"/>
+              </a:ext>
+            </a:extLst>
+          </p:cNvPr>
+          <p:cNvCxnSpPr>
+            <a:cxnSpLocks/>
+          </p:cNvCxnSpPr>
+          <p:nvPr/>
+        </p:nvCxnSpPr>
+        <p:spPr>
+          <a:xfrm flipH="1">
+            <a:off x="8916147" y="953253"/>
+            <a:ext cx="412767" cy="326247"/>
+          </a:xfrm>
+          <a:prstGeom prst="line">
+            <a:avLst/>
+          </a:prstGeom>
+          <a:ln w="76200" cap="rnd">
+            <a:solidFill>
+              <a:srgbClr val="C00000"/>
+            </a:solidFill>
+          </a:ln>
+        </p:spPr>
+        <p:style>
+          <a:lnRef idx="3">
+            <a:schemeClr val="accent1"/>
+          </a:lnRef>
+          <a:fillRef idx="0">
+            <a:schemeClr val="accent1"/>
+          </a:fillRef>
+          <a:effectRef idx="2">
+            <a:schemeClr val="accent1"/>
+          </a:effectRef>
+          <a:fontRef idx="minor">
+            <a:schemeClr val="tx1"/>
+          </a:fontRef>
+        </p:style>
+      </p:cxnSp>
+      <p:cxnSp>
+        <p:nvCxnSpPr>
+          <p:cNvPr id="71" name="Gerader Verbinder 70">
+            <a:extLst>
+              <a:ext uri="{FF2B5EF4-FFF2-40B4-BE49-F238E27FC236}">
+                <a16:creationId xmlns:a16="http://schemas.microsoft.com/office/drawing/2014/main" id="{828C493D-0712-4AAF-A427-B4FD6456EFAD}"/>
+              </a:ext>
+            </a:extLst>
+          </p:cNvPr>
+          <p:cNvCxnSpPr>
+            <a:cxnSpLocks/>
+          </p:cNvCxnSpPr>
+          <p:nvPr/>
+        </p:nvCxnSpPr>
+        <p:spPr>
+          <a:xfrm flipV="1">
+            <a:off x="9404623" y="1154279"/>
+            <a:ext cx="607392" cy="125222"/>
+          </a:xfrm>
+          <a:prstGeom prst="line">
+            <a:avLst/>
+          </a:prstGeom>
+          <a:ln w="76200" cap="rnd">
+            <a:solidFill>
+              <a:schemeClr val="accent6">
+                <a:lumMod val="75000"/>
+              </a:schemeClr>
+            </a:solidFill>
+          </a:ln>
+        </p:spPr>
+        <p:style>
+          <a:lnRef idx="3">
+            <a:schemeClr val="accent1"/>
+          </a:lnRef>
+          <a:fillRef idx="0">
+            <a:schemeClr val="accent1"/>
+          </a:fillRef>
+          <a:effectRef idx="2">
+            <a:schemeClr val="accent1"/>
+          </a:effectRef>
+          <a:fontRef idx="minor">
+            <a:schemeClr val="tx1"/>
+          </a:fontRef>
+        </p:style>
+      </p:cxnSp>
+      <p:cxnSp>
+        <p:nvCxnSpPr>
+          <p:cNvPr id="72" name="Gerader Verbinder 71">
+            <a:extLst>
+              <a:ext uri="{FF2B5EF4-FFF2-40B4-BE49-F238E27FC236}">
+                <a16:creationId xmlns:a16="http://schemas.microsoft.com/office/drawing/2014/main" id="{9356C92F-722C-43FF-B1AF-1324D95BB3CF}"/>
+              </a:ext>
+            </a:extLst>
+          </p:cNvPr>
+          <p:cNvCxnSpPr>
+            <a:cxnSpLocks/>
+          </p:cNvCxnSpPr>
+          <p:nvPr/>
+        </p:nvCxnSpPr>
+        <p:spPr>
+          <a:xfrm flipH="1">
+            <a:off x="9089428" y="1279500"/>
+            <a:ext cx="294439" cy="257879"/>
+          </a:xfrm>
+          <a:prstGeom prst="line">
+            <a:avLst/>
+          </a:prstGeom>
+          <a:ln w="76200" cap="rnd">
+            <a:solidFill>
+              <a:schemeClr val="accent6">
+                <a:lumMod val="75000"/>
+              </a:schemeClr>
+            </a:solidFill>
+          </a:ln>
+        </p:spPr>
+        <p:style>
+          <a:lnRef idx="3">
+            <a:schemeClr val="accent1"/>
+          </a:lnRef>
+          <a:fillRef idx="0">
+            <a:schemeClr val="accent1"/>
+          </a:fillRef>
+          <a:effectRef idx="2">
+            <a:schemeClr val="accent1"/>
+          </a:effectRef>
+          <a:fontRef idx="minor">
+            <a:schemeClr val="tx1"/>
+          </a:fontRef>
+        </p:style>
+      </p:cxnSp>
+      <p:cxnSp>
+        <p:nvCxnSpPr>
+          <p:cNvPr id="76" name="Gerader Verbinder 75">
+            <a:extLst>
+              <a:ext uri="{FF2B5EF4-FFF2-40B4-BE49-F238E27FC236}">
+                <a16:creationId xmlns:a16="http://schemas.microsoft.com/office/drawing/2014/main" id="{F40E1670-ECC7-45B7-8C8B-9627DCFA3A44}"/>
+              </a:ext>
+            </a:extLst>
+          </p:cNvPr>
+          <p:cNvCxnSpPr>
+            <a:cxnSpLocks/>
+          </p:cNvCxnSpPr>
+          <p:nvPr/>
+        </p:nvCxnSpPr>
+        <p:spPr>
+          <a:xfrm flipV="1">
+            <a:off x="8939235" y="1537379"/>
+            <a:ext cx="465388" cy="388858"/>
+          </a:xfrm>
+          <a:prstGeom prst="line">
+            <a:avLst/>
+          </a:prstGeom>
+          <a:ln w="76200" cap="rnd">
+            <a:solidFill>
+              <a:srgbClr val="7030A0"/>
+            </a:solidFill>
+          </a:ln>
+        </p:spPr>
+        <p:style>
+          <a:lnRef idx="3">
+            <a:schemeClr val="accent1"/>
+          </a:lnRef>
+          <a:fillRef idx="0">
+            <a:schemeClr val="accent1"/>
+          </a:fillRef>
+          <a:effectRef idx="2">
+            <a:schemeClr val="accent1"/>
+          </a:effectRef>
+          <a:fontRef idx="minor">
+            <a:schemeClr val="tx1"/>
+          </a:fontRef>
+        </p:style>
+      </p:cxnSp>
+      <p:cxnSp>
+        <p:nvCxnSpPr>
+          <p:cNvPr id="77" name="Gerader Verbinder 76">
+            <a:extLst>
+              <a:ext uri="{FF2B5EF4-FFF2-40B4-BE49-F238E27FC236}">
+                <a16:creationId xmlns:a16="http://schemas.microsoft.com/office/drawing/2014/main" id="{A2F0AC40-EFF7-4DA1-95D4-AEB1FA8ABAD4}"/>
+              </a:ext>
+            </a:extLst>
+          </p:cNvPr>
+          <p:cNvCxnSpPr>
+            <a:cxnSpLocks/>
+          </p:cNvCxnSpPr>
+          <p:nvPr/>
+        </p:nvCxnSpPr>
+        <p:spPr>
+          <a:xfrm flipH="1" flipV="1">
+            <a:off x="9407597" y="1536429"/>
+            <a:ext cx="300722" cy="263522"/>
+          </a:xfrm>
+          <a:prstGeom prst="line">
+            <a:avLst/>
+          </a:prstGeom>
+          <a:ln w="76200" cap="rnd">
+            <a:solidFill>
+              <a:srgbClr val="7030A0"/>
+            </a:solidFill>
+          </a:ln>
+        </p:spPr>
+        <p:style>
+          <a:lnRef idx="3">
+            <a:schemeClr val="accent1"/>
+          </a:lnRef>
+          <a:fillRef idx="0">
+            <a:schemeClr val="accent1"/>
+          </a:fillRef>
+          <a:effectRef idx="2">
+            <a:schemeClr val="accent1"/>
+          </a:effectRef>
+          <a:fontRef idx="minor">
+            <a:schemeClr val="tx1"/>
+          </a:fontRef>
+        </p:style>
+      </p:cxnSp>
+      <p:cxnSp>
+        <p:nvCxnSpPr>
+          <p:cNvPr id="80" name="Gerader Verbinder 79">
+            <a:extLst>
+              <a:ext uri="{FF2B5EF4-FFF2-40B4-BE49-F238E27FC236}">
+                <a16:creationId xmlns:a16="http://schemas.microsoft.com/office/drawing/2014/main" id="{0B67CB67-2795-4F78-AAA6-3A78B028749C}"/>
+              </a:ext>
+            </a:extLst>
+          </p:cNvPr>
+          <p:cNvCxnSpPr>
+            <a:cxnSpLocks/>
+          </p:cNvCxnSpPr>
+          <p:nvPr/>
+        </p:nvCxnSpPr>
+        <p:spPr>
+          <a:xfrm>
+            <a:off x="9334949" y="1812239"/>
+            <a:ext cx="373370" cy="244640"/>
+          </a:xfrm>
+          <a:prstGeom prst="line">
+            <a:avLst/>
+          </a:prstGeom>
+          <a:ln w="76200" cap="rnd"/>
+        </p:spPr>
+        <p:style>
+          <a:lnRef idx="3">
+            <a:schemeClr val="accent1"/>
+          </a:lnRef>
+          <a:fillRef idx="0">
+            <a:schemeClr val="accent1"/>
+          </a:fillRef>
+          <a:effectRef idx="2">
+            <a:schemeClr val="accent1"/>
+          </a:effectRef>
+          <a:fontRef idx="minor">
+            <a:schemeClr val="tx1"/>
+          </a:fontRef>
+        </p:style>
+      </p:cxnSp>
+      <p:cxnSp>
+        <p:nvCxnSpPr>
+          <p:cNvPr id="81" name="Gerader Verbinder 80">
+            <a:extLst>
+              <a:ext uri="{FF2B5EF4-FFF2-40B4-BE49-F238E27FC236}">
+                <a16:creationId xmlns:a16="http://schemas.microsoft.com/office/drawing/2014/main" id="{02D8EB7A-6BA8-48A4-A00F-CACA08CD59B5}"/>
+              </a:ext>
+            </a:extLst>
+          </p:cNvPr>
+          <p:cNvCxnSpPr>
+            <a:cxnSpLocks/>
+          </p:cNvCxnSpPr>
+          <p:nvPr/>
+        </p:nvCxnSpPr>
+        <p:spPr>
+          <a:xfrm flipH="1">
+            <a:off x="9732049" y="1799951"/>
+            <a:ext cx="1231220" cy="243514"/>
+          </a:xfrm>
+          <a:prstGeom prst="line">
+            <a:avLst/>
+          </a:prstGeom>
+          <a:ln w="76200" cap="rnd"/>
+        </p:spPr>
+        <p:style>
+          <a:lnRef idx="3">
+            <a:schemeClr val="accent1"/>
+          </a:lnRef>
+          <a:fillRef idx="0">
+            <a:schemeClr val="accent1"/>
+          </a:fillRef>
+          <a:effectRef idx="2">
+            <a:schemeClr val="accent1"/>
+          </a:effectRef>
+          <a:fontRef idx="minor">
+            <a:schemeClr val="tx1"/>
+          </a:fontRef>
+        </p:style>
+      </p:cxnSp>
+      <p:cxnSp>
+        <p:nvCxnSpPr>
+          <p:cNvPr id="87" name="Gerader Verbinder 86">
+            <a:extLst>
+              <a:ext uri="{FF2B5EF4-FFF2-40B4-BE49-F238E27FC236}">
+                <a16:creationId xmlns:a16="http://schemas.microsoft.com/office/drawing/2014/main" id="{60230C13-1EAC-468F-B1D9-EA8B91CA60D0}"/>
+              </a:ext>
+            </a:extLst>
+          </p:cNvPr>
+          <p:cNvCxnSpPr>
+            <a:cxnSpLocks/>
+          </p:cNvCxnSpPr>
+          <p:nvPr/>
+        </p:nvCxnSpPr>
+        <p:spPr>
+          <a:xfrm flipV="1">
+            <a:off x="9602999" y="1299371"/>
+            <a:ext cx="631755" cy="128226"/>
+          </a:xfrm>
+          <a:prstGeom prst="line">
+            <a:avLst/>
+          </a:prstGeom>
+          <a:ln w="76200" cap="rnd">
+            <a:solidFill>
+              <a:srgbClr val="FFC000"/>
+            </a:solidFill>
+          </a:ln>
+        </p:spPr>
+        <p:style>
+          <a:lnRef idx="3">
+            <a:schemeClr val="accent1"/>
+          </a:lnRef>
+          <a:fillRef idx="0">
+            <a:schemeClr val="accent1"/>
+          </a:fillRef>
+          <a:effectRef idx="2">
+            <a:schemeClr val="accent1"/>
+          </a:effectRef>
+          <a:fontRef idx="minor">
+            <a:schemeClr val="tx1"/>
+          </a:fontRef>
+        </p:style>
+      </p:cxnSp>
+      <p:cxnSp>
+        <p:nvCxnSpPr>
+          <p:cNvPr id="90" name="Gerader Verbinder 89">
+            <a:extLst>
+              <a:ext uri="{FF2B5EF4-FFF2-40B4-BE49-F238E27FC236}">
+                <a16:creationId xmlns:a16="http://schemas.microsoft.com/office/drawing/2014/main" id="{A19C992B-F4E9-41EE-9F0C-CBA0FC61FABA}"/>
+              </a:ext>
+            </a:extLst>
+          </p:cNvPr>
+          <p:cNvCxnSpPr>
+            <a:cxnSpLocks/>
+          </p:cNvCxnSpPr>
+          <p:nvPr/>
+        </p:nvCxnSpPr>
+        <p:spPr>
+          <a:xfrm>
+            <a:off x="10233265" y="1320262"/>
+            <a:ext cx="24283" cy="429628"/>
+          </a:xfrm>
+          <a:prstGeom prst="line">
+            <a:avLst/>
+          </a:prstGeom>
+          <a:ln w="76200" cap="rnd">
+            <a:solidFill>
+              <a:srgbClr val="FFC000"/>
+            </a:solidFill>
+          </a:ln>
+        </p:spPr>
+        <p:style>
+          <a:lnRef idx="3">
+            <a:schemeClr val="accent1"/>
+          </a:lnRef>
+          <a:fillRef idx="0">
+            <a:schemeClr val="accent1"/>
+          </a:fillRef>
+          <a:effectRef idx="2">
+            <a:schemeClr val="accent1"/>
+          </a:effectRef>
+          <a:fontRef idx="minor">
+            <a:schemeClr val="tx1"/>
+          </a:fontRef>
+        </p:style>
+      </p:cxnSp>
+      <p:cxnSp>
+        <p:nvCxnSpPr>
+          <p:cNvPr id="93" name="Gerader Verbinder 92">
+            <a:extLst>
+              <a:ext uri="{FF2B5EF4-FFF2-40B4-BE49-F238E27FC236}">
+                <a16:creationId xmlns:a16="http://schemas.microsoft.com/office/drawing/2014/main" id="{DC65E08C-1A3D-4DEE-8DA4-55B9DB7C3B4E}"/>
+              </a:ext>
+            </a:extLst>
+          </p:cNvPr>
+          <p:cNvCxnSpPr>
+            <a:cxnSpLocks/>
+          </p:cNvCxnSpPr>
+          <p:nvPr/>
+        </p:nvCxnSpPr>
+        <p:spPr>
+          <a:xfrm>
+            <a:off x="10228431" y="1088939"/>
+            <a:ext cx="326823" cy="643846"/>
+          </a:xfrm>
+          <a:prstGeom prst="line">
+            <a:avLst/>
+          </a:prstGeom>
+          <a:ln w="76200" cap="rnd">
+            <a:solidFill>
+              <a:schemeClr val="bg1">
+                <a:lumMod val="65000"/>
+              </a:schemeClr>
+            </a:solidFill>
+          </a:ln>
+        </p:spPr>
+        <p:style>
+          <a:lnRef idx="3">
+            <a:schemeClr val="accent1"/>
+          </a:lnRef>
+          <a:fillRef idx="0">
+            <a:schemeClr val="accent1"/>
+          </a:fillRef>
+          <a:effectRef idx="2">
+            <a:schemeClr val="accent1"/>
+          </a:effectRef>
+          <a:fontRef idx="minor">
+            <a:schemeClr val="tx1"/>
+          </a:fontRef>
+        </p:style>
+      </p:cxnSp>
+      <p:cxnSp>
+        <p:nvCxnSpPr>
+          <p:cNvPr id="94" name="Gerader Verbinder 93">
+            <a:extLst>
+              <a:ext uri="{FF2B5EF4-FFF2-40B4-BE49-F238E27FC236}">
+                <a16:creationId xmlns:a16="http://schemas.microsoft.com/office/drawing/2014/main" id="{1C6FB00E-44FB-46BC-896B-152803ECA577}"/>
+              </a:ext>
+            </a:extLst>
+          </p:cNvPr>
+          <p:cNvCxnSpPr>
+            <a:cxnSpLocks/>
+          </p:cNvCxnSpPr>
+          <p:nvPr/>
+        </p:nvCxnSpPr>
+        <p:spPr>
+          <a:xfrm flipH="1">
+            <a:off x="10591516" y="1535076"/>
+            <a:ext cx="542755" cy="197264"/>
+          </a:xfrm>
+          <a:prstGeom prst="line">
+            <a:avLst/>
+          </a:prstGeom>
+          <a:ln w="76200" cap="rnd">
+            <a:solidFill>
+              <a:schemeClr val="bg1">
+                <a:lumMod val="65000"/>
+              </a:schemeClr>
+            </a:solidFill>
+          </a:ln>
+        </p:spPr>
+        <p:style>
+          <a:lnRef idx="3">
+            <a:schemeClr val="accent1"/>
+          </a:lnRef>
+          <a:fillRef idx="0">
+            <a:schemeClr val="accent1"/>
+          </a:fillRef>
+          <a:effectRef idx="2">
+            <a:schemeClr val="accent1"/>
+          </a:effectRef>
+          <a:fontRef idx="minor">
+            <a:schemeClr val="tx1"/>
+          </a:fontRef>
+        </p:style>
+      </p:cxnSp>
+      <p:cxnSp>
+        <p:nvCxnSpPr>
+          <p:cNvPr id="97" name="Gerader Verbinder 96">
+            <a:extLst>
+              <a:ext uri="{FF2B5EF4-FFF2-40B4-BE49-F238E27FC236}">
+                <a16:creationId xmlns:a16="http://schemas.microsoft.com/office/drawing/2014/main" id="{4D3D8AD1-4900-47DB-91E4-CB184EA43FDD}"/>
+              </a:ext>
+            </a:extLst>
+          </p:cNvPr>
+          <p:cNvCxnSpPr>
+            <a:cxnSpLocks/>
+          </p:cNvCxnSpPr>
+          <p:nvPr/>
+        </p:nvCxnSpPr>
+        <p:spPr>
+          <a:xfrm>
+            <a:off x="10360566" y="829630"/>
+            <a:ext cx="326823" cy="643846"/>
+          </a:xfrm>
+          <a:prstGeom prst="line">
+            <a:avLst/>
+          </a:prstGeom>
+          <a:ln w="76200" cap="rnd">
+            <a:solidFill>
+              <a:schemeClr val="accent4">
+                <a:lumMod val="75000"/>
+              </a:schemeClr>
+            </a:solidFill>
+          </a:ln>
+        </p:spPr>
+        <p:style>
+          <a:lnRef idx="3">
+            <a:schemeClr val="accent1"/>
+          </a:lnRef>
+          <a:fillRef idx="0">
+            <a:schemeClr val="accent1"/>
+          </a:fillRef>
+          <a:effectRef idx="2">
+            <a:schemeClr val="accent1"/>
+          </a:effectRef>
+          <a:fontRef idx="minor">
+            <a:schemeClr val="tx1"/>
+          </a:fontRef>
+        </p:style>
+      </p:cxnSp>
+      <p:cxnSp>
+        <p:nvCxnSpPr>
+          <p:cNvPr id="98" name="Gerader Verbinder 97">
+            <a:extLst>
+              <a:ext uri="{FF2B5EF4-FFF2-40B4-BE49-F238E27FC236}">
+                <a16:creationId xmlns:a16="http://schemas.microsoft.com/office/drawing/2014/main" id="{FA78E8F5-3059-46B8-90F6-89B0A61297E5}"/>
+              </a:ext>
+            </a:extLst>
+          </p:cNvPr>
+          <p:cNvCxnSpPr>
+            <a:cxnSpLocks/>
+          </p:cNvCxnSpPr>
+          <p:nvPr/>
+        </p:nvCxnSpPr>
+        <p:spPr>
+          <a:xfrm flipH="1">
+            <a:off x="10723651" y="1275767"/>
+            <a:ext cx="542755" cy="197264"/>
+          </a:xfrm>
+          <a:prstGeom prst="line">
+            <a:avLst/>
+          </a:prstGeom>
+          <a:ln w="76200" cap="rnd">
+            <a:solidFill>
+              <a:schemeClr val="accent4">
+                <a:lumMod val="75000"/>
+              </a:schemeClr>
+            </a:solidFill>
+          </a:ln>
+        </p:spPr>
+        <p:style>
+          <a:lnRef idx="3">
+            <a:schemeClr val="accent1"/>
+          </a:lnRef>
+          <a:fillRef idx="0">
+            <a:schemeClr val="accent1"/>
+          </a:fillRef>
+          <a:effectRef idx="2">
+            <a:schemeClr val="accent1"/>
+          </a:effectRef>
+          <a:fontRef idx="minor">
+            <a:schemeClr val="tx1"/>
+          </a:fontRef>
+        </p:style>
+      </p:cxnSp>
+      <p:cxnSp>
+        <p:nvCxnSpPr>
+          <p:cNvPr id="99" name="Gerader Verbinder 98">
+            <a:extLst>
+              <a:ext uri="{FF2B5EF4-FFF2-40B4-BE49-F238E27FC236}">
+                <a16:creationId xmlns:a16="http://schemas.microsoft.com/office/drawing/2014/main" id="{2D6468A1-08DA-47B1-B676-E2D68A27B50A}"/>
+              </a:ext>
+            </a:extLst>
+          </p:cNvPr>
+          <p:cNvCxnSpPr>
+            <a:cxnSpLocks/>
+          </p:cNvCxnSpPr>
+          <p:nvPr/>
+        </p:nvCxnSpPr>
+        <p:spPr>
+          <a:xfrm>
+            <a:off x="10271016" y="603779"/>
+            <a:ext cx="438522" cy="83585"/>
+          </a:xfrm>
+          <a:prstGeom prst="line">
+            <a:avLst/>
+          </a:prstGeom>
+          <a:ln w="76200" cap="rnd"/>
+        </p:spPr>
+        <p:style>
+          <a:lnRef idx="3">
+            <a:schemeClr val="accent1"/>
+          </a:lnRef>
+          <a:fillRef idx="0">
+            <a:schemeClr val="accent1"/>
+          </a:fillRef>
+          <a:effectRef idx="2">
+            <a:schemeClr val="accent1"/>
+          </a:effectRef>
+          <a:fontRef idx="minor">
+            <a:schemeClr val="tx1"/>
+          </a:fontRef>
+        </p:style>
+      </p:cxnSp>
+      <p:cxnSp>
+        <p:nvCxnSpPr>
+          <p:cNvPr id="102" name="Gerader Verbinder 101">
+            <a:extLst>
+              <a:ext uri="{FF2B5EF4-FFF2-40B4-BE49-F238E27FC236}">
+                <a16:creationId xmlns:a16="http://schemas.microsoft.com/office/drawing/2014/main" id="{D2F4F4B6-B9D9-43C5-806E-9CDCD6DFD22D}"/>
+              </a:ext>
+            </a:extLst>
+          </p:cNvPr>
+          <p:cNvCxnSpPr>
+            <a:cxnSpLocks/>
+          </p:cNvCxnSpPr>
+          <p:nvPr/>
+        </p:nvCxnSpPr>
+        <p:spPr>
+          <a:xfrm flipH="1" flipV="1">
+            <a:off x="10687389" y="681087"/>
+            <a:ext cx="59900" cy="552462"/>
+          </a:xfrm>
+          <a:prstGeom prst="line">
+            <a:avLst/>
+          </a:prstGeom>
+          <a:ln w="76200" cap="rnd"/>
+        </p:spPr>
+        <p:style>
+          <a:lnRef idx="3">
+            <a:schemeClr val="accent1"/>
+          </a:lnRef>
+          <a:fillRef idx="0">
+            <a:schemeClr val="accent1"/>
+          </a:fillRef>
+          <a:effectRef idx="2">
+            <a:schemeClr val="accent1"/>
+          </a:effectRef>
+          <a:fontRef idx="minor">
+            <a:schemeClr val="tx1"/>
+          </a:fontRef>
+        </p:style>
+      </p:cxnSp>
+      <p:cxnSp>
+        <p:nvCxnSpPr>
+          <p:cNvPr id="105" name="Gerader Verbinder 104">
+            <a:extLst>
+              <a:ext uri="{FF2B5EF4-FFF2-40B4-BE49-F238E27FC236}">
+                <a16:creationId xmlns:a16="http://schemas.microsoft.com/office/drawing/2014/main" id="{C6BC0429-F630-4ABA-B06C-09DB1BC28446}"/>
+              </a:ext>
+            </a:extLst>
+          </p:cNvPr>
+          <p:cNvCxnSpPr>
+            <a:cxnSpLocks/>
+          </p:cNvCxnSpPr>
+          <p:nvPr/>
+        </p:nvCxnSpPr>
+        <p:spPr>
+          <a:xfrm flipV="1">
+            <a:off x="10756601" y="1085283"/>
+            <a:ext cx="354475" cy="145324"/>
+          </a:xfrm>
+          <a:prstGeom prst="line">
+            <a:avLst/>
+          </a:prstGeom>
+          <a:ln w="76200" cap="rnd"/>
+        </p:spPr>
+        <p:style>
+          <a:lnRef idx="3">
+            <a:schemeClr val="accent1"/>
+          </a:lnRef>
+          <a:fillRef idx="0">
+            <a:schemeClr val="accent1"/>
+          </a:fillRef>
+          <a:effectRef idx="2">
+            <a:schemeClr val="accent1"/>
+          </a:effectRef>
+          <a:fontRef idx="minor">
+            <a:schemeClr val="tx1"/>
+          </a:fontRef>
+        </p:style>
+      </p:cxnSp>
+      <p:cxnSp>
+        <p:nvCxnSpPr>
+          <p:cNvPr id="108" name="Gerader Verbinder 107">
+            <a:extLst>
+              <a:ext uri="{FF2B5EF4-FFF2-40B4-BE49-F238E27FC236}">
+                <a16:creationId xmlns:a16="http://schemas.microsoft.com/office/drawing/2014/main" id="{F1F4F445-C167-4FBA-A3CE-60A77A3D84DE}"/>
+              </a:ext>
+            </a:extLst>
+          </p:cNvPr>
+          <p:cNvCxnSpPr>
+            <a:cxnSpLocks/>
+          </p:cNvCxnSpPr>
+          <p:nvPr/>
+        </p:nvCxnSpPr>
+        <p:spPr>
+          <a:xfrm flipV="1">
+            <a:off x="9693739" y="1604798"/>
+            <a:ext cx="225137" cy="195007"/>
+          </a:xfrm>
+          <a:prstGeom prst="line">
+            <a:avLst/>
+          </a:prstGeom>
+          <a:ln w="76200" cap="rnd">
+            <a:solidFill>
+              <a:srgbClr val="7030A0"/>
+            </a:solidFill>
+          </a:ln>
+        </p:spPr>
+        <p:style>
+          <a:lnRef idx="3">
+            <a:schemeClr val="accent1"/>
+          </a:lnRef>
+          <a:fillRef idx="0">
+            <a:schemeClr val="accent1"/>
+          </a:fillRef>
+          <a:effectRef idx="2">
+            <a:schemeClr val="accent1"/>
+          </a:effectRef>
+          <a:fontRef idx="minor">
+            <a:schemeClr val="tx1"/>
+          </a:fontRef>
+        </p:style>
+      </p:cxnSp>
+      <p:cxnSp>
+        <p:nvCxnSpPr>
+          <p:cNvPr id="111" name="Gerader Verbinder 110">
+            <a:extLst>
+              <a:ext uri="{FF2B5EF4-FFF2-40B4-BE49-F238E27FC236}">
+                <a16:creationId xmlns:a16="http://schemas.microsoft.com/office/drawing/2014/main" id="{9421A749-A76C-4252-ACB6-BF539191DA39}"/>
+              </a:ext>
+            </a:extLst>
+          </p:cNvPr>
+          <p:cNvCxnSpPr>
+            <a:cxnSpLocks/>
+          </p:cNvCxnSpPr>
+          <p:nvPr/>
+        </p:nvCxnSpPr>
+        <p:spPr>
+          <a:xfrm flipH="1">
+            <a:off x="10819047" y="1909733"/>
+            <a:ext cx="417819" cy="150093"/>
+          </a:xfrm>
+          <a:prstGeom prst="line">
+            <a:avLst/>
+          </a:prstGeom>
+          <a:ln w="76200" cap="rnd">
+            <a:solidFill>
+              <a:srgbClr val="FF0000"/>
+            </a:solidFill>
+          </a:ln>
+        </p:spPr>
+        <p:style>
+          <a:lnRef idx="3">
+            <a:schemeClr val="accent1"/>
+          </a:lnRef>
+          <a:fillRef idx="0">
+            <a:schemeClr val="accent1"/>
+          </a:fillRef>
+          <a:effectRef idx="2">
+            <a:schemeClr val="accent1"/>
+          </a:effectRef>
+          <a:fontRef idx="minor">
+            <a:schemeClr val="tx1"/>
+          </a:fontRef>
+        </p:style>
+      </p:cxnSp>
+      <p:cxnSp>
+        <p:nvCxnSpPr>
+          <p:cNvPr id="113" name="Gerader Verbinder 112">
+            <a:extLst>
+              <a:ext uri="{FF2B5EF4-FFF2-40B4-BE49-F238E27FC236}">
+                <a16:creationId xmlns:a16="http://schemas.microsoft.com/office/drawing/2014/main" id="{8A20D319-E770-47EE-BC8C-385F9B915AB0}"/>
+              </a:ext>
+            </a:extLst>
+          </p:cNvPr>
+          <p:cNvCxnSpPr>
+            <a:cxnSpLocks/>
+          </p:cNvCxnSpPr>
+          <p:nvPr/>
+        </p:nvCxnSpPr>
+        <p:spPr>
+          <a:xfrm flipH="1" flipV="1">
+            <a:off x="11176359" y="1662920"/>
+            <a:ext cx="60507" cy="223695"/>
+          </a:xfrm>
+          <a:prstGeom prst="line">
+            <a:avLst/>
+          </a:prstGeom>
+          <a:ln w="76200" cap="rnd">
+            <a:solidFill>
+              <a:srgbClr val="FF0000"/>
+            </a:solidFill>
+          </a:ln>
+        </p:spPr>
+        <p:style>
+          <a:lnRef idx="3">
+            <a:schemeClr val="accent1"/>
+          </a:lnRef>
+          <a:fillRef idx="0">
+            <a:schemeClr val="accent1"/>
+          </a:fillRef>
+          <a:effectRef idx="2">
+            <a:schemeClr val="accent1"/>
+          </a:effectRef>
+          <a:fontRef idx="minor">
+            <a:schemeClr val="tx1"/>
+          </a:fontRef>
+        </p:style>
+      </p:cxnSp>
+      <p:cxnSp>
+        <p:nvCxnSpPr>
+          <p:cNvPr id="116" name="Gerader Verbinder 115">
+            <a:extLst>
+              <a:ext uri="{FF2B5EF4-FFF2-40B4-BE49-F238E27FC236}">
+                <a16:creationId xmlns:a16="http://schemas.microsoft.com/office/drawing/2014/main" id="{B5B008F8-F84F-4809-8D2C-C519FE530524}"/>
+              </a:ext>
+            </a:extLst>
+          </p:cNvPr>
+          <p:cNvCxnSpPr>
+            <a:cxnSpLocks/>
+          </p:cNvCxnSpPr>
+          <p:nvPr/>
+        </p:nvCxnSpPr>
+        <p:spPr>
+          <a:xfrm>
+            <a:off x="8691405" y="1960628"/>
+            <a:ext cx="229784" cy="360973"/>
+          </a:xfrm>
+          <a:prstGeom prst="line">
+            <a:avLst/>
+          </a:prstGeom>
+          <a:ln w="76200" cap="rnd">
+            <a:solidFill>
+              <a:srgbClr val="00B0F0"/>
+            </a:solidFill>
+          </a:ln>
+        </p:spPr>
+        <p:style>
+          <a:lnRef idx="3">
+            <a:schemeClr val="accent1"/>
+          </a:lnRef>
+          <a:fillRef idx="0">
+            <a:schemeClr val="accent1"/>
+          </a:fillRef>
+          <a:effectRef idx="2">
+            <a:schemeClr val="accent1"/>
+          </a:effectRef>
+          <a:fontRef idx="minor">
+            <a:schemeClr val="tx1"/>
+          </a:fontRef>
+        </p:style>
+      </p:cxnSp>
+      <p:cxnSp>
+        <p:nvCxnSpPr>
+          <p:cNvPr id="117" name="Gerader Verbinder 116">
+            <a:extLst>
+              <a:ext uri="{FF2B5EF4-FFF2-40B4-BE49-F238E27FC236}">
+                <a16:creationId xmlns:a16="http://schemas.microsoft.com/office/drawing/2014/main" id="{D2DD7E70-3B0C-433D-BF30-4AA835FC2F00}"/>
+              </a:ext>
+            </a:extLst>
+          </p:cNvPr>
+          <p:cNvCxnSpPr>
+            <a:cxnSpLocks/>
+          </p:cNvCxnSpPr>
+          <p:nvPr/>
+        </p:nvCxnSpPr>
+        <p:spPr>
+          <a:xfrm flipH="1" flipV="1">
+            <a:off x="8939235" y="2318325"/>
+            <a:ext cx="992469" cy="53282"/>
+          </a:xfrm>
+          <a:prstGeom prst="line">
+            <a:avLst/>
+          </a:prstGeom>
+          <a:ln w="76200" cap="rnd">
+            <a:solidFill>
+              <a:srgbClr val="00B0F0"/>
+            </a:solidFill>
+          </a:ln>
+        </p:spPr>
+        <p:style>
+          <a:lnRef idx="3">
+            <a:schemeClr val="accent1"/>
+          </a:lnRef>
+          <a:fillRef idx="0">
+            <a:schemeClr val="accent1"/>
+          </a:fillRef>
+          <a:effectRef idx="2">
+            <a:schemeClr val="accent1"/>
+          </a:effectRef>
+          <a:fontRef idx="minor">
+            <a:schemeClr val="tx1"/>
+          </a:fontRef>
+        </p:style>
+      </p:cxnSp>
+      <p:cxnSp>
+        <p:nvCxnSpPr>
+          <p:cNvPr id="121" name="Gerader Verbinder 120">
+            <a:extLst>
+              <a:ext uri="{FF2B5EF4-FFF2-40B4-BE49-F238E27FC236}">
+                <a16:creationId xmlns:a16="http://schemas.microsoft.com/office/drawing/2014/main" id="{1A913A7C-2316-46B3-8CB6-678466F646F4}"/>
+              </a:ext>
+            </a:extLst>
+          </p:cNvPr>
+          <p:cNvCxnSpPr>
+            <a:cxnSpLocks/>
+          </p:cNvCxnSpPr>
+          <p:nvPr/>
+        </p:nvCxnSpPr>
+        <p:spPr>
+          <a:xfrm flipH="1" flipV="1">
+            <a:off x="8846779" y="873381"/>
+            <a:ext cx="47458" cy="242996"/>
+          </a:xfrm>
+          <a:prstGeom prst="line">
+            <a:avLst/>
+          </a:prstGeom>
+          <a:ln w="76200" cap="rnd">
+            <a:solidFill>
+              <a:schemeClr val="accent4">
+                <a:lumMod val="20000"/>
+                <a:lumOff val="80000"/>
+              </a:schemeClr>
+            </a:solidFill>
+          </a:ln>
+        </p:spPr>
+        <p:style>
+          <a:lnRef idx="3">
+            <a:schemeClr val="accent1"/>
+          </a:lnRef>
+          <a:fillRef idx="0">
+            <a:schemeClr val="accent1"/>
+          </a:fillRef>
+          <a:effectRef idx="2">
+            <a:schemeClr val="accent1"/>
+          </a:effectRef>
+          <a:fontRef idx="minor">
+            <a:schemeClr val="tx1"/>
+          </a:fontRef>
+        </p:style>
+      </p:cxnSp>
+      <p:cxnSp>
+        <p:nvCxnSpPr>
+          <p:cNvPr id="124" name="Gerader Verbinder 123">
+            <a:extLst>
+              <a:ext uri="{FF2B5EF4-FFF2-40B4-BE49-F238E27FC236}">
+                <a16:creationId xmlns:a16="http://schemas.microsoft.com/office/drawing/2014/main" id="{FC2558D8-BFF4-41D1-BBAE-A29ECD98F3B5}"/>
+              </a:ext>
+            </a:extLst>
+          </p:cNvPr>
+          <p:cNvCxnSpPr>
+            <a:cxnSpLocks/>
+          </p:cNvCxnSpPr>
+          <p:nvPr/>
+        </p:nvCxnSpPr>
+        <p:spPr>
+          <a:xfrm flipH="1" flipV="1">
+            <a:off x="8614315" y="918862"/>
+            <a:ext cx="324920" cy="669365"/>
+          </a:xfrm>
+          <a:prstGeom prst="line">
+            <a:avLst/>
+          </a:prstGeom>
+          <a:ln w="76200" cap="rnd">
+            <a:solidFill>
+              <a:schemeClr val="bg2">
+                <a:lumMod val="50000"/>
+              </a:schemeClr>
+            </a:solidFill>
+          </a:ln>
+        </p:spPr>
+        <p:style>
+          <a:lnRef idx="3">
+            <a:schemeClr val="accent1"/>
+          </a:lnRef>
+          <a:fillRef idx="0">
+            <a:schemeClr val="accent1"/>
+          </a:fillRef>
+          <a:effectRef idx="2">
+            <a:schemeClr val="accent1"/>
+          </a:effectRef>
+          <a:fontRef idx="minor">
+            <a:schemeClr val="tx1"/>
+          </a:fontRef>
+        </p:style>
+      </p:cxnSp>
+      <p:cxnSp>
+        <p:nvCxnSpPr>
+          <p:cNvPr id="128" name="Gerader Verbinder 127">
+            <a:extLst>
+              <a:ext uri="{FF2B5EF4-FFF2-40B4-BE49-F238E27FC236}">
+                <a16:creationId xmlns:a16="http://schemas.microsoft.com/office/drawing/2014/main" id="{2B6A884C-128D-43D4-B75A-5A9BCEA2D419}"/>
+              </a:ext>
+            </a:extLst>
+          </p:cNvPr>
+          <p:cNvCxnSpPr>
+            <a:cxnSpLocks/>
+          </p:cNvCxnSpPr>
+          <p:nvPr/>
+        </p:nvCxnSpPr>
+        <p:spPr>
+          <a:xfrm flipV="1">
+            <a:off x="8633704" y="1633708"/>
+            <a:ext cx="260532" cy="212397"/>
+          </a:xfrm>
+          <a:prstGeom prst="line">
+            <a:avLst/>
+          </a:prstGeom>
+          <a:ln w="76200" cap="rnd">
+            <a:solidFill>
+              <a:schemeClr val="bg2">
+                <a:lumMod val="50000"/>
+              </a:schemeClr>
+            </a:solidFill>
+          </a:ln>
+        </p:spPr>
+        <p:style>
+          <a:lnRef idx="3">
+            <a:schemeClr val="accent1"/>
+          </a:lnRef>
+          <a:fillRef idx="0">
+            <a:schemeClr val="accent1"/>
+          </a:fillRef>
+          <a:effectRef idx="2">
+            <a:schemeClr val="accent1"/>
+          </a:effectRef>
+          <a:fontRef idx="minor">
+            <a:schemeClr val="tx1"/>
+          </a:fontRef>
+        </p:style>
+      </p:cxnSp>
+      <p:cxnSp>
+        <p:nvCxnSpPr>
+          <p:cNvPr id="134" name="Gerader Verbinder 133">
+            <a:extLst>
+              <a:ext uri="{FF2B5EF4-FFF2-40B4-BE49-F238E27FC236}">
+                <a16:creationId xmlns:a16="http://schemas.microsoft.com/office/drawing/2014/main" id="{3E4D9443-7E80-4104-B03B-AE128F64B3E9}"/>
+              </a:ext>
+            </a:extLst>
+          </p:cNvPr>
+          <p:cNvCxnSpPr>
+            <a:cxnSpLocks/>
+          </p:cNvCxnSpPr>
+          <p:nvPr/>
+        </p:nvCxnSpPr>
+        <p:spPr>
+          <a:xfrm flipH="1">
+            <a:off x="10505014" y="2482377"/>
+            <a:ext cx="671345" cy="133409"/>
+          </a:xfrm>
+          <a:prstGeom prst="line">
+            <a:avLst/>
+          </a:prstGeom>
+          <a:ln w="76200" cap="rnd">
+            <a:solidFill>
+              <a:schemeClr val="accent6">
+                <a:lumMod val="40000"/>
+                <a:lumOff val="60000"/>
+              </a:schemeClr>
+            </a:solidFill>
+          </a:ln>
+        </p:spPr>
+        <p:style>
+          <a:lnRef idx="3">
+            <a:schemeClr val="accent1"/>
+          </a:lnRef>
+          <a:fillRef idx="0">
+            <a:schemeClr val="accent1"/>
+          </a:fillRef>
+          <a:effectRef idx="2">
+            <a:schemeClr val="accent1"/>
+          </a:effectRef>
+          <a:fontRef idx="minor">
+            <a:schemeClr val="tx1"/>
+          </a:fontRef>
+        </p:style>
+      </p:cxnSp>
+      <p:cxnSp>
+        <p:nvCxnSpPr>
+          <p:cNvPr id="136" name="Gerader Verbinder 135">
+            <a:extLst>
+              <a:ext uri="{FF2B5EF4-FFF2-40B4-BE49-F238E27FC236}">
+                <a16:creationId xmlns:a16="http://schemas.microsoft.com/office/drawing/2014/main" id="{3F597120-CA20-49D8-9C8C-90ACEE7B7899}"/>
+              </a:ext>
+            </a:extLst>
+          </p:cNvPr>
+          <p:cNvCxnSpPr>
+            <a:cxnSpLocks/>
+          </p:cNvCxnSpPr>
+          <p:nvPr/>
+        </p:nvCxnSpPr>
+        <p:spPr>
+          <a:xfrm flipV="1">
+            <a:off x="11176359" y="1758592"/>
+            <a:ext cx="254999" cy="721575"/>
+          </a:xfrm>
+          <a:prstGeom prst="line">
+            <a:avLst/>
+          </a:prstGeom>
+          <a:ln w="76200" cap="rnd">
+            <a:solidFill>
+              <a:schemeClr val="accent6">
+                <a:lumMod val="40000"/>
+                <a:lumOff val="60000"/>
+              </a:schemeClr>
+            </a:solidFill>
+          </a:ln>
+        </p:spPr>
+        <p:style>
+          <a:lnRef idx="3">
+            <a:schemeClr val="accent1"/>
+          </a:lnRef>
+          <a:fillRef idx="0">
+            <a:schemeClr val="accent1"/>
+          </a:fillRef>
+          <a:effectRef idx="2">
+            <a:schemeClr val="accent1"/>
+          </a:effectRef>
+          <a:fontRef idx="minor">
+            <a:schemeClr val="tx1"/>
+          </a:fontRef>
+        </p:style>
+      </p:cxnSp>
+      <p:cxnSp>
+        <p:nvCxnSpPr>
+          <p:cNvPr id="139" name="Gerader Verbinder 138">
+            <a:extLst>
+              <a:ext uri="{FF2B5EF4-FFF2-40B4-BE49-F238E27FC236}">
+                <a16:creationId xmlns:a16="http://schemas.microsoft.com/office/drawing/2014/main" id="{0AF3DDB1-68F3-450F-9F12-BF8053A60736}"/>
+              </a:ext>
+            </a:extLst>
+          </p:cNvPr>
+          <p:cNvCxnSpPr>
+            <a:cxnSpLocks/>
+          </p:cNvCxnSpPr>
+          <p:nvPr/>
+        </p:nvCxnSpPr>
+        <p:spPr>
+          <a:xfrm flipH="1" flipV="1">
+            <a:off x="11443301" y="1768834"/>
+            <a:ext cx="238869" cy="86809"/>
+          </a:xfrm>
+          <a:prstGeom prst="line">
+            <a:avLst/>
+          </a:prstGeom>
+          <a:ln w="76200" cap="rnd">
+            <a:solidFill>
+              <a:schemeClr val="accent6">
+                <a:lumMod val="40000"/>
+                <a:lumOff val="60000"/>
+              </a:schemeClr>
+            </a:solidFill>
+          </a:ln>
+        </p:spPr>
+        <p:style>
+          <a:lnRef idx="3">
+            <a:schemeClr val="accent1"/>
+          </a:lnRef>
+          <a:fillRef idx="0">
+            <a:schemeClr val="accent1"/>
+          </a:fillRef>
+          <a:effectRef idx="2">
+            <a:schemeClr val="accent1"/>
+          </a:effectRef>
+          <a:fontRef idx="minor">
+            <a:schemeClr val="tx1"/>
+          </a:fontRef>
+        </p:style>
+      </p:cxnSp>
+      <p:grpSp>
+        <p:nvGrpSpPr>
+          <p:cNvPr id="232" name="Gruppieren 231">
+            <a:extLst>
+              <a:ext uri="{FF2B5EF4-FFF2-40B4-BE49-F238E27FC236}">
+                <a16:creationId xmlns:a16="http://schemas.microsoft.com/office/drawing/2014/main" id="{244D04C7-6D3B-41EA-A9BB-5499AFAFF8EB}"/>
+              </a:ext>
+            </a:extLst>
+          </p:cNvPr>
+          <p:cNvGrpSpPr/>
+          <p:nvPr/>
+        </p:nvGrpSpPr>
+        <p:grpSpPr>
+          <a:xfrm>
+            <a:off x="7737045" y="4201311"/>
+            <a:ext cx="2719700" cy="2191764"/>
+            <a:chOff x="8544305" y="706258"/>
+            <a:chExt cx="3500221" cy="2853732"/>
+          </a:xfrm>
+        </p:grpSpPr>
+        <p:cxnSp>
+          <p:nvCxnSpPr>
+            <p:cNvPr id="187" name="Gerader Verbinder 186">
+              <a:extLst>
+                <a:ext uri="{FF2B5EF4-FFF2-40B4-BE49-F238E27FC236}">
+                  <a16:creationId xmlns:a16="http://schemas.microsoft.com/office/drawing/2014/main" id="{9DB7024E-6E6B-4CE5-B64F-E5FCFEBB6BEF}"/>
+                </a:ext>
+              </a:extLst>
+            </p:cNvPr>
+            <p:cNvCxnSpPr/>
+            <p:nvPr/>
+          </p:nvCxnSpPr>
+          <p:spPr>
+            <a:xfrm flipH="1">
+              <a:off x="8544305" y="1135896"/>
+              <a:ext cx="65314" cy="321553"/>
+            </a:xfrm>
+            <a:prstGeom prst="line">
+              <a:avLst/>
+            </a:prstGeom>
+            <a:ln w="76200" cap="rnd">
+              <a:headEnd type="oval" w="sm" len="sm"/>
+              <a:tailEnd type="oval" w="sm" len="sm"/>
+            </a:ln>
+          </p:spPr>
+          <p:style>
+            <a:lnRef idx="3">
+              <a:schemeClr val="accent1"/>
+            </a:lnRef>
+            <a:fillRef idx="0">
+              <a:schemeClr val="accent1"/>
+            </a:fillRef>
+            <a:effectRef idx="2">
+              <a:schemeClr val="accent1"/>
+            </a:effectRef>
+            <a:fontRef idx="minor">
+              <a:schemeClr val="tx1"/>
+            </a:fontRef>
+          </p:style>
+        </p:cxnSp>
+        <p:cxnSp>
+          <p:nvCxnSpPr>
+            <p:cNvPr id="188" name="Gerader Verbinder 187">
+              <a:extLst>
+                <a:ext uri="{FF2B5EF4-FFF2-40B4-BE49-F238E27FC236}">
+                  <a16:creationId xmlns:a16="http://schemas.microsoft.com/office/drawing/2014/main" id="{9A63A304-354B-4D92-9507-8B8194D39157}"/>
+                </a:ext>
+              </a:extLst>
+            </p:cNvPr>
+            <p:cNvCxnSpPr>
+              <a:cxnSpLocks/>
+            </p:cNvCxnSpPr>
+            <p:nvPr/>
+          </p:nvCxnSpPr>
+          <p:spPr>
+            <a:xfrm>
+              <a:off x="8548492" y="1457449"/>
+              <a:ext cx="173224" cy="357871"/>
+            </a:xfrm>
+            <a:prstGeom prst="line">
+              <a:avLst/>
+            </a:prstGeom>
+            <a:ln w="76200" cap="rnd">
+              <a:headEnd type="oval" w="sm" len="sm"/>
+              <a:tailEnd type="oval" w="sm" len="sm"/>
+            </a:ln>
+          </p:spPr>
+          <p:style>
+            <a:lnRef idx="3">
+              <a:schemeClr val="accent1"/>
+            </a:lnRef>
+            <a:fillRef idx="0">
+              <a:schemeClr val="accent1"/>
+            </a:fillRef>
+            <a:effectRef idx="2">
+              <a:schemeClr val="accent1"/>
+            </a:effectRef>
+            <a:fontRef idx="minor">
+              <a:schemeClr val="tx1"/>
+            </a:fontRef>
+          </p:style>
+        </p:cxnSp>
+        <p:cxnSp>
+          <p:nvCxnSpPr>
+            <p:cNvPr id="189" name="Gerader Verbinder 188">
+              <a:extLst>
+                <a:ext uri="{FF2B5EF4-FFF2-40B4-BE49-F238E27FC236}">
+                  <a16:creationId xmlns:a16="http://schemas.microsoft.com/office/drawing/2014/main" id="{6BE8F9AD-95E1-40DB-B0B8-C9DFEBCD8891}"/>
+                </a:ext>
+              </a:extLst>
+            </p:cNvPr>
+            <p:cNvCxnSpPr>
+              <a:cxnSpLocks/>
+            </p:cNvCxnSpPr>
+            <p:nvPr/>
+          </p:nvCxnSpPr>
+          <p:spPr>
+            <a:xfrm>
+              <a:off x="9310492" y="2113028"/>
+              <a:ext cx="504092" cy="280592"/>
+            </a:xfrm>
+            <a:prstGeom prst="line">
+              <a:avLst/>
+            </a:prstGeom>
+            <a:ln w="76200" cap="rnd">
+              <a:solidFill>
+                <a:schemeClr val="accent4">
+                  <a:lumMod val="60000"/>
+                  <a:lumOff val="40000"/>
+                </a:schemeClr>
+              </a:solidFill>
+              <a:headEnd type="oval" w="sm" len="sm"/>
+              <a:tailEnd type="oval" w="sm" len="sm"/>
+            </a:ln>
+          </p:spPr>
+          <p:style>
+            <a:lnRef idx="3">
+              <a:schemeClr val="accent1"/>
+            </a:lnRef>
+            <a:fillRef idx="0">
+              <a:schemeClr val="accent1"/>
+            </a:fillRef>
+            <a:effectRef idx="2">
+              <a:schemeClr val="accent1"/>
+            </a:effectRef>
+            <a:fontRef idx="minor">
+              <a:schemeClr val="tx1"/>
+            </a:fontRef>
+          </p:style>
+        </p:cxnSp>
+        <p:cxnSp>
+          <p:nvCxnSpPr>
+            <p:cNvPr id="190" name="Gerader Verbinder 189">
+              <a:extLst>
+                <a:ext uri="{FF2B5EF4-FFF2-40B4-BE49-F238E27FC236}">
+                  <a16:creationId xmlns:a16="http://schemas.microsoft.com/office/drawing/2014/main" id="{E527E600-4544-494A-A7CC-2B4C845378DC}"/>
+                </a:ext>
+              </a:extLst>
+            </p:cNvPr>
+            <p:cNvCxnSpPr>
+              <a:cxnSpLocks/>
+            </p:cNvCxnSpPr>
+            <p:nvPr/>
+          </p:nvCxnSpPr>
+          <p:spPr>
+            <a:xfrm flipH="1">
+              <a:off x="9814584" y="2253324"/>
+              <a:ext cx="932822" cy="140296"/>
+            </a:xfrm>
+            <a:prstGeom prst="line">
+              <a:avLst/>
+            </a:prstGeom>
+            <a:ln w="76200" cap="rnd">
+              <a:solidFill>
+                <a:schemeClr val="accent4">
+                  <a:lumMod val="60000"/>
+                  <a:lumOff val="40000"/>
+                </a:schemeClr>
+              </a:solidFill>
+              <a:headEnd type="oval" w="sm" len="sm"/>
+              <a:tailEnd type="oval" w="sm" len="sm"/>
+            </a:ln>
+          </p:spPr>
+          <p:style>
+            <a:lnRef idx="3">
+              <a:schemeClr val="accent1"/>
+            </a:lnRef>
+            <a:fillRef idx="0">
+              <a:schemeClr val="accent1"/>
+            </a:fillRef>
+            <a:effectRef idx="2">
+              <a:schemeClr val="accent1"/>
+            </a:effectRef>
+            <a:fontRef idx="minor">
+              <a:schemeClr val="tx1"/>
+            </a:fontRef>
+          </p:style>
+        </p:cxnSp>
+        <p:cxnSp>
+          <p:nvCxnSpPr>
+            <p:cNvPr id="191" name="Gerader Verbinder 190">
+              <a:extLst>
+                <a:ext uri="{FF2B5EF4-FFF2-40B4-BE49-F238E27FC236}">
+                  <a16:creationId xmlns:a16="http://schemas.microsoft.com/office/drawing/2014/main" id="{23666822-7DFE-4A84-AA49-089EB179C289}"/>
+                </a:ext>
+              </a:extLst>
+            </p:cNvPr>
+            <p:cNvCxnSpPr>
+              <a:cxnSpLocks/>
+            </p:cNvCxnSpPr>
+            <p:nvPr/>
+          </p:nvCxnSpPr>
+          <p:spPr>
+            <a:xfrm>
+              <a:off x="10154553" y="706258"/>
+              <a:ext cx="231112" cy="275124"/>
+            </a:xfrm>
+            <a:prstGeom prst="line">
+              <a:avLst/>
+            </a:prstGeom>
+            <a:ln w="76200" cap="rnd">
+              <a:solidFill>
+                <a:srgbClr val="FF0000"/>
+              </a:solidFill>
+              <a:headEnd type="oval" w="sm" len="sm"/>
+              <a:tailEnd type="oval" w="sm" len="sm"/>
+            </a:ln>
+          </p:spPr>
+          <p:style>
+            <a:lnRef idx="3">
+              <a:schemeClr val="accent1"/>
+            </a:lnRef>
+            <a:fillRef idx="0">
+              <a:schemeClr val="accent1"/>
+            </a:fillRef>
+            <a:effectRef idx="2">
+              <a:schemeClr val="accent1"/>
+            </a:effectRef>
+            <a:fontRef idx="minor">
+              <a:schemeClr val="tx1"/>
+            </a:fontRef>
+          </p:style>
+        </p:cxnSp>
+        <p:cxnSp>
+          <p:nvCxnSpPr>
+            <p:cNvPr id="192" name="Gerader Verbinder 191">
+              <a:extLst>
+                <a:ext uri="{FF2B5EF4-FFF2-40B4-BE49-F238E27FC236}">
+                  <a16:creationId xmlns:a16="http://schemas.microsoft.com/office/drawing/2014/main" id="{05BEFBBD-2BCD-47F9-8002-E1CA2BEABEC0}"/>
+                </a:ext>
+              </a:extLst>
+            </p:cNvPr>
+            <p:cNvCxnSpPr>
+              <a:cxnSpLocks/>
+            </p:cNvCxnSpPr>
+            <p:nvPr/>
+          </p:nvCxnSpPr>
+          <p:spPr>
+            <a:xfrm flipH="1">
+              <a:off x="9241828" y="706258"/>
+              <a:ext cx="912725" cy="275124"/>
+            </a:xfrm>
+            <a:prstGeom prst="line">
+              <a:avLst/>
+            </a:prstGeom>
+            <a:ln w="76200" cap="rnd">
+              <a:solidFill>
+                <a:srgbClr val="FF0000"/>
+              </a:solidFill>
+              <a:headEnd type="oval" w="sm" len="sm"/>
+              <a:tailEnd type="oval" w="sm" len="sm"/>
+            </a:ln>
+          </p:spPr>
+          <p:style>
+            <a:lnRef idx="3">
+              <a:schemeClr val="accent1"/>
+            </a:lnRef>
+            <a:fillRef idx="0">
+              <a:schemeClr val="accent1"/>
+            </a:fillRef>
+            <a:effectRef idx="2">
+              <a:schemeClr val="accent1"/>
+            </a:effectRef>
+            <a:fontRef idx="minor">
+              <a:schemeClr val="tx1"/>
+            </a:fontRef>
+          </p:style>
+        </p:cxnSp>
+        <p:cxnSp>
+          <p:nvCxnSpPr>
+            <p:cNvPr id="193" name="Gerader Verbinder 192">
+              <a:extLst>
+                <a:ext uri="{FF2B5EF4-FFF2-40B4-BE49-F238E27FC236}">
+                  <a16:creationId xmlns:a16="http://schemas.microsoft.com/office/drawing/2014/main" id="{2474051F-890E-4CFC-8ABC-28A03D862927}"/>
+                </a:ext>
+              </a:extLst>
+            </p:cNvPr>
+            <p:cNvCxnSpPr>
+              <a:cxnSpLocks/>
+            </p:cNvCxnSpPr>
+            <p:nvPr/>
+          </p:nvCxnSpPr>
+          <p:spPr>
+            <a:xfrm>
+              <a:off x="11115668" y="867661"/>
+              <a:ext cx="547196" cy="268235"/>
+            </a:xfrm>
+            <a:prstGeom prst="line">
+              <a:avLst/>
+            </a:prstGeom>
+            <a:ln w="76200" cap="rnd">
+              <a:solidFill>
+                <a:schemeClr val="accent2">
+                  <a:lumMod val="40000"/>
+                  <a:lumOff val="60000"/>
+                </a:schemeClr>
+              </a:solidFill>
+              <a:headEnd type="oval" w="sm" len="sm"/>
+              <a:tailEnd type="oval" w="sm" len="sm"/>
+            </a:ln>
+          </p:spPr>
+          <p:style>
+            <a:lnRef idx="3">
+              <a:schemeClr val="accent1"/>
+            </a:lnRef>
+            <a:fillRef idx="0">
+              <a:schemeClr val="accent1"/>
+            </a:fillRef>
+            <a:effectRef idx="2">
+              <a:schemeClr val="accent1"/>
+            </a:effectRef>
+            <a:fontRef idx="minor">
+              <a:schemeClr val="tx1"/>
+            </a:fontRef>
+          </p:style>
+        </p:cxnSp>
+        <p:cxnSp>
+          <p:nvCxnSpPr>
+            <p:cNvPr id="194" name="Gerader Verbinder 193">
+              <a:extLst>
+                <a:ext uri="{FF2B5EF4-FFF2-40B4-BE49-F238E27FC236}">
+                  <a16:creationId xmlns:a16="http://schemas.microsoft.com/office/drawing/2014/main" id="{B1F23FF9-C672-481C-8F11-50FA1A731B8D}"/>
+                </a:ext>
+              </a:extLst>
+            </p:cNvPr>
+            <p:cNvCxnSpPr>
+              <a:cxnSpLocks/>
+            </p:cNvCxnSpPr>
+            <p:nvPr/>
+          </p:nvCxnSpPr>
+          <p:spPr>
+            <a:xfrm flipH="1">
+              <a:off x="11497330" y="1135896"/>
+              <a:ext cx="165534" cy="553883"/>
+            </a:xfrm>
+            <a:prstGeom prst="line">
+              <a:avLst/>
+            </a:prstGeom>
+            <a:ln w="76200" cap="rnd">
+              <a:solidFill>
+                <a:schemeClr val="accent2">
+                  <a:lumMod val="40000"/>
+                  <a:lumOff val="60000"/>
+                </a:schemeClr>
+              </a:solidFill>
+              <a:headEnd type="oval" w="sm" len="sm"/>
+              <a:tailEnd type="oval" w="sm" len="sm"/>
+            </a:ln>
+          </p:spPr>
+          <p:style>
+            <a:lnRef idx="3">
+              <a:schemeClr val="accent1"/>
+            </a:lnRef>
+            <a:fillRef idx="0">
+              <a:schemeClr val="accent1"/>
+            </a:fillRef>
+            <a:effectRef idx="2">
+              <a:schemeClr val="accent1"/>
+            </a:effectRef>
+            <a:fontRef idx="minor">
+              <a:schemeClr val="tx1"/>
+            </a:fontRef>
+          </p:style>
+        </p:cxnSp>
+        <p:cxnSp>
+          <p:nvCxnSpPr>
+            <p:cNvPr id="195" name="Gerader Verbinder 194">
+              <a:extLst>
+                <a:ext uri="{FF2B5EF4-FFF2-40B4-BE49-F238E27FC236}">
+                  <a16:creationId xmlns:a16="http://schemas.microsoft.com/office/drawing/2014/main" id="{6439F028-782C-4886-A0E9-D3EAEB8CE0C5}"/>
+                </a:ext>
+              </a:extLst>
+            </p:cNvPr>
+            <p:cNvCxnSpPr>
+              <a:cxnSpLocks/>
+            </p:cNvCxnSpPr>
+            <p:nvPr/>
+          </p:nvCxnSpPr>
+          <p:spPr>
+            <a:xfrm>
+              <a:off x="11806715" y="1368226"/>
+              <a:ext cx="237811" cy="744802"/>
+            </a:xfrm>
+            <a:prstGeom prst="line">
+              <a:avLst/>
+            </a:prstGeom>
+            <a:ln w="76200" cap="rnd">
+              <a:solidFill>
+                <a:schemeClr val="accent1">
+                  <a:lumMod val="40000"/>
+                  <a:lumOff val="60000"/>
+                </a:schemeClr>
+              </a:solidFill>
+              <a:headEnd type="oval" w="sm" len="sm"/>
+              <a:tailEnd type="oval" w="sm" len="sm"/>
+            </a:ln>
+          </p:spPr>
+          <p:style>
+            <a:lnRef idx="3">
+              <a:schemeClr val="accent1"/>
+            </a:lnRef>
+            <a:fillRef idx="0">
+              <a:schemeClr val="accent1"/>
+            </a:fillRef>
+            <a:effectRef idx="2">
+              <a:schemeClr val="accent1"/>
+            </a:effectRef>
+            <a:fontRef idx="minor">
+              <a:schemeClr val="tx1"/>
+            </a:fontRef>
+          </p:style>
+        </p:cxnSp>
+        <p:cxnSp>
+          <p:nvCxnSpPr>
+            <p:cNvPr id="196" name="Gerader Verbinder 195">
+              <a:extLst>
+                <a:ext uri="{FF2B5EF4-FFF2-40B4-BE49-F238E27FC236}">
+                  <a16:creationId xmlns:a16="http://schemas.microsoft.com/office/drawing/2014/main" id="{7BCA4391-A488-44E2-A7A0-0AA213AF1CE4}"/>
+                </a:ext>
+              </a:extLst>
+            </p:cNvPr>
+            <p:cNvCxnSpPr>
+              <a:cxnSpLocks/>
+            </p:cNvCxnSpPr>
+            <p:nvPr/>
+          </p:nvCxnSpPr>
+          <p:spPr>
+            <a:xfrm flipH="1">
+              <a:off x="11806715" y="2113028"/>
+              <a:ext cx="237811" cy="140296"/>
+            </a:xfrm>
+            <a:prstGeom prst="line">
+              <a:avLst/>
+            </a:prstGeom>
+            <a:ln w="76200" cap="rnd">
+              <a:solidFill>
+                <a:schemeClr val="accent1">
+                  <a:lumMod val="40000"/>
+                  <a:lumOff val="60000"/>
+                </a:schemeClr>
+              </a:solidFill>
+              <a:headEnd type="oval" w="sm" len="sm"/>
+              <a:tailEnd type="oval" w="sm" len="sm"/>
+            </a:ln>
+          </p:spPr>
+          <p:style>
+            <a:lnRef idx="3">
+              <a:schemeClr val="accent1"/>
+            </a:lnRef>
+            <a:fillRef idx="0">
+              <a:schemeClr val="accent1"/>
+            </a:fillRef>
+            <a:effectRef idx="2">
+              <a:schemeClr val="accent1"/>
+            </a:effectRef>
+            <a:fontRef idx="minor">
+              <a:schemeClr val="tx1"/>
+            </a:fontRef>
+          </p:style>
+        </p:cxnSp>
+        <p:cxnSp>
+          <p:nvCxnSpPr>
+            <p:cNvPr id="197" name="Gerader Verbinder 196">
+              <a:extLst>
+                <a:ext uri="{FF2B5EF4-FFF2-40B4-BE49-F238E27FC236}">
+                  <a16:creationId xmlns:a16="http://schemas.microsoft.com/office/drawing/2014/main" id="{9B1B1898-A71D-484D-96BF-79A394DFFCA0}"/>
+                </a:ext>
+              </a:extLst>
+            </p:cNvPr>
+            <p:cNvCxnSpPr/>
+            <p:nvPr/>
+          </p:nvCxnSpPr>
+          <p:spPr>
+            <a:xfrm flipH="1">
+              <a:off x="11503590" y="2474001"/>
+              <a:ext cx="65314" cy="321553"/>
+            </a:xfrm>
+            <a:prstGeom prst="line">
+              <a:avLst/>
+            </a:prstGeom>
+            <a:ln w="76200" cap="rnd">
+              <a:solidFill>
+                <a:schemeClr val="accent4">
+                  <a:lumMod val="50000"/>
+                </a:schemeClr>
+              </a:solidFill>
+              <a:headEnd type="oval" w="sm" len="sm"/>
+              <a:tailEnd type="oval" w="sm" len="sm"/>
+            </a:ln>
+          </p:spPr>
+          <p:style>
+            <a:lnRef idx="3">
+              <a:schemeClr val="accent1"/>
+            </a:lnRef>
+            <a:fillRef idx="0">
+              <a:schemeClr val="accent1"/>
+            </a:fillRef>
+            <a:effectRef idx="2">
+              <a:schemeClr val="accent1"/>
+            </a:effectRef>
+            <a:fontRef idx="minor">
+              <a:schemeClr val="tx1"/>
+            </a:fontRef>
+          </p:style>
+        </p:cxnSp>
+        <p:cxnSp>
+          <p:nvCxnSpPr>
+            <p:cNvPr id="198" name="Gerader Verbinder 197">
+              <a:extLst>
+                <a:ext uri="{FF2B5EF4-FFF2-40B4-BE49-F238E27FC236}">
+                  <a16:creationId xmlns:a16="http://schemas.microsoft.com/office/drawing/2014/main" id="{F4D07352-6E0B-46C7-83D7-8BB77438C63A}"/>
+                </a:ext>
+              </a:extLst>
+            </p:cNvPr>
+            <p:cNvCxnSpPr>
+              <a:cxnSpLocks/>
+            </p:cNvCxnSpPr>
+            <p:nvPr/>
+          </p:nvCxnSpPr>
+          <p:spPr>
+            <a:xfrm flipH="1">
+              <a:off x="10556487" y="2795554"/>
+              <a:ext cx="951290" cy="141438"/>
+            </a:xfrm>
+            <a:prstGeom prst="line">
+              <a:avLst/>
+            </a:prstGeom>
+            <a:ln w="76200" cap="rnd">
+              <a:solidFill>
+                <a:schemeClr val="accent4">
+                  <a:lumMod val="50000"/>
+                </a:schemeClr>
+              </a:solidFill>
+              <a:headEnd type="oval" w="sm" len="sm"/>
+              <a:tailEnd type="oval" w="sm" len="sm"/>
+            </a:ln>
+          </p:spPr>
+          <p:style>
+            <a:lnRef idx="3">
+              <a:schemeClr val="accent1"/>
+            </a:lnRef>
+            <a:fillRef idx="0">
+              <a:schemeClr val="accent1"/>
+            </a:fillRef>
+            <a:effectRef idx="2">
+              <a:schemeClr val="accent1"/>
+            </a:effectRef>
+            <a:fontRef idx="minor">
+              <a:schemeClr val="tx1"/>
+            </a:fontRef>
+          </p:style>
+        </p:cxnSp>
+        <p:cxnSp>
+          <p:nvCxnSpPr>
+            <p:cNvPr id="199" name="Gerader Verbinder 198">
+              <a:extLst>
+                <a:ext uri="{FF2B5EF4-FFF2-40B4-BE49-F238E27FC236}">
+                  <a16:creationId xmlns:a16="http://schemas.microsoft.com/office/drawing/2014/main" id="{8AC05480-6C50-4C97-9F98-30CACA69F1C2}"/>
+                </a:ext>
+              </a:extLst>
+            </p:cNvPr>
+            <p:cNvCxnSpPr>
+              <a:cxnSpLocks/>
+            </p:cNvCxnSpPr>
+            <p:nvPr/>
+          </p:nvCxnSpPr>
+          <p:spPr>
+            <a:xfrm>
+              <a:off x="10112243" y="2574677"/>
+              <a:ext cx="715550" cy="985313"/>
+            </a:xfrm>
+            <a:prstGeom prst="line">
+              <a:avLst/>
+            </a:prstGeom>
+            <a:ln w="76200" cap="rnd">
+              <a:solidFill>
+                <a:srgbClr val="00B0F0"/>
+              </a:solidFill>
+              <a:headEnd type="oval" w="sm" len="sm"/>
+              <a:tailEnd type="oval" w="sm" len="sm"/>
+            </a:ln>
+          </p:spPr>
+          <p:style>
+            <a:lnRef idx="3">
+              <a:schemeClr val="accent1"/>
+            </a:lnRef>
+            <a:fillRef idx="0">
+              <a:schemeClr val="accent1"/>
+            </a:fillRef>
+            <a:effectRef idx="2">
+              <a:schemeClr val="accent1"/>
+            </a:effectRef>
+            <a:fontRef idx="minor">
+              <a:schemeClr val="tx1"/>
+            </a:fontRef>
+          </p:style>
+        </p:cxnSp>
+        <p:cxnSp>
+          <p:nvCxnSpPr>
+            <p:cNvPr id="200" name="Gerader Verbinder 199">
+              <a:extLst>
+                <a:ext uri="{FF2B5EF4-FFF2-40B4-BE49-F238E27FC236}">
+                  <a16:creationId xmlns:a16="http://schemas.microsoft.com/office/drawing/2014/main" id="{B141D619-6904-4996-B72D-ECA828F75F8F}"/>
+                </a:ext>
+              </a:extLst>
+            </p:cNvPr>
+            <p:cNvCxnSpPr>
+              <a:cxnSpLocks/>
+            </p:cNvCxnSpPr>
+            <p:nvPr/>
+          </p:nvCxnSpPr>
+          <p:spPr>
+            <a:xfrm>
+              <a:off x="10270109" y="2533916"/>
+              <a:ext cx="279679" cy="403076"/>
+            </a:xfrm>
+            <a:prstGeom prst="line">
+              <a:avLst/>
+            </a:prstGeom>
+            <a:ln w="76200" cap="rnd">
+              <a:solidFill>
+                <a:schemeClr val="accent4">
+                  <a:lumMod val="50000"/>
+                </a:schemeClr>
+              </a:solidFill>
+              <a:headEnd type="oval" w="sm" len="sm"/>
+              <a:tailEnd type="oval" w="sm" len="sm"/>
+            </a:ln>
+          </p:spPr>
+          <p:style>
+            <a:lnRef idx="3">
+              <a:schemeClr val="accent1"/>
+            </a:lnRef>
+            <a:fillRef idx="0">
+              <a:schemeClr val="accent1"/>
+            </a:fillRef>
+            <a:effectRef idx="2">
+              <a:schemeClr val="accent1"/>
+            </a:effectRef>
+            <a:fontRef idx="minor">
+              <a:schemeClr val="tx1"/>
+            </a:fontRef>
+          </p:style>
+        </p:cxnSp>
+        <p:cxnSp>
+          <p:nvCxnSpPr>
+            <p:cNvPr id="201" name="Gerader Verbinder 200">
+              <a:extLst>
+                <a:ext uri="{FF2B5EF4-FFF2-40B4-BE49-F238E27FC236}">
+                  <a16:creationId xmlns:a16="http://schemas.microsoft.com/office/drawing/2014/main" id="{1DBA01DB-6A35-460F-AAFC-A92775681A76}"/>
+                </a:ext>
+              </a:extLst>
+            </p:cNvPr>
+            <p:cNvCxnSpPr>
+              <a:cxnSpLocks/>
+            </p:cNvCxnSpPr>
+            <p:nvPr/>
+          </p:nvCxnSpPr>
+          <p:spPr>
+            <a:xfrm>
+              <a:off x="10707654" y="3067333"/>
+              <a:ext cx="288891" cy="372457"/>
+            </a:xfrm>
+            <a:prstGeom prst="line">
+              <a:avLst/>
+            </a:prstGeom>
+            <a:ln w="76200" cap="rnd">
+              <a:headEnd type="oval" w="sm" len="sm"/>
+              <a:tailEnd type="oval" w="sm" len="sm"/>
+            </a:ln>
+          </p:spPr>
+          <p:style>
+            <a:lnRef idx="3">
+              <a:schemeClr val="accent1"/>
+            </a:lnRef>
+            <a:fillRef idx="0">
+              <a:schemeClr val="accent1"/>
+            </a:fillRef>
+            <a:effectRef idx="2">
+              <a:schemeClr val="accent1"/>
+            </a:effectRef>
+            <a:fontRef idx="minor">
+              <a:schemeClr val="tx1"/>
+            </a:fontRef>
+          </p:style>
+        </p:cxnSp>
+        <p:cxnSp>
+          <p:nvCxnSpPr>
+            <p:cNvPr id="202" name="Gerader Verbinder 201">
+              <a:extLst>
+                <a:ext uri="{FF2B5EF4-FFF2-40B4-BE49-F238E27FC236}">
+                  <a16:creationId xmlns:a16="http://schemas.microsoft.com/office/drawing/2014/main" id="{C65912EB-2FF5-409B-A49B-A4AA22AE656C}"/>
+                </a:ext>
+              </a:extLst>
+            </p:cNvPr>
+            <p:cNvCxnSpPr>
+              <a:cxnSpLocks/>
+            </p:cNvCxnSpPr>
+            <p:nvPr/>
+          </p:nvCxnSpPr>
+          <p:spPr>
+            <a:xfrm>
+              <a:off x="11174682" y="2323472"/>
+              <a:ext cx="73909" cy="144596"/>
+            </a:xfrm>
+            <a:prstGeom prst="line">
+              <a:avLst/>
+            </a:prstGeom>
+            <a:ln w="76200" cap="rnd">
+              <a:solidFill>
+                <a:schemeClr val="accent3">
+                  <a:lumMod val="75000"/>
+                </a:schemeClr>
+              </a:solidFill>
+              <a:headEnd type="oval" w="sm" len="sm"/>
+              <a:tailEnd type="oval" w="sm" len="sm"/>
+            </a:ln>
+          </p:spPr>
+          <p:style>
+            <a:lnRef idx="3">
+              <a:schemeClr val="accent1"/>
+            </a:lnRef>
+            <a:fillRef idx="0">
+              <a:schemeClr val="accent1"/>
+            </a:fillRef>
+            <a:effectRef idx="2">
+              <a:schemeClr val="accent1"/>
+            </a:effectRef>
+            <a:fontRef idx="minor">
+              <a:schemeClr val="tx1"/>
+            </a:fontRef>
+          </p:style>
+        </p:cxnSp>
+        <p:cxnSp>
+          <p:nvCxnSpPr>
+            <p:cNvPr id="203" name="Gerader Verbinder 202">
+              <a:extLst>
+                <a:ext uri="{FF2B5EF4-FFF2-40B4-BE49-F238E27FC236}">
+                  <a16:creationId xmlns:a16="http://schemas.microsoft.com/office/drawing/2014/main" id="{F3D51536-AD59-4D33-9DD7-17ED07B82ACA}"/>
+                </a:ext>
+              </a:extLst>
+            </p:cNvPr>
+            <p:cNvCxnSpPr>
+              <a:cxnSpLocks/>
+            </p:cNvCxnSpPr>
+            <p:nvPr/>
+          </p:nvCxnSpPr>
+          <p:spPr>
+            <a:xfrm flipH="1">
+              <a:off x="10513387" y="2326206"/>
+              <a:ext cx="643314" cy="228091"/>
+            </a:xfrm>
+            <a:prstGeom prst="line">
+              <a:avLst/>
+            </a:prstGeom>
+            <a:ln w="76200" cap="rnd">
+              <a:solidFill>
+                <a:schemeClr val="accent3">
+                  <a:lumMod val="75000"/>
+                </a:schemeClr>
+              </a:solidFill>
+              <a:headEnd type="oval" w="sm" len="sm"/>
+              <a:tailEnd type="oval" w="sm" len="sm"/>
+            </a:ln>
+          </p:spPr>
+          <p:style>
+            <a:lnRef idx="3">
+              <a:schemeClr val="accent1"/>
+            </a:lnRef>
+            <a:fillRef idx="0">
+              <a:schemeClr val="accent1"/>
+            </a:fillRef>
+            <a:effectRef idx="2">
+              <a:schemeClr val="accent1"/>
+            </a:effectRef>
+            <a:fontRef idx="minor">
+              <a:schemeClr val="tx1"/>
+            </a:fontRef>
+          </p:style>
+        </p:cxnSp>
+        <p:cxnSp>
+          <p:nvCxnSpPr>
+            <p:cNvPr id="204" name="Gerader Verbinder 203">
+              <a:extLst>
+                <a:ext uri="{FF2B5EF4-FFF2-40B4-BE49-F238E27FC236}">
+                  <a16:creationId xmlns:a16="http://schemas.microsoft.com/office/drawing/2014/main" id="{B7F820F7-E687-4C69-8E57-409A7F19A6AA}"/>
+                </a:ext>
+              </a:extLst>
+            </p:cNvPr>
+            <p:cNvCxnSpPr>
+              <a:cxnSpLocks/>
+            </p:cNvCxnSpPr>
+            <p:nvPr/>
+          </p:nvCxnSpPr>
+          <p:spPr>
+            <a:xfrm flipV="1">
+              <a:off x="9502071" y="997318"/>
+              <a:ext cx="610172" cy="108335"/>
+            </a:xfrm>
+            <a:prstGeom prst="line">
+              <a:avLst/>
+            </a:prstGeom>
+            <a:ln w="76200" cap="rnd">
+              <a:solidFill>
+                <a:srgbClr val="C00000"/>
+              </a:solidFill>
+              <a:headEnd type="oval" w="sm" len="sm"/>
+              <a:tailEnd type="oval" w="sm" len="sm"/>
+            </a:ln>
+          </p:spPr>
+          <p:style>
+            <a:lnRef idx="3">
+              <a:schemeClr val="accent1"/>
+            </a:lnRef>
+            <a:fillRef idx="0">
+              <a:schemeClr val="accent1"/>
+            </a:fillRef>
+            <a:effectRef idx="2">
+              <a:schemeClr val="accent1"/>
+            </a:effectRef>
+            <a:fontRef idx="minor">
+              <a:schemeClr val="tx1"/>
+            </a:fontRef>
+          </p:style>
+        </p:cxnSp>
+        <p:cxnSp>
+          <p:nvCxnSpPr>
+            <p:cNvPr id="205" name="Gerader Verbinder 204">
+              <a:extLst>
+                <a:ext uri="{FF2B5EF4-FFF2-40B4-BE49-F238E27FC236}">
+                  <a16:creationId xmlns:a16="http://schemas.microsoft.com/office/drawing/2014/main" id="{B1C098A3-1D27-4596-B01C-080D822BE866}"/>
+                </a:ext>
+              </a:extLst>
+            </p:cNvPr>
+            <p:cNvCxnSpPr>
+              <a:cxnSpLocks/>
+            </p:cNvCxnSpPr>
+            <p:nvPr/>
+          </p:nvCxnSpPr>
+          <p:spPr>
+            <a:xfrm flipH="1">
+              <a:off x="9068547" y="1105653"/>
+              <a:ext cx="412767" cy="326247"/>
+            </a:xfrm>
+            <a:prstGeom prst="line">
+              <a:avLst/>
+            </a:prstGeom>
+            <a:ln w="76200" cap="rnd">
+              <a:solidFill>
+                <a:srgbClr val="C00000"/>
+              </a:solidFill>
+              <a:headEnd type="oval" w="sm" len="sm"/>
+              <a:tailEnd type="oval" w="sm" len="sm"/>
+            </a:ln>
+          </p:spPr>
+          <p:style>
+            <a:lnRef idx="3">
+              <a:schemeClr val="accent1"/>
+            </a:lnRef>
+            <a:fillRef idx="0">
+              <a:schemeClr val="accent1"/>
+            </a:fillRef>
+            <a:effectRef idx="2">
+              <a:schemeClr val="accent1"/>
+            </a:effectRef>
+            <a:fontRef idx="minor">
+              <a:schemeClr val="tx1"/>
+            </a:fontRef>
+          </p:style>
+        </p:cxnSp>
+        <p:cxnSp>
+          <p:nvCxnSpPr>
+            <p:cNvPr id="206" name="Gerader Verbinder 205">
+              <a:extLst>
+                <a:ext uri="{FF2B5EF4-FFF2-40B4-BE49-F238E27FC236}">
+                  <a16:creationId xmlns:a16="http://schemas.microsoft.com/office/drawing/2014/main" id="{E4E2BCB3-DFD3-4369-AD31-94E422837607}"/>
+                </a:ext>
+              </a:extLst>
+            </p:cNvPr>
+            <p:cNvCxnSpPr>
+              <a:cxnSpLocks/>
+            </p:cNvCxnSpPr>
+            <p:nvPr/>
+          </p:nvCxnSpPr>
+          <p:spPr>
+            <a:xfrm flipV="1">
+              <a:off x="9557023" y="1306679"/>
+              <a:ext cx="607392" cy="125222"/>
+            </a:xfrm>
+            <a:prstGeom prst="line">
+              <a:avLst/>
+            </a:prstGeom>
+            <a:ln w="76200" cap="rnd">
+              <a:solidFill>
+                <a:schemeClr val="accent6">
+                  <a:lumMod val="75000"/>
+                </a:schemeClr>
+              </a:solidFill>
+              <a:headEnd type="oval" w="sm" len="sm"/>
+              <a:tailEnd type="oval" w="sm" len="sm"/>
+            </a:ln>
+          </p:spPr>
+          <p:style>
+            <a:lnRef idx="3">
+              <a:schemeClr val="accent1"/>
+            </a:lnRef>
+            <a:fillRef idx="0">
+              <a:schemeClr val="accent1"/>
+            </a:fillRef>
+            <a:effectRef idx="2">
+              <a:schemeClr val="accent1"/>
+            </a:effectRef>
+            <a:fontRef idx="minor">
+              <a:schemeClr val="tx1"/>
+            </a:fontRef>
+          </p:style>
+        </p:cxnSp>
+        <p:cxnSp>
+          <p:nvCxnSpPr>
+            <p:cNvPr id="207" name="Gerader Verbinder 206">
+              <a:extLst>
+                <a:ext uri="{FF2B5EF4-FFF2-40B4-BE49-F238E27FC236}">
+                  <a16:creationId xmlns:a16="http://schemas.microsoft.com/office/drawing/2014/main" id="{F608E284-65BE-4038-AF7F-C4A1BA46667C}"/>
+                </a:ext>
+              </a:extLst>
+            </p:cNvPr>
+            <p:cNvCxnSpPr>
+              <a:cxnSpLocks/>
+            </p:cNvCxnSpPr>
+            <p:nvPr/>
+          </p:nvCxnSpPr>
+          <p:spPr>
+            <a:xfrm flipH="1">
+              <a:off x="9241828" y="1431900"/>
+              <a:ext cx="294439" cy="257879"/>
+            </a:xfrm>
+            <a:prstGeom prst="line">
+              <a:avLst/>
+            </a:prstGeom>
+            <a:ln w="76200" cap="rnd">
+              <a:solidFill>
+                <a:schemeClr val="accent6">
+                  <a:lumMod val="75000"/>
+                </a:schemeClr>
+              </a:solidFill>
+              <a:headEnd type="oval" w="sm" len="sm"/>
+              <a:tailEnd type="oval" w="sm" len="sm"/>
+            </a:ln>
+          </p:spPr>
+          <p:style>
+            <a:lnRef idx="3">
+              <a:schemeClr val="accent1"/>
+            </a:lnRef>
+            <a:fillRef idx="0">
+              <a:schemeClr val="accent1"/>
+            </a:fillRef>
+            <a:effectRef idx="2">
+              <a:schemeClr val="accent1"/>
+            </a:effectRef>
+            <a:fontRef idx="minor">
+              <a:schemeClr val="tx1"/>
+            </a:fontRef>
+          </p:style>
+        </p:cxnSp>
+        <p:cxnSp>
+          <p:nvCxnSpPr>
+            <p:cNvPr id="208" name="Gerader Verbinder 207">
+              <a:extLst>
+                <a:ext uri="{FF2B5EF4-FFF2-40B4-BE49-F238E27FC236}">
+                  <a16:creationId xmlns:a16="http://schemas.microsoft.com/office/drawing/2014/main" id="{62972A72-2B93-4C81-BB5D-3A155AA5B411}"/>
+                </a:ext>
+              </a:extLst>
+            </p:cNvPr>
+            <p:cNvCxnSpPr>
+              <a:cxnSpLocks/>
+            </p:cNvCxnSpPr>
+            <p:nvPr/>
+          </p:nvCxnSpPr>
+          <p:spPr>
+            <a:xfrm flipV="1">
+              <a:off x="9091635" y="1689779"/>
+              <a:ext cx="465388" cy="388858"/>
+            </a:xfrm>
+            <a:prstGeom prst="line">
+              <a:avLst/>
+            </a:prstGeom>
+            <a:ln w="76200" cap="rnd">
+              <a:solidFill>
+                <a:srgbClr val="7030A0"/>
+              </a:solidFill>
+              <a:headEnd type="oval" w="sm" len="sm"/>
+              <a:tailEnd type="oval" w="sm" len="sm"/>
+            </a:ln>
+          </p:spPr>
+          <p:style>
+            <a:lnRef idx="3">
+              <a:schemeClr val="accent1"/>
+            </a:lnRef>
+            <a:fillRef idx="0">
+              <a:schemeClr val="accent1"/>
+            </a:fillRef>
+            <a:effectRef idx="2">
+              <a:schemeClr val="accent1"/>
+            </a:effectRef>
+            <a:fontRef idx="minor">
+              <a:schemeClr val="tx1"/>
+            </a:fontRef>
+          </p:style>
+        </p:cxnSp>
+        <p:cxnSp>
+          <p:nvCxnSpPr>
+            <p:cNvPr id="209" name="Gerader Verbinder 208">
+              <a:extLst>
+                <a:ext uri="{FF2B5EF4-FFF2-40B4-BE49-F238E27FC236}">
+                  <a16:creationId xmlns:a16="http://schemas.microsoft.com/office/drawing/2014/main" id="{B3275C72-5C5A-4C74-80C0-981400014CC6}"/>
+                </a:ext>
+              </a:extLst>
+            </p:cNvPr>
+            <p:cNvCxnSpPr>
+              <a:cxnSpLocks/>
+            </p:cNvCxnSpPr>
+            <p:nvPr/>
+          </p:nvCxnSpPr>
+          <p:spPr>
+            <a:xfrm flipH="1" flipV="1">
+              <a:off x="9559997" y="1688829"/>
+              <a:ext cx="300722" cy="263522"/>
+            </a:xfrm>
+            <a:prstGeom prst="line">
+              <a:avLst/>
+            </a:prstGeom>
+            <a:ln w="76200" cap="rnd">
+              <a:solidFill>
+                <a:srgbClr val="7030A0"/>
+              </a:solidFill>
+              <a:headEnd type="oval" w="sm" len="sm"/>
+              <a:tailEnd type="oval" w="sm" len="sm"/>
+            </a:ln>
+          </p:spPr>
+          <p:style>
+            <a:lnRef idx="3">
+              <a:schemeClr val="accent1"/>
+            </a:lnRef>
+            <a:fillRef idx="0">
+              <a:schemeClr val="accent1"/>
+            </a:fillRef>
+            <a:effectRef idx="2">
+              <a:schemeClr val="accent1"/>
+            </a:effectRef>
+            <a:fontRef idx="minor">
+              <a:schemeClr val="tx1"/>
+            </a:fontRef>
+          </p:style>
+        </p:cxnSp>
+        <p:cxnSp>
+          <p:nvCxnSpPr>
+            <p:cNvPr id="210" name="Gerader Verbinder 209">
+              <a:extLst>
+                <a:ext uri="{FF2B5EF4-FFF2-40B4-BE49-F238E27FC236}">
+                  <a16:creationId xmlns:a16="http://schemas.microsoft.com/office/drawing/2014/main" id="{AF00742F-E296-427E-9720-2B90FD28F48C}"/>
+                </a:ext>
+              </a:extLst>
+            </p:cNvPr>
+            <p:cNvCxnSpPr>
+              <a:cxnSpLocks/>
+            </p:cNvCxnSpPr>
+            <p:nvPr/>
+          </p:nvCxnSpPr>
+          <p:spPr>
+            <a:xfrm>
+              <a:off x="9487349" y="1964639"/>
+              <a:ext cx="373370" cy="244640"/>
+            </a:xfrm>
+            <a:prstGeom prst="line">
+              <a:avLst/>
+            </a:prstGeom>
+            <a:ln w="76200" cap="rnd">
+              <a:headEnd type="oval" w="sm" len="sm"/>
+              <a:tailEnd type="oval" w="sm" len="sm"/>
+            </a:ln>
+          </p:spPr>
+          <p:style>
+            <a:lnRef idx="3">
+              <a:schemeClr val="accent1"/>
+            </a:lnRef>
+            <a:fillRef idx="0">
+              <a:schemeClr val="accent1"/>
+            </a:fillRef>
+            <a:effectRef idx="2">
+              <a:schemeClr val="accent1"/>
+            </a:effectRef>
+            <a:fontRef idx="minor">
+              <a:schemeClr val="tx1"/>
+            </a:fontRef>
+          </p:style>
+        </p:cxnSp>
+        <p:cxnSp>
+          <p:nvCxnSpPr>
+            <p:cNvPr id="211" name="Gerader Verbinder 210">
+              <a:extLst>
+                <a:ext uri="{FF2B5EF4-FFF2-40B4-BE49-F238E27FC236}">
+                  <a16:creationId xmlns:a16="http://schemas.microsoft.com/office/drawing/2014/main" id="{A34ED42A-E806-48FC-BCA2-8BA84CEBD15F}"/>
+                </a:ext>
+              </a:extLst>
+            </p:cNvPr>
+            <p:cNvCxnSpPr>
+              <a:cxnSpLocks/>
+            </p:cNvCxnSpPr>
+            <p:nvPr/>
+          </p:nvCxnSpPr>
+          <p:spPr>
+            <a:xfrm flipH="1">
+              <a:off x="9884449" y="1952351"/>
+              <a:ext cx="1231220" cy="243514"/>
+            </a:xfrm>
+            <a:prstGeom prst="line">
+              <a:avLst/>
+            </a:prstGeom>
+            <a:ln w="76200" cap="rnd">
+              <a:headEnd type="oval" w="sm" len="sm"/>
+              <a:tailEnd type="oval" w="sm" len="sm"/>
+            </a:ln>
+          </p:spPr>
+          <p:style>
+            <a:lnRef idx="3">
+              <a:schemeClr val="accent1"/>
+            </a:lnRef>
+            <a:fillRef idx="0">
+              <a:schemeClr val="accent1"/>
+            </a:fillRef>
+            <a:effectRef idx="2">
+              <a:schemeClr val="accent1"/>
+            </a:effectRef>
+            <a:fontRef idx="minor">
+              <a:schemeClr val="tx1"/>
+            </a:fontRef>
+          </p:style>
+        </p:cxnSp>
+        <p:cxnSp>
+          <p:nvCxnSpPr>
+            <p:cNvPr id="212" name="Gerader Verbinder 211">
+              <a:extLst>
+                <a:ext uri="{FF2B5EF4-FFF2-40B4-BE49-F238E27FC236}">
+                  <a16:creationId xmlns:a16="http://schemas.microsoft.com/office/drawing/2014/main" id="{C4AEFEE7-CEE7-4CCC-A1DD-D96B00B713AF}"/>
+                </a:ext>
+              </a:extLst>
+            </p:cNvPr>
+            <p:cNvCxnSpPr>
+              <a:cxnSpLocks/>
+            </p:cNvCxnSpPr>
+            <p:nvPr/>
+          </p:nvCxnSpPr>
+          <p:spPr>
+            <a:xfrm flipV="1">
+              <a:off x="9755399" y="1451771"/>
+              <a:ext cx="631755" cy="128226"/>
+            </a:xfrm>
+            <a:prstGeom prst="line">
+              <a:avLst/>
+            </a:prstGeom>
+            <a:ln w="76200" cap="rnd">
+              <a:solidFill>
+                <a:srgbClr val="FFC000"/>
+              </a:solidFill>
+              <a:headEnd type="oval" w="sm" len="sm"/>
+              <a:tailEnd type="oval" w="sm" len="sm"/>
+            </a:ln>
+          </p:spPr>
+          <p:style>
+            <a:lnRef idx="3">
+              <a:schemeClr val="accent1"/>
+            </a:lnRef>
+            <a:fillRef idx="0">
+              <a:schemeClr val="accent1"/>
+            </a:fillRef>
+            <a:effectRef idx="2">
+              <a:schemeClr val="accent1"/>
+            </a:effectRef>
+            <a:fontRef idx="minor">
+              <a:schemeClr val="tx1"/>
+            </a:fontRef>
+          </p:style>
+        </p:cxnSp>
+        <p:cxnSp>
+          <p:nvCxnSpPr>
+            <p:cNvPr id="213" name="Gerader Verbinder 212">
+              <a:extLst>
+                <a:ext uri="{FF2B5EF4-FFF2-40B4-BE49-F238E27FC236}">
+                  <a16:creationId xmlns:a16="http://schemas.microsoft.com/office/drawing/2014/main" id="{938A687C-9674-4D74-91DA-F553FF9CFA8D}"/>
+                </a:ext>
+              </a:extLst>
+            </p:cNvPr>
+            <p:cNvCxnSpPr>
+              <a:cxnSpLocks/>
+            </p:cNvCxnSpPr>
+            <p:nvPr/>
+          </p:nvCxnSpPr>
+          <p:spPr>
+            <a:xfrm>
+              <a:off x="10385665" y="1472662"/>
+              <a:ext cx="24283" cy="429628"/>
+            </a:xfrm>
+            <a:prstGeom prst="line">
+              <a:avLst/>
+            </a:prstGeom>
+            <a:ln w="76200" cap="rnd">
+              <a:solidFill>
+                <a:srgbClr val="FFC000"/>
+              </a:solidFill>
+              <a:headEnd type="oval" w="sm" len="sm"/>
+              <a:tailEnd type="oval" w="sm" len="sm"/>
+            </a:ln>
+          </p:spPr>
+          <p:style>
+            <a:lnRef idx="3">
+              <a:schemeClr val="accent1"/>
+            </a:lnRef>
+            <a:fillRef idx="0">
+              <a:schemeClr val="accent1"/>
+            </a:fillRef>
+            <a:effectRef idx="2">
+              <a:schemeClr val="accent1"/>
+            </a:effectRef>
+            <a:fontRef idx="minor">
+              <a:schemeClr val="tx1"/>
+            </a:fontRef>
+          </p:style>
+        </p:cxnSp>
+        <p:cxnSp>
+          <p:nvCxnSpPr>
+            <p:cNvPr id="214" name="Gerader Verbinder 213">
+              <a:extLst>
+                <a:ext uri="{FF2B5EF4-FFF2-40B4-BE49-F238E27FC236}">
+                  <a16:creationId xmlns:a16="http://schemas.microsoft.com/office/drawing/2014/main" id="{7EF56B22-23E3-47CD-8761-6B4DA4F05CCC}"/>
+                </a:ext>
+              </a:extLst>
+            </p:cNvPr>
+            <p:cNvCxnSpPr>
+              <a:cxnSpLocks/>
+            </p:cNvCxnSpPr>
+            <p:nvPr/>
+          </p:nvCxnSpPr>
+          <p:spPr>
+            <a:xfrm>
+              <a:off x="10380831" y="1241339"/>
+              <a:ext cx="326823" cy="643846"/>
+            </a:xfrm>
+            <a:prstGeom prst="line">
+              <a:avLst/>
+            </a:prstGeom>
+            <a:ln w="76200" cap="rnd">
+              <a:solidFill>
+                <a:schemeClr val="bg1">
+                  <a:lumMod val="65000"/>
+                </a:schemeClr>
+              </a:solidFill>
+              <a:headEnd type="oval" w="sm" len="sm"/>
+              <a:tailEnd type="oval" w="sm" len="sm"/>
+            </a:ln>
+          </p:spPr>
+          <p:style>
+            <a:lnRef idx="3">
+              <a:schemeClr val="accent1"/>
+            </a:lnRef>
+            <a:fillRef idx="0">
+              <a:schemeClr val="accent1"/>
+            </a:fillRef>
+            <a:effectRef idx="2">
+              <a:schemeClr val="accent1"/>
+            </a:effectRef>
+            <a:fontRef idx="minor">
+              <a:schemeClr val="tx1"/>
+            </a:fontRef>
+          </p:style>
+        </p:cxnSp>
+        <p:cxnSp>
+          <p:nvCxnSpPr>
+            <p:cNvPr id="215" name="Gerader Verbinder 214">
+              <a:extLst>
+                <a:ext uri="{FF2B5EF4-FFF2-40B4-BE49-F238E27FC236}">
+                  <a16:creationId xmlns:a16="http://schemas.microsoft.com/office/drawing/2014/main" id="{B33C7572-A3EA-46E2-B51A-E4E4754B0F3E}"/>
+                </a:ext>
+              </a:extLst>
+            </p:cNvPr>
+            <p:cNvCxnSpPr>
+              <a:cxnSpLocks/>
+            </p:cNvCxnSpPr>
+            <p:nvPr/>
+          </p:nvCxnSpPr>
+          <p:spPr>
+            <a:xfrm flipH="1">
+              <a:off x="10743916" y="1687476"/>
+              <a:ext cx="542755" cy="197264"/>
+            </a:xfrm>
+            <a:prstGeom prst="line">
+              <a:avLst/>
+            </a:prstGeom>
+            <a:ln w="76200" cap="rnd">
+              <a:solidFill>
+                <a:schemeClr val="bg1">
+                  <a:lumMod val="65000"/>
+                </a:schemeClr>
+              </a:solidFill>
+              <a:headEnd type="oval" w="sm" len="sm"/>
+              <a:tailEnd type="oval" w="sm" len="sm"/>
+            </a:ln>
+          </p:spPr>
+          <p:style>
+            <a:lnRef idx="3">
+              <a:schemeClr val="accent1"/>
+            </a:lnRef>
+            <a:fillRef idx="0">
+              <a:schemeClr val="accent1"/>
+            </a:fillRef>
+            <a:effectRef idx="2">
+              <a:schemeClr val="accent1"/>
+            </a:effectRef>
+            <a:fontRef idx="minor">
+              <a:schemeClr val="tx1"/>
+            </a:fontRef>
+          </p:style>
+        </p:cxnSp>
+        <p:cxnSp>
+          <p:nvCxnSpPr>
+            <p:cNvPr id="216" name="Gerader Verbinder 215">
+              <a:extLst>
+                <a:ext uri="{FF2B5EF4-FFF2-40B4-BE49-F238E27FC236}">
+                  <a16:creationId xmlns:a16="http://schemas.microsoft.com/office/drawing/2014/main" id="{961217E0-16B9-4AA6-ADAB-FC70CDCFDDCA}"/>
+                </a:ext>
+              </a:extLst>
+            </p:cNvPr>
+            <p:cNvCxnSpPr>
+              <a:cxnSpLocks/>
+            </p:cNvCxnSpPr>
+            <p:nvPr/>
+          </p:nvCxnSpPr>
+          <p:spPr>
+            <a:xfrm>
+              <a:off x="10512966" y="982030"/>
+              <a:ext cx="326823" cy="643846"/>
+            </a:xfrm>
+            <a:prstGeom prst="line">
+              <a:avLst/>
+            </a:prstGeom>
+            <a:ln w="76200" cap="rnd">
+              <a:solidFill>
+                <a:schemeClr val="accent4">
+                  <a:lumMod val="75000"/>
+                </a:schemeClr>
+              </a:solidFill>
+              <a:headEnd type="oval" w="sm" len="sm"/>
+              <a:tailEnd type="oval" w="sm" len="sm"/>
+            </a:ln>
+          </p:spPr>
+          <p:style>
+            <a:lnRef idx="3">
+              <a:schemeClr val="accent1"/>
+            </a:lnRef>
+            <a:fillRef idx="0">
+              <a:schemeClr val="accent1"/>
+            </a:fillRef>
+            <a:effectRef idx="2">
+              <a:schemeClr val="accent1"/>
+            </a:effectRef>
+            <a:fontRef idx="minor">
+              <a:schemeClr val="tx1"/>
+            </a:fontRef>
+          </p:style>
+        </p:cxnSp>
+        <p:cxnSp>
+          <p:nvCxnSpPr>
+            <p:cNvPr id="217" name="Gerader Verbinder 216">
+              <a:extLst>
+                <a:ext uri="{FF2B5EF4-FFF2-40B4-BE49-F238E27FC236}">
+                  <a16:creationId xmlns:a16="http://schemas.microsoft.com/office/drawing/2014/main" id="{69BD8914-69CB-4B36-ADCA-B40EE48C0A42}"/>
+                </a:ext>
+              </a:extLst>
+            </p:cNvPr>
+            <p:cNvCxnSpPr>
+              <a:cxnSpLocks/>
+            </p:cNvCxnSpPr>
+            <p:nvPr/>
+          </p:nvCxnSpPr>
+          <p:spPr>
+            <a:xfrm flipH="1">
+              <a:off x="10876051" y="1428167"/>
+              <a:ext cx="542755" cy="197264"/>
+            </a:xfrm>
+            <a:prstGeom prst="line">
+              <a:avLst/>
+            </a:prstGeom>
+            <a:ln w="76200" cap="rnd">
+              <a:solidFill>
+                <a:schemeClr val="accent4">
+                  <a:lumMod val="75000"/>
+                </a:schemeClr>
+              </a:solidFill>
+              <a:headEnd type="oval" w="sm" len="sm"/>
+              <a:tailEnd type="oval" w="sm" len="sm"/>
+            </a:ln>
+          </p:spPr>
+          <p:style>
+            <a:lnRef idx="3">
+              <a:schemeClr val="accent1"/>
+            </a:lnRef>
+            <a:fillRef idx="0">
+              <a:schemeClr val="accent1"/>
+            </a:fillRef>
+            <a:effectRef idx="2">
+              <a:schemeClr val="accent1"/>
+            </a:effectRef>
+            <a:fontRef idx="minor">
+              <a:schemeClr val="tx1"/>
+            </a:fontRef>
+          </p:style>
+        </p:cxnSp>
+        <p:cxnSp>
+          <p:nvCxnSpPr>
+            <p:cNvPr id="218" name="Gerader Verbinder 217">
+              <a:extLst>
+                <a:ext uri="{FF2B5EF4-FFF2-40B4-BE49-F238E27FC236}">
+                  <a16:creationId xmlns:a16="http://schemas.microsoft.com/office/drawing/2014/main" id="{A0CC5441-C1B3-4D82-8853-5C0A4A371489}"/>
+                </a:ext>
+              </a:extLst>
+            </p:cNvPr>
+            <p:cNvCxnSpPr>
+              <a:cxnSpLocks/>
+            </p:cNvCxnSpPr>
+            <p:nvPr/>
+          </p:nvCxnSpPr>
+          <p:spPr>
+            <a:xfrm>
+              <a:off x="10423416" y="756179"/>
+              <a:ext cx="438522" cy="83585"/>
+            </a:xfrm>
+            <a:prstGeom prst="line">
+              <a:avLst/>
+            </a:prstGeom>
+            <a:ln w="76200" cap="rnd">
+              <a:headEnd type="oval" w="sm" len="sm"/>
+              <a:tailEnd type="oval" w="sm" len="sm"/>
+            </a:ln>
+          </p:spPr>
+          <p:style>
+            <a:lnRef idx="3">
+              <a:schemeClr val="accent1"/>
+            </a:lnRef>
+            <a:fillRef idx="0">
+              <a:schemeClr val="accent1"/>
+            </a:fillRef>
+            <a:effectRef idx="2">
+              <a:schemeClr val="accent1"/>
+            </a:effectRef>
+            <a:fontRef idx="minor">
+              <a:schemeClr val="tx1"/>
+            </a:fontRef>
+          </p:style>
+        </p:cxnSp>
+        <p:cxnSp>
+          <p:nvCxnSpPr>
+            <p:cNvPr id="219" name="Gerader Verbinder 218">
+              <a:extLst>
+                <a:ext uri="{FF2B5EF4-FFF2-40B4-BE49-F238E27FC236}">
+                  <a16:creationId xmlns:a16="http://schemas.microsoft.com/office/drawing/2014/main" id="{B995930E-6C2F-49DE-865D-703640B3E91E}"/>
+                </a:ext>
+              </a:extLst>
+            </p:cNvPr>
+            <p:cNvCxnSpPr>
+              <a:cxnSpLocks/>
+            </p:cNvCxnSpPr>
+            <p:nvPr/>
+          </p:nvCxnSpPr>
+          <p:spPr>
+            <a:xfrm flipH="1" flipV="1">
+              <a:off x="10839789" y="833487"/>
+              <a:ext cx="59900" cy="552462"/>
+            </a:xfrm>
+            <a:prstGeom prst="line">
+              <a:avLst/>
+            </a:prstGeom>
+            <a:ln w="76200" cap="rnd">
+              <a:headEnd type="oval" w="sm" len="sm"/>
+              <a:tailEnd type="oval" w="sm" len="sm"/>
+            </a:ln>
+          </p:spPr>
+          <p:style>
+            <a:lnRef idx="3">
+              <a:schemeClr val="accent1"/>
+            </a:lnRef>
+            <a:fillRef idx="0">
+              <a:schemeClr val="accent1"/>
+            </a:fillRef>
+            <a:effectRef idx="2">
+              <a:schemeClr val="accent1"/>
+            </a:effectRef>
+            <a:fontRef idx="minor">
+              <a:schemeClr val="tx1"/>
+            </a:fontRef>
+          </p:style>
+        </p:cxnSp>
+        <p:cxnSp>
+          <p:nvCxnSpPr>
+            <p:cNvPr id="220" name="Gerader Verbinder 219">
+              <a:extLst>
+                <a:ext uri="{FF2B5EF4-FFF2-40B4-BE49-F238E27FC236}">
+                  <a16:creationId xmlns:a16="http://schemas.microsoft.com/office/drawing/2014/main" id="{58131FFD-8C95-4D6D-950D-4759EC6B7ED7}"/>
+                </a:ext>
+              </a:extLst>
+            </p:cNvPr>
+            <p:cNvCxnSpPr>
+              <a:cxnSpLocks/>
+            </p:cNvCxnSpPr>
+            <p:nvPr/>
+          </p:nvCxnSpPr>
+          <p:spPr>
+            <a:xfrm flipV="1">
+              <a:off x="10909001" y="1237683"/>
+              <a:ext cx="354475" cy="145324"/>
+            </a:xfrm>
+            <a:prstGeom prst="line">
+              <a:avLst/>
+            </a:prstGeom>
+            <a:ln w="76200" cap="rnd">
+              <a:headEnd type="oval" w="sm" len="sm"/>
+              <a:tailEnd type="oval" w="sm" len="sm"/>
+            </a:ln>
+          </p:spPr>
+          <p:style>
+            <a:lnRef idx="3">
+              <a:schemeClr val="accent1"/>
+            </a:lnRef>
+            <a:fillRef idx="0">
+              <a:schemeClr val="accent1"/>
+            </a:fillRef>
+            <a:effectRef idx="2">
+              <a:schemeClr val="accent1"/>
+            </a:effectRef>
+            <a:fontRef idx="minor">
+              <a:schemeClr val="tx1"/>
+            </a:fontRef>
+          </p:style>
+        </p:cxnSp>
+        <p:cxnSp>
+          <p:nvCxnSpPr>
+            <p:cNvPr id="221" name="Gerader Verbinder 220">
+              <a:extLst>
+                <a:ext uri="{FF2B5EF4-FFF2-40B4-BE49-F238E27FC236}">
+                  <a16:creationId xmlns:a16="http://schemas.microsoft.com/office/drawing/2014/main" id="{45FBBBDF-8FAC-49C0-8F88-001511882C6A}"/>
+                </a:ext>
+              </a:extLst>
+            </p:cNvPr>
+            <p:cNvCxnSpPr>
+              <a:cxnSpLocks/>
+            </p:cNvCxnSpPr>
+            <p:nvPr/>
+          </p:nvCxnSpPr>
+          <p:spPr>
+            <a:xfrm flipV="1">
+              <a:off x="9846139" y="1757198"/>
+              <a:ext cx="225137" cy="195007"/>
+            </a:xfrm>
+            <a:prstGeom prst="line">
+              <a:avLst/>
+            </a:prstGeom>
+            <a:ln w="76200" cap="rnd">
+              <a:solidFill>
+                <a:srgbClr val="7030A0"/>
+              </a:solidFill>
+              <a:headEnd type="oval" w="sm" len="sm"/>
+              <a:tailEnd type="oval" w="sm" len="sm"/>
+            </a:ln>
+          </p:spPr>
+          <p:style>
+            <a:lnRef idx="3">
+              <a:schemeClr val="accent1"/>
+            </a:lnRef>
+            <a:fillRef idx="0">
+              <a:schemeClr val="accent1"/>
+            </a:fillRef>
+            <a:effectRef idx="2">
+              <a:schemeClr val="accent1"/>
+            </a:effectRef>
+            <a:fontRef idx="minor">
+              <a:schemeClr val="tx1"/>
+            </a:fontRef>
+          </p:style>
+        </p:cxnSp>
+        <p:cxnSp>
+          <p:nvCxnSpPr>
+            <p:cNvPr id="222" name="Gerader Verbinder 221">
+              <a:extLst>
+                <a:ext uri="{FF2B5EF4-FFF2-40B4-BE49-F238E27FC236}">
+                  <a16:creationId xmlns:a16="http://schemas.microsoft.com/office/drawing/2014/main" id="{94D5C823-D50D-429C-BB39-D2C1C8BCE4A3}"/>
+                </a:ext>
+              </a:extLst>
+            </p:cNvPr>
+            <p:cNvCxnSpPr>
+              <a:cxnSpLocks/>
+            </p:cNvCxnSpPr>
+            <p:nvPr/>
+          </p:nvCxnSpPr>
+          <p:spPr>
+            <a:xfrm flipH="1">
+              <a:off x="10971447" y="2062133"/>
+              <a:ext cx="417819" cy="150093"/>
+            </a:xfrm>
+            <a:prstGeom prst="line">
+              <a:avLst/>
+            </a:prstGeom>
+            <a:ln w="76200" cap="rnd">
+              <a:solidFill>
+                <a:srgbClr val="FF0000"/>
+              </a:solidFill>
+              <a:headEnd type="oval" w="sm" len="sm"/>
+              <a:tailEnd type="oval" w="sm" len="sm"/>
+            </a:ln>
+          </p:spPr>
+          <p:style>
+            <a:lnRef idx="3">
+              <a:schemeClr val="accent1"/>
+            </a:lnRef>
+            <a:fillRef idx="0">
+              <a:schemeClr val="accent1"/>
+            </a:fillRef>
+            <a:effectRef idx="2">
+              <a:schemeClr val="accent1"/>
+            </a:effectRef>
+            <a:fontRef idx="minor">
+              <a:schemeClr val="tx1"/>
+            </a:fontRef>
+          </p:style>
+        </p:cxnSp>
+        <p:cxnSp>
+          <p:nvCxnSpPr>
+            <p:cNvPr id="223" name="Gerader Verbinder 222">
+              <a:extLst>
+                <a:ext uri="{FF2B5EF4-FFF2-40B4-BE49-F238E27FC236}">
+                  <a16:creationId xmlns:a16="http://schemas.microsoft.com/office/drawing/2014/main" id="{DFEDD8B8-CF04-4235-9DDC-B97A708BC798}"/>
+                </a:ext>
+              </a:extLst>
+            </p:cNvPr>
+            <p:cNvCxnSpPr>
+              <a:cxnSpLocks/>
+            </p:cNvCxnSpPr>
+            <p:nvPr/>
+          </p:nvCxnSpPr>
+          <p:spPr>
+            <a:xfrm flipH="1" flipV="1">
+              <a:off x="11328759" y="1815320"/>
+              <a:ext cx="60507" cy="223695"/>
+            </a:xfrm>
+            <a:prstGeom prst="line">
+              <a:avLst/>
+            </a:prstGeom>
+            <a:ln w="76200" cap="rnd">
+              <a:solidFill>
+                <a:srgbClr val="FF0000"/>
+              </a:solidFill>
+              <a:headEnd type="oval" w="sm" len="sm"/>
+              <a:tailEnd type="oval" w="sm" len="sm"/>
+            </a:ln>
+          </p:spPr>
+          <p:style>
+            <a:lnRef idx="3">
+              <a:schemeClr val="accent1"/>
+            </a:lnRef>
+            <a:fillRef idx="0">
+              <a:schemeClr val="accent1"/>
+            </a:fillRef>
+            <a:effectRef idx="2">
+              <a:schemeClr val="accent1"/>
+            </a:effectRef>
+            <a:fontRef idx="minor">
+              <a:schemeClr val="tx1"/>
+            </a:fontRef>
+          </p:style>
+        </p:cxnSp>
+        <p:cxnSp>
+          <p:nvCxnSpPr>
+            <p:cNvPr id="224" name="Gerader Verbinder 223">
+              <a:extLst>
+                <a:ext uri="{FF2B5EF4-FFF2-40B4-BE49-F238E27FC236}">
+                  <a16:creationId xmlns:a16="http://schemas.microsoft.com/office/drawing/2014/main" id="{3C9C737C-3E2C-4A73-8402-A9624E280CC9}"/>
+                </a:ext>
+              </a:extLst>
+            </p:cNvPr>
+            <p:cNvCxnSpPr>
+              <a:cxnSpLocks/>
+            </p:cNvCxnSpPr>
+            <p:nvPr/>
+          </p:nvCxnSpPr>
+          <p:spPr>
+            <a:xfrm>
+              <a:off x="8843805" y="2113028"/>
+              <a:ext cx="229784" cy="360973"/>
+            </a:xfrm>
+            <a:prstGeom prst="line">
+              <a:avLst/>
+            </a:prstGeom>
+            <a:ln w="76200" cap="rnd">
+              <a:solidFill>
+                <a:srgbClr val="00B0F0"/>
+              </a:solidFill>
+              <a:headEnd type="oval" w="sm" len="sm"/>
+              <a:tailEnd type="oval" w="sm" len="sm"/>
+            </a:ln>
+          </p:spPr>
+          <p:style>
+            <a:lnRef idx="3">
+              <a:schemeClr val="accent1"/>
+            </a:lnRef>
+            <a:fillRef idx="0">
+              <a:schemeClr val="accent1"/>
+            </a:fillRef>
+            <a:effectRef idx="2">
+              <a:schemeClr val="accent1"/>
+            </a:effectRef>
+            <a:fontRef idx="minor">
+              <a:schemeClr val="tx1"/>
+            </a:fontRef>
+          </p:style>
+        </p:cxnSp>
+        <p:cxnSp>
+          <p:nvCxnSpPr>
+            <p:cNvPr id="225" name="Gerader Verbinder 224">
+              <a:extLst>
+                <a:ext uri="{FF2B5EF4-FFF2-40B4-BE49-F238E27FC236}">
+                  <a16:creationId xmlns:a16="http://schemas.microsoft.com/office/drawing/2014/main" id="{6AF464C9-3075-4F95-A1D3-165CA2C2D0F6}"/>
+                </a:ext>
+              </a:extLst>
+            </p:cNvPr>
+            <p:cNvCxnSpPr>
+              <a:cxnSpLocks/>
+            </p:cNvCxnSpPr>
+            <p:nvPr/>
+          </p:nvCxnSpPr>
+          <p:spPr>
+            <a:xfrm flipH="1" flipV="1">
+              <a:off x="9091635" y="2470725"/>
+              <a:ext cx="992469" cy="53282"/>
+            </a:xfrm>
+            <a:prstGeom prst="line">
+              <a:avLst/>
+            </a:prstGeom>
+            <a:ln w="76200" cap="rnd">
+              <a:solidFill>
+                <a:srgbClr val="00B0F0"/>
+              </a:solidFill>
+              <a:headEnd type="oval" w="sm" len="sm"/>
+              <a:tailEnd type="oval" w="sm" len="sm"/>
+            </a:ln>
+          </p:spPr>
+          <p:style>
+            <a:lnRef idx="3">
+              <a:schemeClr val="accent1"/>
+            </a:lnRef>
+            <a:fillRef idx="0">
+              <a:schemeClr val="accent1"/>
+            </a:fillRef>
+            <a:effectRef idx="2">
+              <a:schemeClr val="accent1"/>
+            </a:effectRef>
+            <a:fontRef idx="minor">
+              <a:schemeClr val="tx1"/>
+            </a:fontRef>
+          </p:style>
+        </p:cxnSp>
+        <p:cxnSp>
+          <p:nvCxnSpPr>
+            <p:cNvPr id="226" name="Gerader Verbinder 225">
+              <a:extLst>
+                <a:ext uri="{FF2B5EF4-FFF2-40B4-BE49-F238E27FC236}">
+                  <a16:creationId xmlns:a16="http://schemas.microsoft.com/office/drawing/2014/main" id="{798C7C70-53F2-41DA-9340-FD25EC2F663E}"/>
+                </a:ext>
+              </a:extLst>
+            </p:cNvPr>
+            <p:cNvCxnSpPr>
+              <a:cxnSpLocks/>
+            </p:cNvCxnSpPr>
+            <p:nvPr/>
+          </p:nvCxnSpPr>
+          <p:spPr>
+            <a:xfrm flipH="1" flipV="1">
+              <a:off x="8999179" y="1025781"/>
+              <a:ext cx="47458" cy="242996"/>
+            </a:xfrm>
+            <a:prstGeom prst="line">
+              <a:avLst/>
+            </a:prstGeom>
+            <a:ln w="76200" cap="rnd">
+              <a:solidFill>
+                <a:schemeClr val="accent4">
+                  <a:lumMod val="20000"/>
+                  <a:lumOff val="80000"/>
+                </a:schemeClr>
+              </a:solidFill>
+              <a:headEnd type="oval" w="sm" len="sm"/>
+              <a:tailEnd type="oval" w="sm" len="sm"/>
+            </a:ln>
+          </p:spPr>
+          <p:style>
+            <a:lnRef idx="3">
+              <a:schemeClr val="accent1"/>
+            </a:lnRef>
+            <a:fillRef idx="0">
+              <a:schemeClr val="accent1"/>
+            </a:fillRef>
+            <a:effectRef idx="2">
+              <a:schemeClr val="accent1"/>
+            </a:effectRef>
+            <a:fontRef idx="minor">
+              <a:schemeClr val="tx1"/>
+            </a:fontRef>
+          </p:style>
+        </p:cxnSp>
+        <p:cxnSp>
+          <p:nvCxnSpPr>
+            <p:cNvPr id="227" name="Gerader Verbinder 226">
+              <a:extLst>
+                <a:ext uri="{FF2B5EF4-FFF2-40B4-BE49-F238E27FC236}">
+                  <a16:creationId xmlns:a16="http://schemas.microsoft.com/office/drawing/2014/main" id="{402EBF90-A2C1-4930-AA86-73A35D7A0BA5}"/>
+                </a:ext>
+              </a:extLst>
+            </p:cNvPr>
+            <p:cNvCxnSpPr>
+              <a:cxnSpLocks/>
+            </p:cNvCxnSpPr>
+            <p:nvPr/>
+          </p:nvCxnSpPr>
+          <p:spPr>
+            <a:xfrm flipH="1" flipV="1">
+              <a:off x="8766715" y="1071262"/>
+              <a:ext cx="324920" cy="669365"/>
+            </a:xfrm>
+            <a:prstGeom prst="line">
+              <a:avLst/>
+            </a:prstGeom>
+            <a:ln w="76200" cap="rnd">
+              <a:solidFill>
+                <a:schemeClr val="bg2">
+                  <a:lumMod val="50000"/>
+                </a:schemeClr>
+              </a:solidFill>
+              <a:headEnd type="oval" w="sm" len="sm"/>
+              <a:tailEnd type="oval" w="sm" len="sm"/>
+            </a:ln>
+          </p:spPr>
+          <p:style>
+            <a:lnRef idx="3">
+              <a:schemeClr val="accent1"/>
+            </a:lnRef>
+            <a:fillRef idx="0">
+              <a:schemeClr val="accent1"/>
+            </a:fillRef>
+            <a:effectRef idx="2">
+              <a:schemeClr val="accent1"/>
+            </a:effectRef>
+            <a:fontRef idx="minor">
+              <a:schemeClr val="tx1"/>
+            </a:fontRef>
+          </p:style>
+        </p:cxnSp>
+        <p:cxnSp>
+          <p:nvCxnSpPr>
+            <p:cNvPr id="228" name="Gerader Verbinder 227">
+              <a:extLst>
+                <a:ext uri="{FF2B5EF4-FFF2-40B4-BE49-F238E27FC236}">
+                  <a16:creationId xmlns:a16="http://schemas.microsoft.com/office/drawing/2014/main" id="{0D3705BC-E59C-45EC-AFB2-2960E64C092F}"/>
+                </a:ext>
+              </a:extLst>
+            </p:cNvPr>
+            <p:cNvCxnSpPr>
+              <a:cxnSpLocks/>
+            </p:cNvCxnSpPr>
+            <p:nvPr/>
+          </p:nvCxnSpPr>
+          <p:spPr>
+            <a:xfrm flipV="1">
+              <a:off x="8786104" y="1786108"/>
+              <a:ext cx="260532" cy="212397"/>
+            </a:xfrm>
+            <a:prstGeom prst="line">
+              <a:avLst/>
+            </a:prstGeom>
+            <a:ln w="76200" cap="rnd">
+              <a:solidFill>
+                <a:schemeClr val="bg2">
+                  <a:lumMod val="50000"/>
+                </a:schemeClr>
+              </a:solidFill>
+              <a:headEnd type="oval" w="sm" len="sm"/>
+              <a:tailEnd type="oval" w="sm" len="sm"/>
+            </a:ln>
+          </p:spPr>
+          <p:style>
+            <a:lnRef idx="3">
+              <a:schemeClr val="accent1"/>
+            </a:lnRef>
+            <a:fillRef idx="0">
+              <a:schemeClr val="accent1"/>
+            </a:fillRef>
+            <a:effectRef idx="2">
+              <a:schemeClr val="accent1"/>
+            </a:effectRef>
+            <a:fontRef idx="minor">
+              <a:schemeClr val="tx1"/>
+            </a:fontRef>
+          </p:style>
+        </p:cxnSp>
+        <p:cxnSp>
+          <p:nvCxnSpPr>
+            <p:cNvPr id="229" name="Gerader Verbinder 228">
+              <a:extLst>
+                <a:ext uri="{FF2B5EF4-FFF2-40B4-BE49-F238E27FC236}">
+                  <a16:creationId xmlns:a16="http://schemas.microsoft.com/office/drawing/2014/main" id="{DBB0A063-C865-4CC1-8593-D4BA6457A98D}"/>
+                </a:ext>
+              </a:extLst>
+            </p:cNvPr>
+            <p:cNvCxnSpPr>
+              <a:cxnSpLocks/>
+            </p:cNvCxnSpPr>
+            <p:nvPr/>
+          </p:nvCxnSpPr>
+          <p:spPr>
+            <a:xfrm flipH="1">
+              <a:off x="10657414" y="2634777"/>
+              <a:ext cx="671345" cy="133409"/>
+            </a:xfrm>
+            <a:prstGeom prst="line">
+              <a:avLst/>
+            </a:prstGeom>
+            <a:ln w="76200" cap="rnd">
+              <a:solidFill>
+                <a:schemeClr val="accent6">
+                  <a:lumMod val="40000"/>
+                  <a:lumOff val="60000"/>
+                </a:schemeClr>
+              </a:solidFill>
+              <a:headEnd type="oval" w="sm" len="sm"/>
+              <a:tailEnd type="oval" w="sm" len="sm"/>
+            </a:ln>
+          </p:spPr>
+          <p:style>
+            <a:lnRef idx="3">
+              <a:schemeClr val="accent1"/>
+            </a:lnRef>
+            <a:fillRef idx="0">
+              <a:schemeClr val="accent1"/>
+            </a:fillRef>
+            <a:effectRef idx="2">
+              <a:schemeClr val="accent1"/>
+            </a:effectRef>
+            <a:fontRef idx="minor">
+              <a:schemeClr val="tx1"/>
+            </a:fontRef>
+          </p:style>
+        </p:cxnSp>
+        <p:cxnSp>
+          <p:nvCxnSpPr>
+            <p:cNvPr id="230" name="Gerader Verbinder 229">
+              <a:extLst>
+                <a:ext uri="{FF2B5EF4-FFF2-40B4-BE49-F238E27FC236}">
+                  <a16:creationId xmlns:a16="http://schemas.microsoft.com/office/drawing/2014/main" id="{E3E210B6-3600-4FDC-A798-9479A882D1C7}"/>
+                </a:ext>
+              </a:extLst>
+            </p:cNvPr>
+            <p:cNvCxnSpPr>
+              <a:cxnSpLocks/>
+            </p:cNvCxnSpPr>
+            <p:nvPr/>
+          </p:nvCxnSpPr>
+          <p:spPr>
+            <a:xfrm flipV="1">
+              <a:off x="11328759" y="1910992"/>
+              <a:ext cx="254999" cy="721575"/>
+            </a:xfrm>
+            <a:prstGeom prst="line">
+              <a:avLst/>
+            </a:prstGeom>
+            <a:ln w="76200" cap="rnd">
+              <a:solidFill>
+                <a:schemeClr val="accent6">
+                  <a:lumMod val="40000"/>
+                  <a:lumOff val="60000"/>
+                </a:schemeClr>
+              </a:solidFill>
+              <a:headEnd type="oval" w="sm" len="sm"/>
+              <a:tailEnd type="oval" w="sm" len="sm"/>
+            </a:ln>
+          </p:spPr>
+          <p:style>
+            <a:lnRef idx="3">
+              <a:schemeClr val="accent1"/>
+            </a:lnRef>
+            <a:fillRef idx="0">
+              <a:schemeClr val="accent1"/>
+            </a:fillRef>
+            <a:effectRef idx="2">
+              <a:schemeClr val="accent1"/>
+            </a:effectRef>
+            <a:fontRef idx="minor">
+              <a:schemeClr val="tx1"/>
+            </a:fontRef>
+          </p:style>
+        </p:cxnSp>
+        <p:cxnSp>
+          <p:nvCxnSpPr>
+            <p:cNvPr id="231" name="Gerader Verbinder 230">
+              <a:extLst>
+                <a:ext uri="{FF2B5EF4-FFF2-40B4-BE49-F238E27FC236}">
+                  <a16:creationId xmlns:a16="http://schemas.microsoft.com/office/drawing/2014/main" id="{6F1B700D-E750-404F-8772-BC860AD3354D}"/>
+                </a:ext>
+              </a:extLst>
+            </p:cNvPr>
+            <p:cNvCxnSpPr>
+              <a:cxnSpLocks/>
+            </p:cNvCxnSpPr>
+            <p:nvPr/>
+          </p:nvCxnSpPr>
+          <p:spPr>
+            <a:xfrm flipH="1" flipV="1">
+              <a:off x="11595701" y="1921234"/>
+              <a:ext cx="238869" cy="86809"/>
+            </a:xfrm>
+            <a:prstGeom prst="line">
+              <a:avLst/>
+            </a:prstGeom>
+            <a:ln w="76200" cap="rnd">
+              <a:solidFill>
+                <a:schemeClr val="accent6">
+                  <a:lumMod val="40000"/>
+                  <a:lumOff val="60000"/>
+                </a:schemeClr>
+              </a:solidFill>
+              <a:headEnd type="oval" w="sm" len="sm"/>
+              <a:tailEnd type="oval" w="sm" len="sm"/>
+            </a:ln>
+          </p:spPr>
+          <p:style>
+            <a:lnRef idx="3">
+              <a:schemeClr val="accent1"/>
+            </a:lnRef>
+            <a:fillRef idx="0">
+              <a:schemeClr val="accent1"/>
+            </a:fillRef>
+            <a:effectRef idx="2">
+              <a:schemeClr val="accent1"/>
+            </a:effectRef>
+            <a:fontRef idx="minor">
+              <a:schemeClr val="tx1"/>
+            </a:fontRef>
+          </p:style>
+        </p:cxnSp>
+      </p:grpSp>
+    </p:spTree>
+    <p:extLst>
+      <p:ext uri="{BB962C8B-B14F-4D97-AF65-F5344CB8AC3E}">
+        <p14:creationId xmlns:p14="http://schemas.microsoft.com/office/powerpoint/2010/main" val="1972576133"/>
+      </p:ext>
+    </p:extLst>
+  </p:cSld>
+  <p:clrMapOvr>
+    <a:masterClrMapping/>
+  </p:clrMapOvr>
+</p:sld>
+</file>
+
+<file path=ppt/slides/slide3.xml><?xml version="1.0" encoding="utf-8"?>
 <p:sld xmlns:a="http://schemas.openxmlformats.org/drawingml/2006/main" xmlns:r="http://schemas.openxmlformats.org/officeDocument/2006/relationships" xmlns:p="http://schemas.openxmlformats.org/presentationml/2006/main">
   <p:cSld>
     <p:spTree>
